--- a/presentation.pptx
+++ b/presentation.pptx
@@ -5,7 +5,7 @@
     <p:sldMasterId id="2147483689" r:id="rId1"/>
   </p:sldMasterIdLst>
   <p:notesMasterIdLst>
-    <p:notesMasterId r:id="rId20"/>
+    <p:notesMasterId r:id="rId21"/>
   </p:notesMasterIdLst>
   <p:sldIdLst>
     <p:sldId id="256" r:id="rId2"/>
@@ -25,7 +25,8 @@
     <p:sldId id="270" r:id="rId16"/>
     <p:sldId id="271" r:id="rId17"/>
     <p:sldId id="272" r:id="rId18"/>
-    <p:sldId id="273" r:id="rId19"/>
+    <p:sldId id="274" r:id="rId19"/>
+    <p:sldId id="273" r:id="rId20"/>
   </p:sldIdLst>
   <p:sldSz cx="12192000" cy="6858000"/>
   <p:notesSz cx="6858000" cy="9144000"/>
@@ -124,6 +125,11 @@
       </a:defRPr>
     </a:lvl9pPr>
   </p:defaultTextStyle>
+  <p:extLst>
+    <p:ext uri="{EFAFB233-063F-42B5-8137-9DF3F51BA10A}">
+      <p15:sldGuideLst xmlns:p15="http://schemas.microsoft.com/office/powerpoint/2012/main"/>
+    </p:ext>
+  </p:extLst>
 </p:presentation>
 </file>
 
@@ -10787,8 +10793,8 @@
           </a:p>
         </p:txBody>
       </p:sp>
-      <mc:AlternateContent xmlns:mc="http://schemas.openxmlformats.org/markup-compatibility/2006">
-        <mc:Choice xmlns:a14="http://schemas.microsoft.com/office/drawing/2010/main" Requires="a14">
+      <mc:AlternateContent xmlns:mc="http://schemas.openxmlformats.org/markup-compatibility/2006" xmlns:a14="http://schemas.microsoft.com/office/drawing/2010/main">
+        <mc:Choice Requires="a14">
           <p:sp>
             <p:nvSpPr>
               <p:cNvPr id="3" name="Content Placeholder 2">
@@ -11364,7 +11370,7 @@
             </p:txBody>
           </p:sp>
         </mc:Choice>
-        <mc:Fallback>
+        <mc:Fallback xmlns="">
           <p:sp>
             <p:nvSpPr>
               <p:cNvPr id="3" name="Content Placeholder 2">
@@ -13462,7 +13468,7 @@
         <p:spPr>
           <a:xfrm>
             <a:off x="6970881" y="2851102"/>
-            <a:ext cx="3868754" cy="830997"/>
+            <a:ext cx="3868754" cy="646331"/>
           </a:xfrm>
           <a:prstGeom prst="rect">
             <a:avLst/>
@@ -13483,55 +13489,8 @@
                 <a:effectLst/>
                 <a:latin typeface="Consolas" panose="020B0609020204030204" pitchFamily="49" charset="0"/>
               </a:rPr>
-              <a:t>Single value prediction:</a:t>
+              <a:t>Accuracy score: 0.9973582206918469 Predicted value: 0.9346523867785396 </a:t>
             </a:r>
-            <a:br>
-              <a:rPr lang="en-US" sz="1200" b="0" i="0" dirty="0">
-                <a:solidFill>
-                  <a:srgbClr val="3B3B3B"/>
-                </a:solidFill>
-                <a:effectLst/>
-                <a:latin typeface="Consolas" panose="020B0609020204030204" pitchFamily="49" charset="0"/>
-              </a:rPr>
-            </a:br>
-            <a:r>
-              <a:rPr lang="en-US" sz="1200" b="0" i="0" dirty="0">
-                <a:solidFill>
-                  <a:srgbClr val="3B3B3B"/>
-                </a:solidFill>
-                <a:effectLst/>
-                <a:latin typeface="Consolas" panose="020B0609020204030204" pitchFamily="49" charset="0"/>
-              </a:rPr>
-              <a:t>Accuracy score: 0.9999361599 </a:t>
-            </a:r>
-            <a:br>
-              <a:rPr lang="en-US" sz="1200" b="0" i="0" dirty="0">
-                <a:solidFill>
-                  <a:srgbClr val="3B3B3B"/>
-                </a:solidFill>
-                <a:effectLst/>
-                <a:latin typeface="Consolas" panose="020B0609020204030204" pitchFamily="49" charset="0"/>
-              </a:rPr>
-            </a:br>
-            <a:r>
-              <a:rPr lang="en-US" sz="1200" b="0" i="0" dirty="0">
-                <a:solidFill>
-                  <a:srgbClr val="3B3B3B"/>
-                </a:solidFill>
-                <a:effectLst/>
-                <a:latin typeface="Consolas" panose="020B0609020204030204" pitchFamily="49" charset="0"/>
-              </a:rPr>
-              <a:t>Predicted value: 0.05198999999999999 </a:t>
-            </a:r>
-            <a:br>
-              <a:rPr lang="en-US" sz="1200" b="0" i="0" dirty="0">
-                <a:solidFill>
-                  <a:srgbClr val="3B3B3B"/>
-                </a:solidFill>
-                <a:effectLst/>
-                <a:latin typeface="Consolas" panose="020B0609020204030204" pitchFamily="49" charset="0"/>
-              </a:rPr>
-            </a:br>
             <a:r>
               <a:rPr lang="en-US" sz="1200" b="0" i="0" dirty="0" err="1">
                 <a:solidFill>
@@ -13550,7 +13509,7 @@
                 <a:effectLst/>
                 <a:latin typeface="Consolas" panose="020B0609020204030204" pitchFamily="49" charset="0"/>
               </a:rPr>
-              <a:t> value: 0.044</a:t>
+              <a:t> value: 0.9860506290456943</a:t>
             </a:r>
             <a:endParaRPr lang="it-IT" sz="1200" dirty="0"/>
           </a:p>
@@ -13656,6 +13615,425 @@
           <p:cNvPr id="2" name="Title 1">
             <a:extLst>
               <a:ext uri="{FF2B5EF4-FFF2-40B4-BE49-F238E27FC236}">
+                <a16:creationId xmlns:a16="http://schemas.microsoft.com/office/drawing/2014/main" id="{C5CAFA9E-D06A-AABC-306F-53B2D4FAC85E}"/>
+              </a:ext>
+            </a:extLst>
+          </p:cNvPr>
+          <p:cNvSpPr>
+            <a:spLocks noGrp="1"/>
+          </p:cNvSpPr>
+          <p:nvPr>
+            <p:ph type="title"/>
+          </p:nvPr>
+        </p:nvSpPr>
+        <p:spPr/>
+        <p:txBody>
+          <a:bodyPr/>
+          <a:lstStyle/>
+          <a:p>
+            <a:r>
+              <a:rPr lang="it-IT" dirty="0">
+                <a:latin typeface="Bahnschrift" panose="020B0502040204020203" pitchFamily="34" charset="0"/>
+              </a:rPr>
+              <a:t>Comparing results</a:t>
+            </a:r>
+            <a:endParaRPr lang="it-IT" dirty="0"/>
+          </a:p>
+        </p:txBody>
+      </p:sp>
+      <p:graphicFrame>
+        <p:nvGraphicFramePr>
+          <p:cNvPr id="8" name="Table 8">
+            <a:extLst>
+              <a:ext uri="{FF2B5EF4-FFF2-40B4-BE49-F238E27FC236}">
+                <a16:creationId xmlns:a16="http://schemas.microsoft.com/office/drawing/2014/main" id="{B9D56BE5-6240-D726-001F-D7767CF1AE6D}"/>
+              </a:ext>
+            </a:extLst>
+          </p:cNvPr>
+          <p:cNvGraphicFramePr>
+            <a:graphicFrameLocks noGrp="1"/>
+          </p:cNvGraphicFramePr>
+          <p:nvPr>
+            <p:ph idx="1"/>
+            <p:extLst>
+              <p:ext uri="{D42A27DB-BD31-4B8C-83A1-F6EECF244321}">
+                <p14:modId xmlns:p14="http://schemas.microsoft.com/office/powerpoint/2010/main" val="3657076416"/>
+              </p:ext>
+            </p:extLst>
+          </p:nvPr>
+        </p:nvGraphicFramePr>
+        <p:xfrm>
+          <a:off x="1154083" y="2767219"/>
+          <a:ext cx="10058400" cy="1483360"/>
+        </p:xfrm>
+        <a:graphic>
+          <a:graphicData uri="http://schemas.openxmlformats.org/drawingml/2006/table">
+            <a:tbl>
+              <a:tblPr firstRow="1" bandRow="1">
+                <a:tableStyleId>{5C22544A-7EE6-4342-B048-85BDC9FD1C3A}</a:tableStyleId>
+              </a:tblPr>
+              <a:tblGrid>
+                <a:gridCol w="2514600">
+                  <a:extLst>
+                    <a:ext uri="{9D8B030D-6E8A-4147-A177-3AD203B41FA5}">
+                      <a16:colId xmlns:a16="http://schemas.microsoft.com/office/drawing/2014/main" val="1812093762"/>
+                    </a:ext>
+                  </a:extLst>
+                </a:gridCol>
+                <a:gridCol w="2514600">
+                  <a:extLst>
+                    <a:ext uri="{9D8B030D-6E8A-4147-A177-3AD203B41FA5}">
+                      <a16:colId xmlns:a16="http://schemas.microsoft.com/office/drawing/2014/main" val="3600835382"/>
+                    </a:ext>
+                  </a:extLst>
+                </a:gridCol>
+                <a:gridCol w="2514600">
+                  <a:extLst>
+                    <a:ext uri="{9D8B030D-6E8A-4147-A177-3AD203B41FA5}">
+                      <a16:colId xmlns:a16="http://schemas.microsoft.com/office/drawing/2014/main" val="2501030838"/>
+                    </a:ext>
+                  </a:extLst>
+                </a:gridCol>
+                <a:gridCol w="2514600">
+                  <a:extLst>
+                    <a:ext uri="{9D8B030D-6E8A-4147-A177-3AD203B41FA5}">
+                      <a16:colId xmlns:a16="http://schemas.microsoft.com/office/drawing/2014/main" val="3554834528"/>
+                    </a:ext>
+                  </a:extLst>
+                </a:gridCol>
+              </a:tblGrid>
+              <a:tr h="370840">
+                <a:tc>
+                  <a:txBody>
+                    <a:bodyPr/>
+                    <a:lstStyle/>
+                    <a:p>
+                      <a:r>
+                        <a:rPr lang="it-IT" dirty="0"/>
+                        <a:t>Model</a:t>
+                      </a:r>
+                    </a:p>
+                  </a:txBody>
+                  <a:tcPr/>
+                </a:tc>
+                <a:tc>
+                  <a:txBody>
+                    <a:bodyPr/>
+                    <a:lstStyle/>
+                    <a:p>
+                      <a:r>
+                        <a:rPr lang="it-IT" dirty="0"/>
+                        <a:t>Observed value</a:t>
+                      </a:r>
+                    </a:p>
+                  </a:txBody>
+                  <a:tcPr/>
+                </a:tc>
+                <a:tc>
+                  <a:txBody>
+                    <a:bodyPr/>
+                    <a:lstStyle/>
+                    <a:p>
+                      <a:r>
+                        <a:rPr lang="it-IT" dirty="0"/>
+                        <a:t>Predicted value</a:t>
+                      </a:r>
+                    </a:p>
+                  </a:txBody>
+                  <a:tcPr/>
+                </a:tc>
+                <a:tc>
+                  <a:txBody>
+                    <a:bodyPr/>
+                    <a:lstStyle/>
+                    <a:p>
+                      <a:r>
+                        <a:rPr lang="it-IT" dirty="0"/>
+                        <a:t>Accuracy (1 - SE)</a:t>
+                      </a:r>
+                    </a:p>
+                  </a:txBody>
+                  <a:tcPr/>
+                </a:tc>
+                <a:extLst>
+                  <a:ext uri="{0D108BD9-81ED-4DB2-BD59-A6C34878D82A}">
+                    <a16:rowId xmlns:a16="http://schemas.microsoft.com/office/drawing/2014/main" val="2166784019"/>
+                  </a:ext>
+                </a:extLst>
+              </a:tr>
+              <a:tr h="370840">
+                <a:tc>
+                  <a:txBody>
+                    <a:bodyPr/>
+                    <a:lstStyle/>
+                    <a:p>
+                      <a:r>
+                        <a:rPr lang="it-IT" dirty="0"/>
+                        <a:t>Standard pricing</a:t>
+                      </a:r>
+                    </a:p>
+                  </a:txBody>
+                  <a:tcPr/>
+                </a:tc>
+                <a:tc>
+                  <a:txBody>
+                    <a:bodyPr/>
+                    <a:lstStyle/>
+                    <a:p>
+                      <a:r>
+                        <a:rPr lang="it-IT" dirty="0"/>
+                        <a:t>0.93</a:t>
+                      </a:r>
+                    </a:p>
+                  </a:txBody>
+                  <a:tcPr/>
+                </a:tc>
+                <a:tc>
+                  <a:txBody>
+                    <a:bodyPr/>
+                    <a:lstStyle/>
+                    <a:p>
+                      <a:r>
+                        <a:rPr lang="it-IT" dirty="0"/>
+                        <a:t>0.98</a:t>
+                      </a:r>
+                    </a:p>
+                  </a:txBody>
+                  <a:tcPr/>
+                </a:tc>
+                <a:tc>
+                  <a:txBody>
+                    <a:bodyPr/>
+                    <a:lstStyle/>
+                    <a:p>
+                      <a:r>
+                        <a:rPr lang="it-IT" dirty="0"/>
+                        <a:t>0.99</a:t>
+                      </a:r>
+                    </a:p>
+                  </a:txBody>
+                  <a:tcPr/>
+                </a:tc>
+                <a:extLst>
+                  <a:ext uri="{0D108BD9-81ED-4DB2-BD59-A6C34878D82A}">
+                    <a16:rowId xmlns:a16="http://schemas.microsoft.com/office/drawing/2014/main" val="1897951549"/>
+                  </a:ext>
+                </a:extLst>
+              </a:tr>
+              <a:tr h="370840">
+                <a:tc>
+                  <a:txBody>
+                    <a:bodyPr/>
+                    <a:lstStyle/>
+                    <a:p>
+                      <a:r>
+                        <a:rPr lang="it-IT" dirty="0"/>
+                        <a:t>Using returns</a:t>
+                      </a:r>
+                    </a:p>
+                  </a:txBody>
+                  <a:tcPr/>
+                </a:tc>
+                <a:tc>
+                  <a:txBody>
+                    <a:bodyPr/>
+                    <a:lstStyle/>
+                    <a:p>
+                      <a:r>
+                        <a:rPr lang="it-IT" dirty="0"/>
+                        <a:t>0.052</a:t>
+                      </a:r>
+                    </a:p>
+                  </a:txBody>
+                  <a:tcPr/>
+                </a:tc>
+                <a:tc>
+                  <a:txBody>
+                    <a:bodyPr/>
+                    <a:lstStyle/>
+                    <a:p>
+                      <a:r>
+                        <a:rPr lang="it-IT" dirty="0"/>
+                        <a:t>0.044</a:t>
+                      </a:r>
+                    </a:p>
+                  </a:txBody>
+                  <a:tcPr/>
+                </a:tc>
+                <a:tc>
+                  <a:txBody>
+                    <a:bodyPr/>
+                    <a:lstStyle/>
+                    <a:p>
+                      <a:r>
+                        <a:rPr lang="it-IT" dirty="0"/>
+                        <a:t>0.99</a:t>
+                      </a:r>
+                    </a:p>
+                  </a:txBody>
+                  <a:tcPr/>
+                </a:tc>
+                <a:extLst>
+                  <a:ext uri="{0D108BD9-81ED-4DB2-BD59-A6C34878D82A}">
+                    <a16:rowId xmlns:a16="http://schemas.microsoft.com/office/drawing/2014/main" val="1705763528"/>
+                  </a:ext>
+                </a:extLst>
+              </a:tr>
+              <a:tr h="370840">
+                <a:tc>
+                  <a:txBody>
+                    <a:bodyPr/>
+                    <a:lstStyle/>
+                    <a:p>
+                      <a:r>
+                        <a:rPr lang="it-IT" dirty="0"/>
+                        <a:t>Final model</a:t>
+                      </a:r>
+                    </a:p>
+                  </a:txBody>
+                  <a:tcPr/>
+                </a:tc>
+                <a:tc>
+                  <a:txBody>
+                    <a:bodyPr/>
+                    <a:lstStyle/>
+                    <a:p>
+                      <a:r>
+                        <a:rPr lang="it-IT" dirty="0"/>
+                        <a:t>0.93</a:t>
+                      </a:r>
+                    </a:p>
+                  </a:txBody>
+                  <a:tcPr/>
+                </a:tc>
+                <a:tc>
+                  <a:txBody>
+                    <a:bodyPr/>
+                    <a:lstStyle/>
+                    <a:p>
+                      <a:r>
+                        <a:rPr lang="it-IT" dirty="0"/>
+                        <a:t>0.98</a:t>
+                      </a:r>
+                    </a:p>
+                  </a:txBody>
+                  <a:tcPr/>
+                </a:tc>
+                <a:tc>
+                  <a:txBody>
+                    <a:bodyPr/>
+                    <a:lstStyle/>
+                    <a:p>
+                      <a:r>
+                        <a:rPr lang="it-IT" dirty="0"/>
+                        <a:t>0.99</a:t>
+                      </a:r>
+                    </a:p>
+                  </a:txBody>
+                  <a:tcPr/>
+                </a:tc>
+                <a:extLst>
+                  <a:ext uri="{0D108BD9-81ED-4DB2-BD59-A6C34878D82A}">
+                    <a16:rowId xmlns:a16="http://schemas.microsoft.com/office/drawing/2014/main" val="1680439782"/>
+                  </a:ext>
+                </a:extLst>
+              </a:tr>
+            </a:tbl>
+          </a:graphicData>
+        </a:graphic>
+      </p:graphicFrame>
+      <p:sp>
+        <p:nvSpPr>
+          <p:cNvPr id="4" name="Footer Placeholder 3">
+            <a:extLst>
+              <a:ext uri="{FF2B5EF4-FFF2-40B4-BE49-F238E27FC236}">
+                <a16:creationId xmlns:a16="http://schemas.microsoft.com/office/drawing/2014/main" id="{E5EE910B-968B-F080-CA35-B6A050E3D585}"/>
+              </a:ext>
+            </a:extLst>
+          </p:cNvPr>
+          <p:cNvSpPr>
+            <a:spLocks noGrp="1"/>
+          </p:cNvSpPr>
+          <p:nvPr>
+            <p:ph type="ftr" sz="quarter" idx="11"/>
+          </p:nvPr>
+        </p:nvSpPr>
+        <p:spPr/>
+        <p:txBody>
+          <a:bodyPr/>
+          <a:lstStyle/>
+          <a:p>
+            <a:r>
+              <a:rPr lang="it-IT"/>
+              <a:t>matteo.minardi@unitn.it</a:t>
+            </a:r>
+          </a:p>
+        </p:txBody>
+      </p:sp>
+      <p:sp>
+        <p:nvSpPr>
+          <p:cNvPr id="5" name="Slide Number Placeholder 4">
+            <a:extLst>
+              <a:ext uri="{FF2B5EF4-FFF2-40B4-BE49-F238E27FC236}">
+                <a16:creationId xmlns:a16="http://schemas.microsoft.com/office/drawing/2014/main" id="{EA0DB7A6-87F3-9A35-FB4F-00B8F3676154}"/>
+              </a:ext>
+            </a:extLst>
+          </p:cNvPr>
+          <p:cNvSpPr>
+            <a:spLocks noGrp="1"/>
+          </p:cNvSpPr>
+          <p:nvPr>
+            <p:ph type="sldNum" sz="quarter" idx="12"/>
+          </p:nvPr>
+        </p:nvSpPr>
+        <p:spPr/>
+        <p:txBody>
+          <a:bodyPr/>
+          <a:lstStyle/>
+          <a:p>
+            <a:fld id="{700A0B3D-1A33-4DE6-901D-7EA6338CCE01}" type="slidenum">
+              <a:rPr lang="it-IT" smtClean="0"/>
+              <a:t>18</a:t>
+            </a:fld>
+            <a:endParaRPr lang="it-IT"/>
+          </a:p>
+        </p:txBody>
+      </p:sp>
+    </p:spTree>
+    <p:extLst>
+      <p:ext uri="{BB962C8B-B14F-4D97-AF65-F5344CB8AC3E}">
+        <p14:creationId xmlns:p14="http://schemas.microsoft.com/office/powerpoint/2010/main" val="3617737068"/>
+      </p:ext>
+    </p:extLst>
+  </p:cSld>
+  <p:clrMapOvr>
+    <a:masterClrMapping/>
+  </p:clrMapOvr>
+</p:sld>
+</file>
+
+<file path=ppt/slides/slide19.xml><?xml version="1.0" encoding="utf-8"?>
+<p:sld xmlns:a="http://schemas.openxmlformats.org/drawingml/2006/main" xmlns:r="http://schemas.openxmlformats.org/officeDocument/2006/relationships" xmlns:p="http://schemas.openxmlformats.org/presentationml/2006/main">
+  <p:cSld>
+    <p:spTree>
+      <p:nvGrpSpPr>
+        <p:cNvPr id="1" name=""/>
+        <p:cNvGrpSpPr/>
+        <p:nvPr/>
+      </p:nvGrpSpPr>
+      <p:grpSpPr>
+        <a:xfrm>
+          <a:off x="0" y="0"/>
+          <a:ext cx="0" cy="0"/>
+          <a:chOff x="0" y="0"/>
+          <a:chExt cx="0" cy="0"/>
+        </a:xfrm>
+      </p:grpSpPr>
+      <p:sp>
+        <p:nvSpPr>
+          <p:cNvPr id="2" name="Title 1">
+            <a:extLst>
+              <a:ext uri="{FF2B5EF4-FFF2-40B4-BE49-F238E27FC236}">
                 <a16:creationId xmlns:a16="http://schemas.microsoft.com/office/drawing/2014/main" id="{E917C25C-8818-6751-767E-FD93AB5482B5}"/>
               </a:ext>
             </a:extLst>
@@ -13748,27 +14126,7 @@
                 <a:effectLst/>
                 <a:latin typeface="Bahnschrift" panose="020B0502040204020203" pitchFamily="34" charset="0"/>
               </a:rPr>
-              <a:t> </a:t>
-            </a:r>
-            <a:r>
-              <a:rPr lang="en-US" b="0" dirty="0" err="1">
-                <a:solidFill>
-                  <a:srgbClr val="3B3B3B"/>
-                </a:solidFill>
-                <a:effectLst/>
-                <a:latin typeface="Bahnschrift" panose="020B0502040204020203" pitchFamily="34" charset="0"/>
-              </a:rPr>
-              <a:t>behaviour</a:t>
-            </a:r>
-            <a:r>
-              <a:rPr lang="en-US" b="0" dirty="0">
-                <a:solidFill>
-                  <a:srgbClr val="3B3B3B"/>
-                </a:solidFill>
-                <a:effectLst/>
-                <a:latin typeface="Bahnschrift" panose="020B0502040204020203" pitchFamily="34" charset="0"/>
-              </a:rPr>
-              <a:t> of the market.</a:t>
+              <a:t> behavior of the market.</a:t>
             </a:r>
           </a:p>
           <a:p>
@@ -13829,7 +14187,7 @@
           <a:p>
             <a:fld id="{700A0B3D-1A33-4DE6-901D-7EA6338CCE01}" type="slidenum">
               <a:rPr lang="it-IT" smtClean="0"/>
-              <a:t>18</a:t>
+              <a:t>19</a:t>
             </a:fld>
             <a:endParaRPr lang="it-IT"/>
           </a:p>
@@ -15433,8 +15791,8 @@
           </a:p>
         </p:txBody>
       </p:sp>
-      <mc:AlternateContent xmlns:mc="http://schemas.openxmlformats.org/markup-compatibility/2006">
-        <mc:Choice xmlns:a14="http://schemas.microsoft.com/office/drawing/2010/main" Requires="a14">
+      <mc:AlternateContent xmlns:mc="http://schemas.openxmlformats.org/markup-compatibility/2006" xmlns:a14="http://schemas.microsoft.com/office/drawing/2010/main">
+        <mc:Choice Requires="a14">
           <p:sp>
             <p:nvSpPr>
               <p:cNvPr id="3" name="Content Placeholder 2">
@@ -15464,7 +15822,6 @@
                 </a:r>
               </a:p>
               <a:p>
-                <a:pPr/>
                 <a14:m>
                   <m:oMath xmlns:m="http://schemas.openxmlformats.org/officeDocument/2006/math">
                     <m:sSub>
@@ -15728,7 +16085,6 @@
                 </a:endParaRPr>
               </a:p>
               <a:p>
-                <a:pPr/>
                 <a14:m>
                   <m:oMath xmlns:m="http://schemas.openxmlformats.org/officeDocument/2006/math">
                     <m:sSub>
@@ -15992,7 +16348,6 @@
                 </a:endParaRPr>
               </a:p>
               <a:p>
-                <a:pPr/>
                 <a14:m>
                   <m:oMath xmlns:m="http://schemas.openxmlformats.org/officeDocument/2006/math">
                     <m:sSub>
@@ -16530,7 +16885,7 @@
             </p:txBody>
           </p:sp>
         </mc:Choice>
-        <mc:Fallback>
+        <mc:Fallback xmlns="">
           <p:sp>
             <p:nvSpPr>
               <p:cNvPr id="3" name="Content Placeholder 2">
@@ -16908,8 +17263,8 @@
           </a:p>
         </p:txBody>
       </p:sp>
-      <mc:AlternateContent xmlns:mc="http://schemas.openxmlformats.org/markup-compatibility/2006">
-        <mc:Choice xmlns:a14="http://schemas.microsoft.com/office/drawing/2010/main" Requires="a14">
+      <mc:AlternateContent xmlns:mc="http://schemas.openxmlformats.org/markup-compatibility/2006" xmlns:a14="http://schemas.microsoft.com/office/drawing/2010/main">
+        <mc:Choice Requires="a14">
           <p:sp>
             <p:nvSpPr>
               <p:cNvPr id="3" name="Content Placeholder 2">
@@ -16938,7 +17293,6 @@
               </a:bodyPr>
               <a:lstStyle/>
               <a:p>
-                <a:pPr/>
                 <a14:m>
                   <m:oMath xmlns:m="http://schemas.openxmlformats.org/officeDocument/2006/math">
                     <m:sSub>
@@ -17223,7 +17577,7 @@
             </p:txBody>
           </p:sp>
         </mc:Choice>
-        <mc:Fallback>
+        <mc:Fallback xmlns="">
           <p:sp>
             <p:nvSpPr>
               <p:cNvPr id="3" name="Content Placeholder 2">

--- a/presentation.pptx
+++ b/presentation.pptx
@@ -1627,6 +1627,753 @@
 </dgm:colorsDef>
 </file>
 
+<file path=ppt/diagrams/colors3.xml><?xml version="1.0" encoding="utf-8"?>
+<dgm:colorsDef xmlns:dgm="http://schemas.openxmlformats.org/drawingml/2006/diagram" xmlns:a="http://schemas.openxmlformats.org/drawingml/2006/main" uniqueId="urn:microsoft.com/office/officeart/2005/8/colors/accent1_2">
+  <dgm:title val=""/>
+  <dgm:desc val=""/>
+  <dgm:catLst>
+    <dgm:cat type="accent1" pri="11200"/>
+  </dgm:catLst>
+  <dgm:styleLbl name="node0">
+    <dgm:fillClrLst meth="repeat">
+      <a:schemeClr val="accent1"/>
+    </dgm:fillClrLst>
+    <dgm:linClrLst meth="repeat">
+      <a:schemeClr val="lt1"/>
+    </dgm:linClrLst>
+    <dgm:effectClrLst/>
+    <dgm:txLinClrLst/>
+    <dgm:txFillClrLst/>
+    <dgm:txEffectClrLst/>
+  </dgm:styleLbl>
+  <dgm:styleLbl name="alignNode1">
+    <dgm:fillClrLst meth="repeat">
+      <a:schemeClr val="accent1"/>
+    </dgm:fillClrLst>
+    <dgm:linClrLst meth="repeat">
+      <a:schemeClr val="accent1"/>
+    </dgm:linClrLst>
+    <dgm:effectClrLst/>
+    <dgm:txLinClrLst/>
+    <dgm:txFillClrLst/>
+    <dgm:txEffectClrLst/>
+  </dgm:styleLbl>
+  <dgm:styleLbl name="node1">
+    <dgm:fillClrLst meth="repeat">
+      <a:schemeClr val="accent1"/>
+    </dgm:fillClrLst>
+    <dgm:linClrLst meth="repeat">
+      <a:schemeClr val="lt1"/>
+    </dgm:linClrLst>
+    <dgm:effectClrLst/>
+    <dgm:txLinClrLst/>
+    <dgm:txFillClrLst/>
+    <dgm:txEffectClrLst/>
+  </dgm:styleLbl>
+  <dgm:styleLbl name="lnNode1">
+    <dgm:fillClrLst meth="repeat">
+      <a:schemeClr val="accent1"/>
+    </dgm:fillClrLst>
+    <dgm:linClrLst meth="repeat">
+      <a:schemeClr val="lt1"/>
+    </dgm:linClrLst>
+    <dgm:effectClrLst/>
+    <dgm:txLinClrLst/>
+    <dgm:txFillClrLst/>
+    <dgm:txEffectClrLst/>
+  </dgm:styleLbl>
+  <dgm:styleLbl name="vennNode1">
+    <dgm:fillClrLst meth="repeat">
+      <a:schemeClr val="accent1">
+        <a:alpha val="50000"/>
+      </a:schemeClr>
+    </dgm:fillClrLst>
+    <dgm:linClrLst meth="repeat">
+      <a:schemeClr val="lt1"/>
+    </dgm:linClrLst>
+    <dgm:effectClrLst/>
+    <dgm:txLinClrLst/>
+    <dgm:txFillClrLst/>
+    <dgm:txEffectClrLst/>
+  </dgm:styleLbl>
+  <dgm:styleLbl name="node2">
+    <dgm:fillClrLst meth="repeat">
+      <a:schemeClr val="accent1"/>
+    </dgm:fillClrLst>
+    <dgm:linClrLst meth="repeat">
+      <a:schemeClr val="lt1"/>
+    </dgm:linClrLst>
+    <dgm:effectClrLst/>
+    <dgm:txLinClrLst/>
+    <dgm:txFillClrLst/>
+    <dgm:txEffectClrLst/>
+  </dgm:styleLbl>
+  <dgm:styleLbl name="node3">
+    <dgm:fillClrLst meth="repeat">
+      <a:schemeClr val="accent1"/>
+    </dgm:fillClrLst>
+    <dgm:linClrLst meth="repeat">
+      <a:schemeClr val="lt1"/>
+    </dgm:linClrLst>
+    <dgm:effectClrLst/>
+    <dgm:txLinClrLst/>
+    <dgm:txFillClrLst/>
+    <dgm:txEffectClrLst/>
+  </dgm:styleLbl>
+  <dgm:styleLbl name="node4">
+    <dgm:fillClrLst meth="repeat">
+      <a:schemeClr val="accent1"/>
+    </dgm:fillClrLst>
+    <dgm:linClrLst meth="repeat">
+      <a:schemeClr val="lt1"/>
+    </dgm:linClrLst>
+    <dgm:effectClrLst/>
+    <dgm:txLinClrLst/>
+    <dgm:txFillClrLst/>
+    <dgm:txEffectClrLst/>
+  </dgm:styleLbl>
+  <dgm:styleLbl name="fgImgPlace1">
+    <dgm:fillClrLst meth="repeat">
+      <a:schemeClr val="accent1">
+        <a:tint val="50000"/>
+      </a:schemeClr>
+    </dgm:fillClrLst>
+    <dgm:linClrLst meth="repeat">
+      <a:schemeClr val="lt1"/>
+    </dgm:linClrLst>
+    <dgm:effectClrLst/>
+    <dgm:txLinClrLst/>
+    <dgm:txFillClrLst meth="repeat">
+      <a:schemeClr val="lt1"/>
+    </dgm:txFillClrLst>
+    <dgm:txEffectClrLst/>
+  </dgm:styleLbl>
+  <dgm:styleLbl name="alignImgPlace1">
+    <dgm:fillClrLst meth="repeat">
+      <a:schemeClr val="accent1">
+        <a:tint val="50000"/>
+      </a:schemeClr>
+    </dgm:fillClrLst>
+    <dgm:linClrLst meth="repeat">
+      <a:schemeClr val="lt1"/>
+    </dgm:linClrLst>
+    <dgm:effectClrLst/>
+    <dgm:txLinClrLst/>
+    <dgm:txFillClrLst meth="repeat">
+      <a:schemeClr val="lt1"/>
+    </dgm:txFillClrLst>
+    <dgm:txEffectClrLst/>
+  </dgm:styleLbl>
+  <dgm:styleLbl name="bgImgPlace1">
+    <dgm:fillClrLst meth="repeat">
+      <a:schemeClr val="accent1">
+        <a:tint val="50000"/>
+      </a:schemeClr>
+    </dgm:fillClrLst>
+    <dgm:linClrLst meth="repeat">
+      <a:schemeClr val="lt1"/>
+    </dgm:linClrLst>
+    <dgm:effectClrLst/>
+    <dgm:txLinClrLst/>
+    <dgm:txFillClrLst meth="repeat">
+      <a:schemeClr val="lt1"/>
+    </dgm:txFillClrLst>
+    <dgm:txEffectClrLst/>
+  </dgm:styleLbl>
+  <dgm:styleLbl name="sibTrans2D1">
+    <dgm:fillClrLst meth="repeat">
+      <a:schemeClr val="accent1">
+        <a:tint val="60000"/>
+      </a:schemeClr>
+    </dgm:fillClrLst>
+    <dgm:linClrLst meth="repeat">
+      <a:schemeClr val="accent1">
+        <a:tint val="60000"/>
+      </a:schemeClr>
+    </dgm:linClrLst>
+    <dgm:effectClrLst/>
+    <dgm:txLinClrLst/>
+    <dgm:txFillClrLst/>
+    <dgm:txEffectClrLst/>
+  </dgm:styleLbl>
+  <dgm:styleLbl name="fgSibTrans2D1">
+    <dgm:fillClrLst meth="repeat">
+      <a:schemeClr val="accent1">
+        <a:tint val="60000"/>
+      </a:schemeClr>
+    </dgm:fillClrLst>
+    <dgm:linClrLst meth="repeat">
+      <a:schemeClr val="accent1">
+        <a:tint val="60000"/>
+      </a:schemeClr>
+    </dgm:linClrLst>
+    <dgm:effectClrLst/>
+    <dgm:txLinClrLst/>
+    <dgm:txFillClrLst/>
+    <dgm:txEffectClrLst/>
+  </dgm:styleLbl>
+  <dgm:styleLbl name="bgSibTrans2D1">
+    <dgm:fillClrLst meth="repeat">
+      <a:schemeClr val="accent1">
+        <a:tint val="60000"/>
+      </a:schemeClr>
+    </dgm:fillClrLst>
+    <dgm:linClrLst meth="repeat">
+      <a:schemeClr val="accent1">
+        <a:tint val="60000"/>
+      </a:schemeClr>
+    </dgm:linClrLst>
+    <dgm:effectClrLst/>
+    <dgm:txLinClrLst/>
+    <dgm:txFillClrLst/>
+    <dgm:txEffectClrLst/>
+  </dgm:styleLbl>
+  <dgm:styleLbl name="sibTrans1D1">
+    <dgm:fillClrLst meth="repeat">
+      <a:schemeClr val="accent1"/>
+    </dgm:fillClrLst>
+    <dgm:linClrLst meth="repeat">
+      <a:schemeClr val="accent1"/>
+    </dgm:linClrLst>
+    <dgm:effectClrLst/>
+    <dgm:txLinClrLst/>
+    <dgm:txFillClrLst meth="repeat">
+      <a:schemeClr val="tx1"/>
+    </dgm:txFillClrLst>
+    <dgm:txEffectClrLst/>
+  </dgm:styleLbl>
+  <dgm:styleLbl name="callout">
+    <dgm:fillClrLst meth="repeat">
+      <a:schemeClr val="accent1"/>
+    </dgm:fillClrLst>
+    <dgm:linClrLst meth="repeat">
+      <a:schemeClr val="accent1">
+        <a:tint val="50000"/>
+      </a:schemeClr>
+    </dgm:linClrLst>
+    <dgm:effectClrLst/>
+    <dgm:txLinClrLst/>
+    <dgm:txFillClrLst meth="repeat">
+      <a:schemeClr val="tx1"/>
+    </dgm:txFillClrLst>
+    <dgm:txEffectClrLst/>
+  </dgm:styleLbl>
+  <dgm:styleLbl name="asst0">
+    <dgm:fillClrLst meth="repeat">
+      <a:schemeClr val="accent1"/>
+    </dgm:fillClrLst>
+    <dgm:linClrLst meth="repeat">
+      <a:schemeClr val="lt1"/>
+    </dgm:linClrLst>
+    <dgm:effectClrLst/>
+    <dgm:txLinClrLst/>
+    <dgm:txFillClrLst/>
+    <dgm:txEffectClrLst/>
+  </dgm:styleLbl>
+  <dgm:styleLbl name="asst1">
+    <dgm:fillClrLst meth="repeat">
+      <a:schemeClr val="accent1"/>
+    </dgm:fillClrLst>
+    <dgm:linClrLst meth="repeat">
+      <a:schemeClr val="lt1"/>
+    </dgm:linClrLst>
+    <dgm:effectClrLst/>
+    <dgm:txLinClrLst/>
+    <dgm:txFillClrLst/>
+    <dgm:txEffectClrLst/>
+  </dgm:styleLbl>
+  <dgm:styleLbl name="asst2">
+    <dgm:fillClrLst meth="repeat">
+      <a:schemeClr val="accent1"/>
+    </dgm:fillClrLst>
+    <dgm:linClrLst meth="repeat">
+      <a:schemeClr val="lt1"/>
+    </dgm:linClrLst>
+    <dgm:effectClrLst/>
+    <dgm:txLinClrLst/>
+    <dgm:txFillClrLst/>
+    <dgm:txEffectClrLst/>
+  </dgm:styleLbl>
+  <dgm:styleLbl name="asst3">
+    <dgm:fillClrLst meth="repeat">
+      <a:schemeClr val="accent1"/>
+    </dgm:fillClrLst>
+    <dgm:linClrLst meth="repeat">
+      <a:schemeClr val="lt1"/>
+    </dgm:linClrLst>
+    <dgm:effectClrLst/>
+    <dgm:txLinClrLst/>
+    <dgm:txFillClrLst/>
+    <dgm:txEffectClrLst/>
+  </dgm:styleLbl>
+  <dgm:styleLbl name="asst4">
+    <dgm:fillClrLst meth="repeat">
+      <a:schemeClr val="accent1"/>
+    </dgm:fillClrLst>
+    <dgm:linClrLst meth="repeat">
+      <a:schemeClr val="lt1"/>
+    </dgm:linClrLst>
+    <dgm:effectClrLst/>
+    <dgm:txLinClrLst/>
+    <dgm:txFillClrLst/>
+    <dgm:txEffectClrLst/>
+  </dgm:styleLbl>
+  <dgm:styleLbl name="parChTrans2D1">
+    <dgm:fillClrLst meth="repeat">
+      <a:schemeClr val="accent1">
+        <a:tint val="60000"/>
+      </a:schemeClr>
+    </dgm:fillClrLst>
+    <dgm:linClrLst meth="repeat">
+      <a:schemeClr val="accent1">
+        <a:tint val="60000"/>
+      </a:schemeClr>
+    </dgm:linClrLst>
+    <dgm:effectClrLst/>
+    <dgm:txLinClrLst/>
+    <dgm:txFillClrLst meth="repeat">
+      <a:schemeClr val="lt1"/>
+    </dgm:txFillClrLst>
+    <dgm:txEffectClrLst/>
+  </dgm:styleLbl>
+  <dgm:styleLbl name="parChTrans2D2">
+    <dgm:fillClrLst meth="repeat">
+      <a:schemeClr val="accent1"/>
+    </dgm:fillClrLst>
+    <dgm:linClrLst meth="repeat">
+      <a:schemeClr val="accent1"/>
+    </dgm:linClrLst>
+    <dgm:effectClrLst/>
+    <dgm:txLinClrLst/>
+    <dgm:txFillClrLst meth="repeat">
+      <a:schemeClr val="lt1"/>
+    </dgm:txFillClrLst>
+    <dgm:txEffectClrLst/>
+  </dgm:styleLbl>
+  <dgm:styleLbl name="parChTrans2D3">
+    <dgm:fillClrLst meth="repeat">
+      <a:schemeClr val="accent1"/>
+    </dgm:fillClrLst>
+    <dgm:linClrLst meth="repeat">
+      <a:schemeClr val="accent1"/>
+    </dgm:linClrLst>
+    <dgm:effectClrLst/>
+    <dgm:txLinClrLst/>
+    <dgm:txFillClrLst meth="repeat">
+      <a:schemeClr val="lt1"/>
+    </dgm:txFillClrLst>
+    <dgm:txEffectClrLst/>
+  </dgm:styleLbl>
+  <dgm:styleLbl name="parChTrans2D4">
+    <dgm:fillClrLst meth="repeat">
+      <a:schemeClr val="accent1"/>
+    </dgm:fillClrLst>
+    <dgm:linClrLst meth="repeat">
+      <a:schemeClr val="accent1"/>
+    </dgm:linClrLst>
+    <dgm:effectClrLst/>
+    <dgm:txLinClrLst/>
+    <dgm:txFillClrLst meth="repeat">
+      <a:schemeClr val="lt1"/>
+    </dgm:txFillClrLst>
+    <dgm:txEffectClrLst/>
+  </dgm:styleLbl>
+  <dgm:styleLbl name="parChTrans1D1">
+    <dgm:fillClrLst meth="repeat">
+      <a:schemeClr val="accent1"/>
+    </dgm:fillClrLst>
+    <dgm:linClrLst meth="repeat">
+      <a:schemeClr val="accent1">
+        <a:shade val="60000"/>
+      </a:schemeClr>
+    </dgm:linClrLst>
+    <dgm:effectClrLst/>
+    <dgm:txLinClrLst/>
+    <dgm:txFillClrLst meth="repeat">
+      <a:schemeClr val="tx1"/>
+    </dgm:txFillClrLst>
+    <dgm:txEffectClrLst/>
+  </dgm:styleLbl>
+  <dgm:styleLbl name="parChTrans1D2">
+    <dgm:fillClrLst meth="repeat">
+      <a:schemeClr val="accent1"/>
+    </dgm:fillClrLst>
+    <dgm:linClrLst meth="repeat">
+      <a:schemeClr val="accent1">
+        <a:shade val="60000"/>
+      </a:schemeClr>
+    </dgm:linClrLst>
+    <dgm:effectClrLst/>
+    <dgm:txLinClrLst/>
+    <dgm:txFillClrLst meth="repeat">
+      <a:schemeClr val="tx1"/>
+    </dgm:txFillClrLst>
+    <dgm:txEffectClrLst/>
+  </dgm:styleLbl>
+  <dgm:styleLbl name="parChTrans1D3">
+    <dgm:fillClrLst meth="repeat">
+      <a:schemeClr val="accent1"/>
+    </dgm:fillClrLst>
+    <dgm:linClrLst meth="repeat">
+      <a:schemeClr val="accent1">
+        <a:shade val="80000"/>
+      </a:schemeClr>
+    </dgm:linClrLst>
+    <dgm:effectClrLst/>
+    <dgm:txLinClrLst/>
+    <dgm:txFillClrLst meth="repeat">
+      <a:schemeClr val="tx1"/>
+    </dgm:txFillClrLst>
+    <dgm:txEffectClrLst/>
+  </dgm:styleLbl>
+  <dgm:styleLbl name="parChTrans1D4">
+    <dgm:fillClrLst meth="repeat">
+      <a:schemeClr val="accent1"/>
+    </dgm:fillClrLst>
+    <dgm:linClrLst meth="repeat">
+      <a:schemeClr val="accent1">
+        <a:shade val="80000"/>
+      </a:schemeClr>
+    </dgm:linClrLst>
+    <dgm:effectClrLst/>
+    <dgm:txLinClrLst/>
+    <dgm:txFillClrLst meth="repeat">
+      <a:schemeClr val="tx1"/>
+    </dgm:txFillClrLst>
+    <dgm:txEffectClrLst/>
+  </dgm:styleLbl>
+  <dgm:styleLbl name="fgAcc1">
+    <dgm:fillClrLst meth="repeat">
+      <a:schemeClr val="lt1">
+        <a:alpha val="90000"/>
+      </a:schemeClr>
+    </dgm:fillClrLst>
+    <dgm:linClrLst meth="repeat">
+      <a:schemeClr val="accent1"/>
+    </dgm:linClrLst>
+    <dgm:effectClrLst/>
+    <dgm:txLinClrLst/>
+    <dgm:txFillClrLst meth="repeat">
+      <a:schemeClr val="dk1"/>
+    </dgm:txFillClrLst>
+    <dgm:txEffectClrLst/>
+  </dgm:styleLbl>
+  <dgm:styleLbl name="conFgAcc1">
+    <dgm:fillClrLst meth="repeat">
+      <a:schemeClr val="lt1">
+        <a:alpha val="90000"/>
+      </a:schemeClr>
+    </dgm:fillClrLst>
+    <dgm:linClrLst meth="repeat">
+      <a:schemeClr val="accent1"/>
+    </dgm:linClrLst>
+    <dgm:effectClrLst/>
+    <dgm:txLinClrLst/>
+    <dgm:txFillClrLst meth="repeat">
+      <a:schemeClr val="dk1"/>
+    </dgm:txFillClrLst>
+    <dgm:txEffectClrLst/>
+  </dgm:styleLbl>
+  <dgm:styleLbl name="alignAcc1">
+    <dgm:fillClrLst meth="repeat">
+      <a:schemeClr val="lt1">
+        <a:alpha val="90000"/>
+      </a:schemeClr>
+    </dgm:fillClrLst>
+    <dgm:linClrLst meth="repeat">
+      <a:schemeClr val="accent1"/>
+    </dgm:linClrLst>
+    <dgm:effectClrLst/>
+    <dgm:txLinClrLst/>
+    <dgm:txFillClrLst meth="repeat">
+      <a:schemeClr val="dk1"/>
+    </dgm:txFillClrLst>
+    <dgm:txEffectClrLst/>
+  </dgm:styleLbl>
+  <dgm:styleLbl name="trAlignAcc1">
+    <dgm:fillClrLst meth="repeat">
+      <a:schemeClr val="lt1">
+        <a:alpha val="40000"/>
+      </a:schemeClr>
+    </dgm:fillClrLst>
+    <dgm:linClrLst meth="repeat">
+      <a:schemeClr val="accent1"/>
+    </dgm:linClrLst>
+    <dgm:effectClrLst/>
+    <dgm:txLinClrLst/>
+    <dgm:txFillClrLst meth="repeat">
+      <a:schemeClr val="dk1"/>
+    </dgm:txFillClrLst>
+    <dgm:txEffectClrLst/>
+  </dgm:styleLbl>
+  <dgm:styleLbl name="bgAcc1">
+    <dgm:fillClrLst meth="repeat">
+      <a:schemeClr val="lt1">
+        <a:alpha val="90000"/>
+      </a:schemeClr>
+    </dgm:fillClrLst>
+    <dgm:linClrLst meth="repeat">
+      <a:schemeClr val="accent1"/>
+    </dgm:linClrLst>
+    <dgm:effectClrLst/>
+    <dgm:txLinClrLst/>
+    <dgm:txFillClrLst meth="repeat">
+      <a:schemeClr val="dk1"/>
+    </dgm:txFillClrLst>
+    <dgm:txEffectClrLst/>
+  </dgm:styleLbl>
+  <dgm:styleLbl name="solidFgAcc1">
+    <dgm:fillClrLst meth="repeat">
+      <a:schemeClr val="lt1"/>
+    </dgm:fillClrLst>
+    <dgm:linClrLst meth="repeat">
+      <a:schemeClr val="accent1"/>
+    </dgm:linClrLst>
+    <dgm:effectClrLst/>
+    <dgm:txLinClrLst/>
+    <dgm:txFillClrLst meth="repeat">
+      <a:schemeClr val="dk1"/>
+    </dgm:txFillClrLst>
+    <dgm:txEffectClrLst/>
+  </dgm:styleLbl>
+  <dgm:styleLbl name="solidAlignAcc1">
+    <dgm:fillClrLst meth="repeat">
+      <a:schemeClr val="lt1"/>
+    </dgm:fillClrLst>
+    <dgm:linClrLst meth="repeat">
+      <a:schemeClr val="accent1"/>
+    </dgm:linClrLst>
+    <dgm:effectClrLst/>
+    <dgm:txLinClrLst/>
+    <dgm:txFillClrLst meth="repeat">
+      <a:schemeClr val="dk1"/>
+    </dgm:txFillClrLst>
+    <dgm:txEffectClrLst/>
+  </dgm:styleLbl>
+  <dgm:styleLbl name="solidBgAcc1">
+    <dgm:fillClrLst meth="repeat">
+      <a:schemeClr val="lt1"/>
+    </dgm:fillClrLst>
+    <dgm:linClrLst meth="repeat">
+      <a:schemeClr val="accent1"/>
+    </dgm:linClrLst>
+    <dgm:effectClrLst/>
+    <dgm:txLinClrLst/>
+    <dgm:txFillClrLst meth="repeat">
+      <a:schemeClr val="dk1"/>
+    </dgm:txFillClrLst>
+    <dgm:txEffectClrLst/>
+  </dgm:styleLbl>
+  <dgm:styleLbl name="fgAccFollowNode1">
+    <dgm:fillClrLst meth="repeat">
+      <a:schemeClr val="accent1">
+        <a:alpha val="90000"/>
+        <a:tint val="40000"/>
+      </a:schemeClr>
+    </dgm:fillClrLst>
+    <dgm:linClrLst meth="repeat">
+      <a:schemeClr val="accent1">
+        <a:alpha val="90000"/>
+        <a:tint val="40000"/>
+      </a:schemeClr>
+    </dgm:linClrLst>
+    <dgm:effectClrLst/>
+    <dgm:txLinClrLst/>
+    <dgm:txFillClrLst meth="repeat">
+      <a:schemeClr val="dk1"/>
+    </dgm:txFillClrLst>
+    <dgm:txEffectClrLst/>
+  </dgm:styleLbl>
+  <dgm:styleLbl name="alignAccFollowNode1">
+    <dgm:fillClrLst meth="repeat">
+      <a:schemeClr val="accent1">
+        <a:alpha val="90000"/>
+        <a:tint val="40000"/>
+      </a:schemeClr>
+    </dgm:fillClrLst>
+    <dgm:linClrLst meth="repeat">
+      <a:schemeClr val="accent1">
+        <a:alpha val="90000"/>
+        <a:tint val="40000"/>
+      </a:schemeClr>
+    </dgm:linClrLst>
+    <dgm:effectClrLst/>
+    <dgm:txLinClrLst/>
+    <dgm:txFillClrLst meth="repeat">
+      <a:schemeClr val="dk1"/>
+    </dgm:txFillClrLst>
+    <dgm:txEffectClrLst/>
+  </dgm:styleLbl>
+  <dgm:styleLbl name="bgAccFollowNode1">
+    <dgm:fillClrLst meth="repeat">
+      <a:schemeClr val="accent1">
+        <a:alpha val="90000"/>
+        <a:tint val="40000"/>
+      </a:schemeClr>
+    </dgm:fillClrLst>
+    <dgm:linClrLst meth="repeat">
+      <a:schemeClr val="accent1">
+        <a:alpha val="90000"/>
+        <a:tint val="40000"/>
+      </a:schemeClr>
+    </dgm:linClrLst>
+    <dgm:effectClrLst/>
+    <dgm:txLinClrLst/>
+    <dgm:txFillClrLst meth="repeat">
+      <a:schemeClr val="dk1"/>
+    </dgm:txFillClrLst>
+    <dgm:txEffectClrLst/>
+  </dgm:styleLbl>
+  <dgm:styleLbl name="fgAcc0">
+    <dgm:fillClrLst meth="repeat">
+      <a:schemeClr val="lt1">
+        <a:alpha val="90000"/>
+      </a:schemeClr>
+    </dgm:fillClrLst>
+    <dgm:linClrLst meth="repeat">
+      <a:schemeClr val="accent1"/>
+    </dgm:linClrLst>
+    <dgm:effectClrLst/>
+    <dgm:txLinClrLst/>
+    <dgm:txFillClrLst meth="repeat">
+      <a:schemeClr val="dk1"/>
+    </dgm:txFillClrLst>
+    <dgm:txEffectClrLst/>
+  </dgm:styleLbl>
+  <dgm:styleLbl name="fgAcc2">
+    <dgm:fillClrLst meth="repeat">
+      <a:schemeClr val="lt1">
+        <a:alpha val="90000"/>
+      </a:schemeClr>
+    </dgm:fillClrLst>
+    <dgm:linClrLst meth="repeat">
+      <a:schemeClr val="accent1"/>
+    </dgm:linClrLst>
+    <dgm:effectClrLst/>
+    <dgm:txLinClrLst/>
+    <dgm:txFillClrLst meth="repeat">
+      <a:schemeClr val="dk1"/>
+    </dgm:txFillClrLst>
+    <dgm:txEffectClrLst/>
+  </dgm:styleLbl>
+  <dgm:styleLbl name="fgAcc3">
+    <dgm:fillClrLst meth="repeat">
+      <a:schemeClr val="lt1">
+        <a:alpha val="90000"/>
+      </a:schemeClr>
+    </dgm:fillClrLst>
+    <dgm:linClrLst meth="repeat">
+      <a:schemeClr val="accent1"/>
+    </dgm:linClrLst>
+    <dgm:effectClrLst/>
+    <dgm:txLinClrLst/>
+    <dgm:txFillClrLst meth="repeat">
+      <a:schemeClr val="dk1"/>
+    </dgm:txFillClrLst>
+    <dgm:txEffectClrLst/>
+  </dgm:styleLbl>
+  <dgm:styleLbl name="fgAcc4">
+    <dgm:fillClrLst meth="repeat">
+      <a:schemeClr val="lt1">
+        <a:alpha val="90000"/>
+      </a:schemeClr>
+    </dgm:fillClrLst>
+    <dgm:linClrLst meth="repeat">
+      <a:schemeClr val="accent1"/>
+    </dgm:linClrLst>
+    <dgm:effectClrLst/>
+    <dgm:txLinClrLst/>
+    <dgm:txFillClrLst meth="repeat">
+      <a:schemeClr val="dk1"/>
+    </dgm:txFillClrLst>
+    <dgm:txEffectClrLst/>
+  </dgm:styleLbl>
+  <dgm:styleLbl name="bgShp">
+    <dgm:fillClrLst meth="repeat">
+      <a:schemeClr val="accent1">
+        <a:tint val="40000"/>
+      </a:schemeClr>
+    </dgm:fillClrLst>
+    <dgm:linClrLst meth="repeat">
+      <a:schemeClr val="accent1"/>
+    </dgm:linClrLst>
+    <dgm:effectClrLst/>
+    <dgm:txLinClrLst/>
+    <dgm:txFillClrLst meth="repeat">
+      <a:schemeClr val="dk1"/>
+    </dgm:txFillClrLst>
+    <dgm:txEffectClrLst/>
+  </dgm:styleLbl>
+  <dgm:styleLbl name="dkBgShp">
+    <dgm:fillClrLst meth="repeat">
+      <a:schemeClr val="accent1">
+        <a:shade val="80000"/>
+      </a:schemeClr>
+    </dgm:fillClrLst>
+    <dgm:linClrLst meth="repeat">
+      <a:schemeClr val="accent1"/>
+    </dgm:linClrLst>
+    <dgm:effectClrLst/>
+    <dgm:txLinClrLst/>
+    <dgm:txFillClrLst meth="repeat">
+      <a:schemeClr val="lt1"/>
+    </dgm:txFillClrLst>
+    <dgm:txEffectClrLst/>
+  </dgm:styleLbl>
+  <dgm:styleLbl name="trBgShp">
+    <dgm:fillClrLst meth="repeat">
+      <a:schemeClr val="accent1">
+        <a:tint val="50000"/>
+        <a:alpha val="40000"/>
+      </a:schemeClr>
+    </dgm:fillClrLst>
+    <dgm:linClrLst meth="repeat">
+      <a:schemeClr val="accent1"/>
+    </dgm:linClrLst>
+    <dgm:effectClrLst/>
+    <dgm:txLinClrLst/>
+    <dgm:txFillClrLst meth="repeat">
+      <a:schemeClr val="lt1"/>
+    </dgm:txFillClrLst>
+    <dgm:txEffectClrLst/>
+  </dgm:styleLbl>
+  <dgm:styleLbl name="fgShp">
+    <dgm:fillClrLst meth="repeat">
+      <a:schemeClr val="accent1">
+        <a:tint val="60000"/>
+      </a:schemeClr>
+    </dgm:fillClrLst>
+    <dgm:linClrLst meth="repeat">
+      <a:schemeClr val="lt1"/>
+    </dgm:linClrLst>
+    <dgm:effectClrLst/>
+    <dgm:txLinClrLst/>
+    <dgm:txFillClrLst meth="repeat">
+      <a:schemeClr val="dk1"/>
+    </dgm:txFillClrLst>
+    <dgm:txEffectClrLst/>
+  </dgm:styleLbl>
+  <dgm:styleLbl name="revTx">
+    <dgm:fillClrLst meth="repeat">
+      <a:schemeClr val="lt1">
+        <a:alpha val="0"/>
+      </a:schemeClr>
+    </dgm:fillClrLst>
+    <dgm:linClrLst meth="repeat">
+      <a:schemeClr val="dk1">
+        <a:alpha val="0"/>
+      </a:schemeClr>
+    </dgm:linClrLst>
+    <dgm:effectClrLst/>
+    <dgm:txLinClrLst/>
+    <dgm:txFillClrLst meth="repeat">
+      <a:schemeClr val="tx1"/>
+    </dgm:txFillClrLst>
+    <dgm:txEffectClrLst/>
+  </dgm:styleLbl>
+</dgm:colorsDef>
+</file>
+
 <file path=ppt/diagrams/data1.xml><?xml version="1.0" encoding="utf-8"?>
 <dgm:dataModel xmlns:dgm="http://schemas.openxmlformats.org/drawingml/2006/diagram" xmlns:a="http://schemas.openxmlformats.org/drawingml/2006/main">
   <dgm:ptLst>
@@ -1654,23 +2401,23 @@
             </a:lnSpc>
           </a:pPr>
           <a:r>
-            <a:rPr lang="en-US" sz="1600" b="0" i="0">
+            <a:rPr lang="en-US" sz="1600" b="0" i="0" dirty="0">
               <a:latin typeface="Bahnschrift" panose="020B0502040204020203" pitchFamily="34" charset="0"/>
             </a:rPr>
             <a:t>Critical task for financial professionals, investors, and traders alike. </a:t>
           </a:r>
           <a:br>
-            <a:rPr lang="en-US" sz="1600" b="0" i="0">
+            <a:rPr lang="en-US" sz="1600" b="0" i="0" dirty="0">
               <a:latin typeface="Bahnschrift" panose="020B0502040204020203" pitchFamily="34" charset="0"/>
             </a:rPr>
           </a:br>
           <a:r>
-            <a:rPr lang="en-US" sz="1600" b="0" i="0">
+            <a:rPr lang="en-US" sz="1600" b="0" i="0" dirty="0">
               <a:latin typeface="Bahnschrift" panose="020B0502040204020203" pitchFamily="34" charset="0"/>
             </a:rPr>
             <a:t>Financial instruments that enable parties to buy or sell an underlying asset at a predetermined price and date in the future</a:t>
           </a:r>
-          <a:endParaRPr lang="en-US" sz="1600">
+          <a:endParaRPr lang="en-US" sz="1600" dirty="0">
             <a:latin typeface="Bahnschrift" panose="020B0502040204020203" pitchFamily="34" charset="0"/>
           </a:endParaRPr>
         </a:p>
@@ -1711,12 +2458,12 @@
             </a:lnSpc>
           </a:pPr>
           <a:r>
-            <a:rPr lang="en-US" sz="1600" b="0" i="0">
+            <a:rPr lang="en-US" sz="1600" b="0" i="0" dirty="0">
               <a:latin typeface="Bahnschrift" panose="020B0502040204020203" pitchFamily="34" charset="0"/>
             </a:rPr>
             <a:t>Predicting future price movements, investors can take advantage of profitable opportunities, minimize potential losses, and optimize their trading strategies</a:t>
           </a:r>
-          <a:endParaRPr lang="en-US" sz="1600">
+          <a:endParaRPr lang="en-US" sz="1600" dirty="0">
             <a:latin typeface="Bahnschrift" panose="020B0502040204020203" pitchFamily="34" charset="0"/>
           </a:endParaRPr>
         </a:p>
@@ -1757,23 +2504,23 @@
             </a:lnSpc>
           </a:pPr>
           <a:r>
-            <a:rPr lang="en-US" sz="1600" b="0" i="0">
+            <a:rPr lang="en-US" sz="1600" b="0" i="0" dirty="0">
               <a:latin typeface="Bahnschrift" panose="020B0502040204020203" pitchFamily="34" charset="0"/>
             </a:rPr>
             <a:t>Forecasting futures prices is complex and challenging</a:t>
           </a:r>
           <a:br>
-            <a:rPr lang="en-US" sz="1600" b="0" i="0">
+            <a:rPr lang="en-US" sz="1600" b="0" i="0" dirty="0">
               <a:latin typeface="Bahnschrift" panose="020B0502040204020203" pitchFamily="34" charset="0"/>
             </a:rPr>
           </a:br>
           <a:r>
-            <a:rPr lang="en-US" sz="1600" b="0" i="0">
+            <a:rPr lang="en-US" sz="1600" b="0" i="0" dirty="0">
               <a:latin typeface="Bahnschrift" panose="020B0502040204020203" pitchFamily="34" charset="0"/>
             </a:rPr>
             <a:t>Influenced by supply and demand dynamics, underlying stock performance, market sentiment and regulatory changes</a:t>
           </a:r>
-          <a:endParaRPr lang="en-US" sz="1600">
+          <a:endParaRPr lang="en-US" sz="1600" dirty="0">
             <a:latin typeface="Bahnschrift" panose="020B0502040204020203" pitchFamily="34" charset="0"/>
           </a:endParaRPr>
         </a:p>
@@ -2008,7 +2755,7 @@
       </dgm:t>
     </dgm:pt>
     <dgm:pt modelId="{354E70D1-292F-4D73-BB05-18C5A01E38FE}">
-      <dgm:prSet/>
+      <dgm:prSet custT="1"/>
       <dgm:spPr/>
       <dgm:t>
         <a:bodyPr/>
@@ -2020,10 +2767,11 @@
             </a:lnSpc>
           </a:pPr>
           <a:r>
-            <a:rPr lang="en-US" b="0"/>
+            <a:rPr lang="en-US" sz="1300" b="0" dirty="0">
+              <a:latin typeface="Bahnschrift" panose="020B0502040204020203" pitchFamily="34" charset="0"/>
+            </a:rPr>
             <a:t>Sentiment Analysis is the process of ‘computationally’ determining whether a piece of writing is positive, negative or neutral. It’s also known as opinion mining, deriving the opinion or attitude of a speaker.</a:t>
           </a:r>
-          <a:endParaRPr lang="en-US"/>
         </a:p>
       </dgm:t>
     </dgm:pt>
@@ -2067,10 +2815,14 @@
             </a:lnSpc>
           </a:pPr>
           <a:r>
-            <a:rPr lang="en-US" b="0"/>
+            <a:rPr lang="en-US" b="0" dirty="0">
+              <a:latin typeface="Bahnschrift" panose="020B0502040204020203" pitchFamily="34" charset="0"/>
+            </a:rPr>
             <a:t>Since the market is heavily influenced by people's feeling and fears, it would be appropriate to start considering a sentiment analysis over the news of the specific stock and use it as additional information for the final prediction.</a:t>
           </a:r>
-          <a:endParaRPr lang="en-US"/>
+          <a:endParaRPr lang="en-US" dirty="0">
+            <a:latin typeface="Bahnschrift" panose="020B0502040204020203" pitchFamily="34" charset="0"/>
+          </a:endParaRPr>
         </a:p>
       </dgm:t>
     </dgm:pt>
@@ -2114,17 +2866,25 @@
             </a:lnSpc>
           </a:pPr>
           <a:r>
-            <a:rPr lang="en-US" b="0"/>
+            <a:rPr lang="en-US" b="0" dirty="0">
+              <a:latin typeface="Bahnschrift" panose="020B0502040204020203" pitchFamily="34" charset="0"/>
+            </a:rPr>
             <a:t>In order to try to increase the performance even more, it has been decided to also consider the market performance, using the SP500 index. </a:t>
           </a:r>
           <a:br>
-            <a:rPr lang="en-US" b="0"/>
+            <a:rPr lang="en-US" b="0" dirty="0">
+              <a:latin typeface="Bahnschrift" panose="020B0502040204020203" pitchFamily="34" charset="0"/>
+            </a:rPr>
           </a:br>
           <a:r>
-            <a:rPr lang="en-US" b="0"/>
+            <a:rPr lang="en-US" b="0" dirty="0">
+              <a:latin typeface="Bahnschrift" panose="020B0502040204020203" pitchFamily="34" charset="0"/>
+            </a:rPr>
             <a:t>This could be useful to have a sort of baseline for performance comparison. </a:t>
           </a:r>
-          <a:endParaRPr lang="en-US"/>
+          <a:endParaRPr lang="en-US" dirty="0">
+            <a:latin typeface="Bahnschrift" panose="020B0502040204020203" pitchFamily="34" charset="0"/>
+          </a:endParaRPr>
         </a:p>
       </dgm:t>
     </dgm:pt>
@@ -2168,25 +2928,37 @@
             </a:lnSpc>
           </a:pPr>
           <a:r>
-            <a:rPr lang="en-US" b="0" dirty="0"/>
+            <a:rPr lang="en-US" b="0" dirty="0">
+              <a:latin typeface="Bahnschrift" panose="020B0502040204020203" pitchFamily="34" charset="0"/>
+            </a:rPr>
             <a:t>VADER (Valence Aware Dictionary and </a:t>
           </a:r>
           <a:r>
-            <a:rPr lang="en-US" b="0" dirty="0" err="1"/>
+            <a:rPr lang="en-US" b="0" dirty="0" err="1">
+              <a:latin typeface="Bahnschrift" panose="020B0502040204020203" pitchFamily="34" charset="0"/>
+            </a:rPr>
             <a:t>sEntiment</a:t>
           </a:r>
           <a:r>
-            <a:rPr lang="en-US" b="0" dirty="0"/>
+            <a:rPr lang="en-US" b="0" dirty="0">
+              <a:latin typeface="Bahnschrift" panose="020B0502040204020203" pitchFamily="34" charset="0"/>
+            </a:rPr>
             <a:t> Reasoner) is a lexicon and rule-based sentiment analysis tool that is specifically attuned to sentiments expressed in social media. </a:t>
           </a:r>
           <a:br>
-            <a:rPr lang="en-US" b="0" dirty="0"/>
+            <a:rPr lang="en-US" b="0" dirty="0">
+              <a:latin typeface="Bahnschrift" panose="020B0502040204020203" pitchFamily="34" charset="0"/>
+            </a:rPr>
           </a:br>
           <a:r>
-            <a:rPr lang="en-US" b="0" dirty="0"/>
+            <a:rPr lang="en-US" b="0" dirty="0">
+              <a:latin typeface="Bahnschrift" panose="020B0502040204020203" pitchFamily="34" charset="0"/>
+            </a:rPr>
             <a:t>PUNKT is a tokenizer.</a:t>
           </a:r>
-          <a:endParaRPr lang="en-US" dirty="0"/>
+          <a:endParaRPr lang="en-US" dirty="0">
+            <a:latin typeface="Bahnschrift" panose="020B0502040204020203" pitchFamily="34" charset="0"/>
+          </a:endParaRPr>
         </a:p>
       </dgm:t>
     </dgm:pt>
@@ -2475,6 +3247,244 @@
 </dgm:dataModel>
 </file>
 
+<file path=ppt/diagrams/data3.xml><?xml version="1.0" encoding="utf-8"?>
+<dgm:dataModel xmlns:dgm="http://schemas.openxmlformats.org/drawingml/2006/diagram" xmlns:a="http://schemas.openxmlformats.org/drawingml/2006/main">
+  <dgm:ptLst>
+    <dgm:pt modelId="{0DC7F973-349D-40E2-A7EA-6B639C0E8D8B}" type="doc">
+      <dgm:prSet loTypeId="urn:microsoft.com/office/officeart/2018/2/layout/IconVerticalSolidList" loCatId="icon" qsTypeId="urn:microsoft.com/office/officeart/2005/8/quickstyle/simple1" qsCatId="simple" csTypeId="urn:microsoft.com/office/officeart/2005/8/colors/accent1_2" csCatId="accent1" phldr="1"/>
+      <dgm:spPr/>
+      <dgm:t>
+        <a:bodyPr/>
+        <a:lstStyle/>
+        <a:p>
+          <a:endParaRPr lang="en-US"/>
+        </a:p>
+      </dgm:t>
+    </dgm:pt>
+    <dgm:pt modelId="{520EAC19-0F83-4899-AF6A-2759F2AAE0CE}">
+      <dgm:prSet custT="1"/>
+      <dgm:spPr/>
+      <dgm:t>
+        <a:bodyPr/>
+        <a:lstStyle/>
+        <a:p>
+          <a:pPr>
+            <a:lnSpc>
+              <a:spcPct val="100000"/>
+            </a:lnSpc>
+          </a:pPr>
+          <a:r>
+            <a:rPr lang="en-US" sz="1600" b="0" dirty="0">
+              <a:latin typeface="Bahnschrift" panose="020B0502040204020203" pitchFamily="34" charset="0"/>
+            </a:rPr>
+            <a:t>This project showed both good and bad results about each method. In the end, as expected, we can conclude that predictions are feasible in the short term, because there aren’t many unknowns, while being much harder for values further in the future. </a:t>
+          </a:r>
+          <a:endParaRPr lang="en-US" sz="1600" dirty="0">
+            <a:latin typeface="Bahnschrift" panose="020B0502040204020203" pitchFamily="34" charset="0"/>
+          </a:endParaRPr>
+        </a:p>
+      </dgm:t>
+    </dgm:pt>
+    <dgm:pt modelId="{FDC32101-22F5-4B07-A545-7FC00EAD34B5}" type="parTrans" cxnId="{8B667349-DCCF-497E-8528-29CBD22AE989}">
+      <dgm:prSet/>
+      <dgm:spPr/>
+      <dgm:t>
+        <a:bodyPr/>
+        <a:lstStyle/>
+        <a:p>
+          <a:endParaRPr lang="en-US"/>
+        </a:p>
+      </dgm:t>
+    </dgm:pt>
+    <dgm:pt modelId="{058D20AE-FC57-43A5-9DC7-0D47F9059F45}" type="sibTrans" cxnId="{8B667349-DCCF-497E-8528-29CBD22AE989}">
+      <dgm:prSet/>
+      <dgm:spPr/>
+      <dgm:t>
+        <a:bodyPr/>
+        <a:lstStyle/>
+        <a:p>
+          <a:endParaRPr lang="en-US"/>
+        </a:p>
+      </dgm:t>
+    </dgm:pt>
+    <dgm:pt modelId="{F9ABE76E-5328-4FF5-85BD-2E2FBEEEA3D0}">
+      <dgm:prSet custT="1"/>
+      <dgm:spPr/>
+      <dgm:t>
+        <a:bodyPr/>
+        <a:lstStyle/>
+        <a:p>
+          <a:pPr>
+            <a:lnSpc>
+              <a:spcPct val="100000"/>
+            </a:lnSpc>
+          </a:pPr>
+          <a:r>
+            <a:rPr lang="en-US" sz="1600" b="0" dirty="0">
+              <a:latin typeface="Bahnschrift" panose="020B0502040204020203" pitchFamily="34" charset="0"/>
+            </a:rPr>
+            <a:t>This experiment also proved how sometimes a good sentiment analysis could help in these kind of problems, but it is still not enough to have accurate predictions because of the very random behavior of the market.</a:t>
+          </a:r>
+          <a:endParaRPr lang="en-US" sz="1600" dirty="0">
+            <a:latin typeface="Bahnschrift" panose="020B0502040204020203" pitchFamily="34" charset="0"/>
+          </a:endParaRPr>
+        </a:p>
+      </dgm:t>
+    </dgm:pt>
+    <dgm:pt modelId="{762082CC-1044-4A31-9AE8-A546003B903F}" type="parTrans" cxnId="{1EEE3EEE-1FB9-4767-8406-16DB0D079A66}">
+      <dgm:prSet/>
+      <dgm:spPr/>
+      <dgm:t>
+        <a:bodyPr/>
+        <a:lstStyle/>
+        <a:p>
+          <a:endParaRPr lang="en-US"/>
+        </a:p>
+      </dgm:t>
+    </dgm:pt>
+    <dgm:pt modelId="{DD082EA4-8C90-470B-A04D-D7C1749C52AD}" type="sibTrans" cxnId="{1EEE3EEE-1FB9-4767-8406-16DB0D079A66}">
+      <dgm:prSet/>
+      <dgm:spPr/>
+      <dgm:t>
+        <a:bodyPr/>
+        <a:lstStyle/>
+        <a:p>
+          <a:endParaRPr lang="en-US"/>
+        </a:p>
+      </dgm:t>
+    </dgm:pt>
+    <dgm:pt modelId="{D7D15C09-CC8A-4B82-AF0F-4607C6CCCDF3}" type="pres">
+      <dgm:prSet presAssocID="{0DC7F973-349D-40E2-A7EA-6B639C0E8D8B}" presName="root" presStyleCnt="0">
+        <dgm:presLayoutVars>
+          <dgm:dir/>
+          <dgm:resizeHandles val="exact"/>
+        </dgm:presLayoutVars>
+      </dgm:prSet>
+      <dgm:spPr/>
+    </dgm:pt>
+    <dgm:pt modelId="{2A2930DF-649E-4B36-B7CC-9E8086A6156B}" type="pres">
+      <dgm:prSet presAssocID="{520EAC19-0F83-4899-AF6A-2759F2AAE0CE}" presName="compNode" presStyleCnt="0"/>
+      <dgm:spPr/>
+    </dgm:pt>
+    <dgm:pt modelId="{E5AFEE84-49CB-493D-B881-83E40CEE0479}" type="pres">
+      <dgm:prSet presAssocID="{520EAC19-0F83-4899-AF6A-2759F2AAE0CE}" presName="bgRect" presStyleLbl="bgShp" presStyleIdx="0" presStyleCnt="2"/>
+      <dgm:spPr/>
+    </dgm:pt>
+    <dgm:pt modelId="{CCF8C1AE-F3AA-4EB4-BA78-517F7213ADFF}" type="pres">
+      <dgm:prSet presAssocID="{520EAC19-0F83-4899-AF6A-2759F2AAE0CE}" presName="iconRect" presStyleLbl="node1" presStyleIdx="0" presStyleCnt="2"/>
+      <dgm:spPr>
+        <a:blipFill>
+          <a:blip xmlns:r="http://schemas.openxmlformats.org/officeDocument/2006/relationships" r:embed="rId1">
+            <a:extLst>
+              <a:ext uri="{28A0092B-C50C-407E-A947-70E740481C1C}">
+                <a14:useLocalDpi xmlns:a14="http://schemas.microsoft.com/office/drawing/2010/main" val="0"/>
+              </a:ext>
+              <a:ext uri="{96DAC541-7B7A-43D3-8B79-37D633B846F1}">
+                <asvg:svgBlip xmlns:asvg="http://schemas.microsoft.com/office/drawing/2016/SVG/main" r:embed="rId2"/>
+              </a:ext>
+            </a:extLst>
+          </a:blip>
+          <a:stretch>
+            <a:fillRect/>
+          </a:stretch>
+        </a:blipFill>
+      </dgm:spPr>
+      <dgm:extLst>
+        <a:ext uri="{E40237B7-FDA0-4F09-8148-C483321AD2D9}">
+          <dgm14:cNvPr xmlns:dgm14="http://schemas.microsoft.com/office/drawing/2010/diagram" id="0" name="" descr="Research"/>
+        </a:ext>
+      </dgm:extLst>
+    </dgm:pt>
+    <dgm:pt modelId="{BFEA3FAC-3711-4356-8871-23BD9E7C58A6}" type="pres">
+      <dgm:prSet presAssocID="{520EAC19-0F83-4899-AF6A-2759F2AAE0CE}" presName="spaceRect" presStyleCnt="0"/>
+      <dgm:spPr/>
+    </dgm:pt>
+    <dgm:pt modelId="{51A3232C-5AB2-41E0-9EEA-93D55BA52439}" type="pres">
+      <dgm:prSet presAssocID="{520EAC19-0F83-4899-AF6A-2759F2AAE0CE}" presName="parTx" presStyleLbl="revTx" presStyleIdx="0" presStyleCnt="2">
+        <dgm:presLayoutVars>
+          <dgm:chMax val="0"/>
+          <dgm:chPref val="0"/>
+        </dgm:presLayoutVars>
+      </dgm:prSet>
+      <dgm:spPr/>
+    </dgm:pt>
+    <dgm:pt modelId="{63BD5AA4-2501-4DCF-BA59-6DB74D495AED}" type="pres">
+      <dgm:prSet presAssocID="{058D20AE-FC57-43A5-9DC7-0D47F9059F45}" presName="sibTrans" presStyleCnt="0"/>
+      <dgm:spPr/>
+    </dgm:pt>
+    <dgm:pt modelId="{4EDC16DA-A40C-4B10-ACFF-A3FA829B5A28}" type="pres">
+      <dgm:prSet presAssocID="{F9ABE76E-5328-4FF5-85BD-2E2FBEEEA3D0}" presName="compNode" presStyleCnt="0"/>
+      <dgm:spPr/>
+    </dgm:pt>
+    <dgm:pt modelId="{7EC7B89F-1AEE-46D1-AEA5-740728DE51B6}" type="pres">
+      <dgm:prSet presAssocID="{F9ABE76E-5328-4FF5-85BD-2E2FBEEEA3D0}" presName="bgRect" presStyleLbl="bgShp" presStyleIdx="1" presStyleCnt="2"/>
+      <dgm:spPr/>
+    </dgm:pt>
+    <dgm:pt modelId="{9F4E5371-E3EB-48A9-AB37-F9A93CB11FDB}" type="pres">
+      <dgm:prSet presAssocID="{F9ABE76E-5328-4FF5-85BD-2E2FBEEEA3D0}" presName="iconRect" presStyleLbl="node1" presStyleIdx="1" presStyleCnt="2"/>
+      <dgm:spPr>
+        <a:blipFill>
+          <a:blip xmlns:r="http://schemas.openxmlformats.org/officeDocument/2006/relationships" r:embed="rId3">
+            <a:extLst>
+              <a:ext uri="{96DAC541-7B7A-43D3-8B79-37D633B846F1}">
+                <asvg:svgBlip xmlns:asvg="http://schemas.microsoft.com/office/drawing/2016/SVG/main" r:embed="rId4"/>
+              </a:ext>
+            </a:extLst>
+          </a:blip>
+          <a:srcRect/>
+          <a:stretch>
+            <a:fillRect/>
+          </a:stretch>
+        </a:blipFill>
+      </dgm:spPr>
+      <dgm:extLst>
+        <a:ext uri="{E40237B7-FDA0-4F09-8148-C483321AD2D9}">
+          <dgm14:cNvPr xmlns:dgm14="http://schemas.microsoft.com/office/drawing/2010/diagram" id="0" name="" descr="Dice with solid fill"/>
+        </a:ext>
+      </dgm:extLst>
+    </dgm:pt>
+    <dgm:pt modelId="{2A31544C-6383-4C74-98A0-59CA87FB1C95}" type="pres">
+      <dgm:prSet presAssocID="{F9ABE76E-5328-4FF5-85BD-2E2FBEEEA3D0}" presName="spaceRect" presStyleCnt="0"/>
+      <dgm:spPr/>
+    </dgm:pt>
+    <dgm:pt modelId="{639B22FC-BC41-48AF-95F7-A3C47A2C0FCF}" type="pres">
+      <dgm:prSet presAssocID="{F9ABE76E-5328-4FF5-85BD-2E2FBEEEA3D0}" presName="parTx" presStyleLbl="revTx" presStyleIdx="1" presStyleCnt="2">
+        <dgm:presLayoutVars>
+          <dgm:chMax val="0"/>
+          <dgm:chPref val="0"/>
+        </dgm:presLayoutVars>
+      </dgm:prSet>
+      <dgm:spPr/>
+    </dgm:pt>
+  </dgm:ptLst>
+  <dgm:cxnLst>
+    <dgm:cxn modelId="{FF4A8A40-91A5-4E59-8D2F-56910E8B359A}" type="presOf" srcId="{0DC7F973-349D-40E2-A7EA-6B639C0E8D8B}" destId="{D7D15C09-CC8A-4B82-AF0F-4607C6CCCDF3}" srcOrd="0" destOrd="0" presId="urn:microsoft.com/office/officeart/2018/2/layout/IconVerticalSolidList"/>
+    <dgm:cxn modelId="{8B667349-DCCF-497E-8528-29CBD22AE989}" srcId="{0DC7F973-349D-40E2-A7EA-6B639C0E8D8B}" destId="{520EAC19-0F83-4899-AF6A-2759F2AAE0CE}" srcOrd="0" destOrd="0" parTransId="{FDC32101-22F5-4B07-A545-7FC00EAD34B5}" sibTransId="{058D20AE-FC57-43A5-9DC7-0D47F9059F45}"/>
+    <dgm:cxn modelId="{6948575A-24F8-4CFE-ADA9-786A50D9CCEE}" type="presOf" srcId="{520EAC19-0F83-4899-AF6A-2759F2AAE0CE}" destId="{51A3232C-5AB2-41E0-9EEA-93D55BA52439}" srcOrd="0" destOrd="0" presId="urn:microsoft.com/office/officeart/2018/2/layout/IconVerticalSolidList"/>
+    <dgm:cxn modelId="{E1E3F593-A255-45FB-88F1-8FB9C81D6440}" type="presOf" srcId="{F9ABE76E-5328-4FF5-85BD-2E2FBEEEA3D0}" destId="{639B22FC-BC41-48AF-95F7-A3C47A2C0FCF}" srcOrd="0" destOrd="0" presId="urn:microsoft.com/office/officeart/2018/2/layout/IconVerticalSolidList"/>
+    <dgm:cxn modelId="{1EEE3EEE-1FB9-4767-8406-16DB0D079A66}" srcId="{0DC7F973-349D-40E2-A7EA-6B639C0E8D8B}" destId="{F9ABE76E-5328-4FF5-85BD-2E2FBEEEA3D0}" srcOrd="1" destOrd="0" parTransId="{762082CC-1044-4A31-9AE8-A546003B903F}" sibTransId="{DD082EA4-8C90-470B-A04D-D7C1749C52AD}"/>
+    <dgm:cxn modelId="{A855C160-E018-43A6-A3E6-0893E69AB5F1}" type="presParOf" srcId="{D7D15C09-CC8A-4B82-AF0F-4607C6CCCDF3}" destId="{2A2930DF-649E-4B36-B7CC-9E8086A6156B}" srcOrd="0" destOrd="0" presId="urn:microsoft.com/office/officeart/2018/2/layout/IconVerticalSolidList"/>
+    <dgm:cxn modelId="{6E48F84C-2912-4467-AC25-2D782F5D612C}" type="presParOf" srcId="{2A2930DF-649E-4B36-B7CC-9E8086A6156B}" destId="{E5AFEE84-49CB-493D-B881-83E40CEE0479}" srcOrd="0" destOrd="0" presId="urn:microsoft.com/office/officeart/2018/2/layout/IconVerticalSolidList"/>
+    <dgm:cxn modelId="{019A952C-AE1C-4ACC-938E-90CA9CB66118}" type="presParOf" srcId="{2A2930DF-649E-4B36-B7CC-9E8086A6156B}" destId="{CCF8C1AE-F3AA-4EB4-BA78-517F7213ADFF}" srcOrd="1" destOrd="0" presId="urn:microsoft.com/office/officeart/2018/2/layout/IconVerticalSolidList"/>
+    <dgm:cxn modelId="{0F9321BA-172F-4BB8-8614-16525ADD4F1E}" type="presParOf" srcId="{2A2930DF-649E-4B36-B7CC-9E8086A6156B}" destId="{BFEA3FAC-3711-4356-8871-23BD9E7C58A6}" srcOrd="2" destOrd="0" presId="urn:microsoft.com/office/officeart/2018/2/layout/IconVerticalSolidList"/>
+    <dgm:cxn modelId="{9E419E6A-9250-44BB-963E-9BECF637805D}" type="presParOf" srcId="{2A2930DF-649E-4B36-B7CC-9E8086A6156B}" destId="{51A3232C-5AB2-41E0-9EEA-93D55BA52439}" srcOrd="3" destOrd="0" presId="urn:microsoft.com/office/officeart/2018/2/layout/IconVerticalSolidList"/>
+    <dgm:cxn modelId="{FAA60F06-C8BA-4321-8C46-87FEA6CEA259}" type="presParOf" srcId="{D7D15C09-CC8A-4B82-AF0F-4607C6CCCDF3}" destId="{63BD5AA4-2501-4DCF-BA59-6DB74D495AED}" srcOrd="1" destOrd="0" presId="urn:microsoft.com/office/officeart/2018/2/layout/IconVerticalSolidList"/>
+    <dgm:cxn modelId="{BEAB61BD-CE4E-4BA1-91B2-3DE4A85715DA}" type="presParOf" srcId="{D7D15C09-CC8A-4B82-AF0F-4607C6CCCDF3}" destId="{4EDC16DA-A40C-4B10-ACFF-A3FA829B5A28}" srcOrd="2" destOrd="0" presId="urn:microsoft.com/office/officeart/2018/2/layout/IconVerticalSolidList"/>
+    <dgm:cxn modelId="{70FEE595-DF3B-4654-AD56-A10731588081}" type="presParOf" srcId="{4EDC16DA-A40C-4B10-ACFF-A3FA829B5A28}" destId="{7EC7B89F-1AEE-46D1-AEA5-740728DE51B6}" srcOrd="0" destOrd="0" presId="urn:microsoft.com/office/officeart/2018/2/layout/IconVerticalSolidList"/>
+    <dgm:cxn modelId="{7BB87653-54BE-4E6C-836F-F18E49538ADE}" type="presParOf" srcId="{4EDC16DA-A40C-4B10-ACFF-A3FA829B5A28}" destId="{9F4E5371-E3EB-48A9-AB37-F9A93CB11FDB}" srcOrd="1" destOrd="0" presId="urn:microsoft.com/office/officeart/2018/2/layout/IconVerticalSolidList"/>
+    <dgm:cxn modelId="{8F9404EC-560B-42CF-9424-EAAA23917446}" type="presParOf" srcId="{4EDC16DA-A40C-4B10-ACFF-A3FA829B5A28}" destId="{2A31544C-6383-4C74-98A0-59CA87FB1C95}" srcOrd="2" destOrd="0" presId="urn:microsoft.com/office/officeart/2018/2/layout/IconVerticalSolidList"/>
+    <dgm:cxn modelId="{B0947ECE-D445-405C-B8D2-0FEC0A009D46}" type="presParOf" srcId="{4EDC16DA-A40C-4B10-ACFF-A3FA829B5A28}" destId="{639B22FC-BC41-48AF-95F7-A3C47A2C0FCF}" srcOrd="3" destOrd="0" presId="urn:microsoft.com/office/officeart/2018/2/layout/IconVerticalSolidList"/>
+  </dgm:cxnLst>
+  <dgm:bg/>
+  <dgm:whole/>
+  <dgm:extLst>
+    <a:ext uri="http://schemas.microsoft.com/office/drawing/2008/diagram">
+      <dsp:dataModelExt xmlns:dsp="http://schemas.microsoft.com/office/drawing/2008/diagram" relId="rId6" minVer="http://schemas.openxmlformats.org/drawingml/2006/diagram"/>
+    </a:ext>
+  </dgm:extLst>
+</dgm:dataModel>
+</file>
+
 <file path=ppt/diagrams/drawing1.xml><?xml version="1.0" encoding="utf-8"?>
 <dsp:drawing xmlns:dgm="http://schemas.openxmlformats.org/drawingml/2006/diagram" xmlns:dsp="http://schemas.microsoft.com/office/drawing/2008/diagram" xmlns:a="http://schemas.openxmlformats.org/drawingml/2006/main">
   <dsp:spTree>
@@ -2631,23 +3641,23 @@
             <a:buNone/>
           </a:pPr>
           <a:r>
-            <a:rPr lang="en-US" sz="1600" b="0" i="0" kern="1200">
+            <a:rPr lang="en-US" sz="1600" b="0" i="0" kern="1200" dirty="0">
               <a:latin typeface="Bahnschrift" panose="020B0502040204020203" pitchFamily="34" charset="0"/>
             </a:rPr>
             <a:t>Critical task for financial professionals, investors, and traders alike. </a:t>
           </a:r>
           <a:br>
-            <a:rPr lang="en-US" sz="1600" b="0" i="0" kern="1200">
+            <a:rPr lang="en-US" sz="1600" b="0" i="0" kern="1200" dirty="0">
               <a:latin typeface="Bahnschrift" panose="020B0502040204020203" pitchFamily="34" charset="0"/>
             </a:rPr>
           </a:br>
           <a:r>
-            <a:rPr lang="en-US" sz="1600" b="0" i="0" kern="1200">
+            <a:rPr lang="en-US" sz="1600" b="0" i="0" kern="1200" dirty="0">
               <a:latin typeface="Bahnschrift" panose="020B0502040204020203" pitchFamily="34" charset="0"/>
             </a:rPr>
             <a:t>Financial instruments that enable parties to buy or sell an underlying asset at a predetermined price and date in the future</a:t>
           </a:r>
-          <a:endParaRPr lang="en-US" sz="1600" kern="1200">
+          <a:endParaRPr lang="en-US" sz="1600" kern="1200" dirty="0">
             <a:latin typeface="Bahnschrift" panose="020B0502040204020203" pitchFamily="34" charset="0"/>
           </a:endParaRPr>
         </a:p>
@@ -2805,12 +3815,12 @@
             <a:buNone/>
           </a:pPr>
           <a:r>
-            <a:rPr lang="en-US" sz="1600" b="0" i="0" kern="1200">
+            <a:rPr lang="en-US" sz="1600" b="0" i="0" kern="1200" dirty="0">
               <a:latin typeface="Bahnschrift" panose="020B0502040204020203" pitchFamily="34" charset="0"/>
             </a:rPr>
             <a:t>Predicting future price movements, investors can take advantage of profitable opportunities, minimize potential losses, and optimize their trading strategies</a:t>
           </a:r>
-          <a:endParaRPr lang="en-US" sz="1600" kern="1200">
+          <a:endParaRPr lang="en-US" sz="1600" kern="1200" dirty="0">
             <a:latin typeface="Bahnschrift" panose="020B0502040204020203" pitchFamily="34" charset="0"/>
           </a:endParaRPr>
         </a:p>
@@ -2968,23 +3978,23 @@
             <a:buNone/>
           </a:pPr>
           <a:r>
-            <a:rPr lang="en-US" sz="1600" b="0" i="0" kern="1200">
+            <a:rPr lang="en-US" sz="1600" b="0" i="0" kern="1200" dirty="0">
               <a:latin typeface="Bahnschrift" panose="020B0502040204020203" pitchFamily="34" charset="0"/>
             </a:rPr>
             <a:t>Forecasting futures prices is complex and challenging</a:t>
           </a:r>
           <a:br>
-            <a:rPr lang="en-US" sz="1600" b="0" i="0" kern="1200">
+            <a:rPr lang="en-US" sz="1600" b="0" i="0" kern="1200" dirty="0">
               <a:latin typeface="Bahnschrift" panose="020B0502040204020203" pitchFamily="34" charset="0"/>
             </a:rPr>
           </a:br>
           <a:r>
-            <a:rPr lang="en-US" sz="1600" b="0" i="0" kern="1200">
+            <a:rPr lang="en-US" sz="1600" b="0" i="0" kern="1200" dirty="0">
               <a:latin typeface="Bahnschrift" panose="020B0502040204020203" pitchFamily="34" charset="0"/>
             </a:rPr>
             <a:t>Influenced by supply and demand dynamics, underlying stock performance, market sentiment and regulatory changes</a:t>
           </a:r>
-          <a:endParaRPr lang="en-US" sz="1600" kern="1200">
+          <a:endParaRPr lang="en-US" sz="1600" kern="1200" dirty="0">
             <a:latin typeface="Bahnschrift" panose="020B0502040204020203" pitchFamily="34" charset="0"/>
           </a:endParaRPr>
         </a:p>
@@ -3152,10 +4162,11 @@
             <a:buNone/>
           </a:pPr>
           <a:r>
-            <a:rPr lang="en-US" sz="1300" b="0" kern="1200"/>
+            <a:rPr lang="en-US" sz="1300" b="0" kern="1200" dirty="0">
+              <a:latin typeface="Bahnschrift" panose="020B0502040204020203" pitchFamily="34" charset="0"/>
+            </a:rPr>
             <a:t>Sentiment Analysis is the process of ‘computationally’ determining whether a piece of writing is positive, negative or neutral. It’s also known as opinion mining, deriving the opinion or attitude of a speaker.</a:t>
           </a:r>
-          <a:endParaRPr lang="en-US" sz="1300" kern="1200"/>
         </a:p>
       </dsp:txBody>
       <dsp:txXfrm>
@@ -3309,10 +4320,14 @@
             <a:buNone/>
           </a:pPr>
           <a:r>
-            <a:rPr lang="en-US" sz="1300" b="0" kern="1200"/>
+            <a:rPr lang="en-US" sz="1300" b="0" kern="1200" dirty="0">
+              <a:latin typeface="Bahnschrift" panose="020B0502040204020203" pitchFamily="34" charset="0"/>
+            </a:rPr>
             <a:t>Since the market is heavily influenced by people's feeling and fears, it would be appropriate to start considering a sentiment analysis over the news of the specific stock and use it as additional information for the final prediction.</a:t>
           </a:r>
-          <a:endParaRPr lang="en-US" sz="1300" kern="1200"/>
+          <a:endParaRPr lang="en-US" sz="1300" kern="1200" dirty="0">
+            <a:latin typeface="Bahnschrift" panose="020B0502040204020203" pitchFamily="34" charset="0"/>
+          </a:endParaRPr>
         </a:p>
       </dsp:txBody>
       <dsp:txXfrm>
@@ -3466,17 +4481,25 @@
             <a:buNone/>
           </a:pPr>
           <a:r>
-            <a:rPr lang="en-US" sz="1300" b="0" kern="1200"/>
+            <a:rPr lang="en-US" sz="1300" b="0" kern="1200" dirty="0">
+              <a:latin typeface="Bahnschrift" panose="020B0502040204020203" pitchFamily="34" charset="0"/>
+            </a:rPr>
             <a:t>In order to try to increase the performance even more, it has been decided to also consider the market performance, using the SP500 index. </a:t>
           </a:r>
           <a:br>
-            <a:rPr lang="en-US" sz="1300" b="0" kern="1200"/>
+            <a:rPr lang="en-US" sz="1300" b="0" kern="1200" dirty="0">
+              <a:latin typeface="Bahnschrift" panose="020B0502040204020203" pitchFamily="34" charset="0"/>
+            </a:rPr>
           </a:br>
           <a:r>
-            <a:rPr lang="en-US" sz="1300" b="0" kern="1200"/>
+            <a:rPr lang="en-US" sz="1300" b="0" kern="1200" dirty="0">
+              <a:latin typeface="Bahnschrift" panose="020B0502040204020203" pitchFamily="34" charset="0"/>
+            </a:rPr>
             <a:t>This could be useful to have a sort of baseline for performance comparison. </a:t>
           </a:r>
-          <a:endParaRPr lang="en-US" sz="1300" kern="1200"/>
+          <a:endParaRPr lang="en-US" sz="1300" kern="1200" dirty="0">
+            <a:latin typeface="Bahnschrift" panose="020B0502040204020203" pitchFamily="34" charset="0"/>
+          </a:endParaRPr>
         </a:p>
       </dsp:txBody>
       <dsp:txXfrm>
@@ -3630,30 +4653,378 @@
             <a:buNone/>
           </a:pPr>
           <a:r>
-            <a:rPr lang="en-US" sz="1300" b="0" kern="1200" dirty="0"/>
+            <a:rPr lang="en-US" sz="1300" b="0" kern="1200" dirty="0">
+              <a:latin typeface="Bahnschrift" panose="020B0502040204020203" pitchFamily="34" charset="0"/>
+            </a:rPr>
             <a:t>VADER (Valence Aware Dictionary and </a:t>
           </a:r>
           <a:r>
-            <a:rPr lang="en-US" sz="1300" b="0" kern="1200" dirty="0" err="1"/>
+            <a:rPr lang="en-US" sz="1300" b="0" kern="1200" dirty="0" err="1">
+              <a:latin typeface="Bahnschrift" panose="020B0502040204020203" pitchFamily="34" charset="0"/>
+            </a:rPr>
             <a:t>sEntiment</a:t>
           </a:r>
           <a:r>
-            <a:rPr lang="en-US" sz="1300" b="0" kern="1200" dirty="0"/>
+            <a:rPr lang="en-US" sz="1300" b="0" kern="1200" dirty="0">
+              <a:latin typeface="Bahnschrift" panose="020B0502040204020203" pitchFamily="34" charset="0"/>
+            </a:rPr>
             <a:t> Reasoner) is a lexicon and rule-based sentiment analysis tool that is specifically attuned to sentiments expressed in social media. </a:t>
           </a:r>
           <a:br>
-            <a:rPr lang="en-US" sz="1300" b="0" kern="1200" dirty="0"/>
+            <a:rPr lang="en-US" sz="1300" b="0" kern="1200" dirty="0">
+              <a:latin typeface="Bahnschrift" panose="020B0502040204020203" pitchFamily="34" charset="0"/>
+            </a:rPr>
           </a:br>
           <a:r>
-            <a:rPr lang="en-US" sz="1300" b="0" kern="1200" dirty="0"/>
+            <a:rPr lang="en-US" sz="1300" b="0" kern="1200" dirty="0">
+              <a:latin typeface="Bahnschrift" panose="020B0502040204020203" pitchFamily="34" charset="0"/>
+            </a:rPr>
             <a:t>PUNKT is a tokenizer.</a:t>
           </a:r>
-          <a:endParaRPr lang="en-US" sz="1300" kern="1200" dirty="0"/>
+          <a:endParaRPr lang="en-US" sz="1300" kern="1200" dirty="0">
+            <a:latin typeface="Bahnschrift" panose="020B0502040204020203" pitchFamily="34" charset="0"/>
+          </a:endParaRPr>
         </a:p>
       </dsp:txBody>
       <dsp:txXfrm>
         <a:off x="6904386" y="2353665"/>
         <a:ext cx="3066360" cy="1300880"/>
+      </dsp:txXfrm>
+    </dsp:sp>
+  </dsp:spTree>
+</dsp:drawing>
+</file>
+
+<file path=ppt/diagrams/drawing3.xml><?xml version="1.0" encoding="utf-8"?>
+<dsp:drawing xmlns:dgm="http://schemas.openxmlformats.org/drawingml/2006/diagram" xmlns:dsp="http://schemas.microsoft.com/office/drawing/2008/diagram" xmlns:a="http://schemas.openxmlformats.org/drawingml/2006/main">
+  <dsp:spTree>
+    <dsp:nvGrpSpPr>
+      <dsp:cNvPr id="0" name=""/>
+      <dsp:cNvGrpSpPr/>
+    </dsp:nvGrpSpPr>
+    <dsp:grpSpPr/>
+    <dsp:sp modelId="{E5AFEE84-49CB-493D-B881-83E40CEE0479}">
+      <dsp:nvSpPr>
+        <dsp:cNvPr id="0" name=""/>
+        <dsp:cNvSpPr/>
+      </dsp:nvSpPr>
+      <dsp:spPr>
+        <a:xfrm>
+          <a:off x="0" y="653795"/>
+          <a:ext cx="10058399" cy="1207008"/>
+        </a:xfrm>
+        <a:prstGeom prst="roundRect">
+          <a:avLst>
+            <a:gd name="adj" fmla="val 10000"/>
+          </a:avLst>
+        </a:prstGeom>
+        <a:solidFill>
+          <a:schemeClr val="accent1">
+            <a:tint val="40000"/>
+            <a:hueOff val="0"/>
+            <a:satOff val="0"/>
+            <a:lumOff val="0"/>
+            <a:alphaOff val="0"/>
+          </a:schemeClr>
+        </a:solidFill>
+        <a:ln>
+          <a:noFill/>
+        </a:ln>
+        <a:effectLst/>
+      </dsp:spPr>
+      <dsp:style>
+        <a:lnRef idx="0">
+          <a:scrgbClr r="0" g="0" b="0"/>
+        </a:lnRef>
+        <a:fillRef idx="1">
+          <a:scrgbClr r="0" g="0" b="0"/>
+        </a:fillRef>
+        <a:effectRef idx="0">
+          <a:scrgbClr r="0" g="0" b="0"/>
+        </a:effectRef>
+        <a:fontRef idx="minor"/>
+      </dsp:style>
+    </dsp:sp>
+    <dsp:sp modelId="{CCF8C1AE-F3AA-4EB4-BA78-517F7213ADFF}">
+      <dsp:nvSpPr>
+        <dsp:cNvPr id="0" name=""/>
+        <dsp:cNvSpPr/>
+      </dsp:nvSpPr>
+      <dsp:spPr>
+        <a:xfrm>
+          <a:off x="365119" y="925372"/>
+          <a:ext cx="663854" cy="663854"/>
+        </a:xfrm>
+        <a:prstGeom prst="rect">
+          <a:avLst/>
+        </a:prstGeom>
+        <a:blipFill>
+          <a:blip xmlns:r="http://schemas.openxmlformats.org/officeDocument/2006/relationships" r:embed="rId1">
+            <a:extLst>
+              <a:ext uri="{28A0092B-C50C-407E-A947-70E740481C1C}">
+                <a14:useLocalDpi xmlns:a14="http://schemas.microsoft.com/office/drawing/2010/main" val="0"/>
+              </a:ext>
+              <a:ext uri="{96DAC541-7B7A-43D3-8B79-37D633B846F1}">
+                <asvg:svgBlip xmlns:asvg="http://schemas.microsoft.com/office/drawing/2016/SVG/main" r:embed="rId2"/>
+              </a:ext>
+            </a:extLst>
+          </a:blip>
+          <a:stretch>
+            <a:fillRect/>
+          </a:stretch>
+        </a:blipFill>
+        <a:ln w="15875" cap="flat" cmpd="sng" algn="ctr">
+          <a:solidFill>
+            <a:schemeClr val="lt1">
+              <a:hueOff val="0"/>
+              <a:satOff val="0"/>
+              <a:lumOff val="0"/>
+              <a:alphaOff val="0"/>
+            </a:schemeClr>
+          </a:solidFill>
+          <a:prstDash val="solid"/>
+        </a:ln>
+        <a:effectLst/>
+      </dsp:spPr>
+      <dsp:style>
+        <a:lnRef idx="2">
+          <a:scrgbClr r="0" g="0" b="0"/>
+        </a:lnRef>
+        <a:fillRef idx="1">
+          <a:scrgbClr r="0" g="0" b="0"/>
+        </a:fillRef>
+        <a:effectRef idx="0">
+          <a:scrgbClr r="0" g="0" b="0"/>
+        </a:effectRef>
+        <a:fontRef idx="minor">
+          <a:schemeClr val="lt1"/>
+        </a:fontRef>
+      </dsp:style>
+    </dsp:sp>
+    <dsp:sp modelId="{51A3232C-5AB2-41E0-9EEA-93D55BA52439}">
+      <dsp:nvSpPr>
+        <dsp:cNvPr id="0" name=""/>
+        <dsp:cNvSpPr/>
+      </dsp:nvSpPr>
+      <dsp:spPr>
+        <a:xfrm>
+          <a:off x="1394094" y="653795"/>
+          <a:ext cx="8664305" cy="1207008"/>
+        </a:xfrm>
+        <a:prstGeom prst="rect">
+          <a:avLst/>
+        </a:prstGeom>
+        <a:noFill/>
+        <a:ln>
+          <a:noFill/>
+        </a:ln>
+        <a:effectLst/>
+      </dsp:spPr>
+      <dsp:style>
+        <a:lnRef idx="0">
+          <a:scrgbClr r="0" g="0" b="0"/>
+        </a:lnRef>
+        <a:fillRef idx="0">
+          <a:scrgbClr r="0" g="0" b="0"/>
+        </a:fillRef>
+        <a:effectRef idx="0">
+          <a:scrgbClr r="0" g="0" b="0"/>
+        </a:effectRef>
+        <a:fontRef idx="minor"/>
+      </dsp:style>
+      <dsp:txBody>
+        <a:bodyPr spcFirstLastPara="0" vert="horz" wrap="square" lIns="127742" tIns="127742" rIns="127742" bIns="127742" numCol="1" spcCol="1270" anchor="ctr" anchorCtr="0">
+          <a:noAutofit/>
+        </a:bodyPr>
+        <a:lstStyle/>
+        <a:p>
+          <a:pPr marL="0" lvl="0" indent="0" algn="l" defTabSz="711200">
+            <a:lnSpc>
+              <a:spcPct val="100000"/>
+            </a:lnSpc>
+            <a:spcBef>
+              <a:spcPct val="0"/>
+            </a:spcBef>
+            <a:spcAft>
+              <a:spcPct val="35000"/>
+            </a:spcAft>
+            <a:buNone/>
+          </a:pPr>
+          <a:r>
+            <a:rPr lang="en-US" sz="1600" b="0" kern="1200" dirty="0">
+              <a:latin typeface="Bahnschrift" panose="020B0502040204020203" pitchFamily="34" charset="0"/>
+            </a:rPr>
+            <a:t>This project showed both good and bad results about each method. In the end, as expected, we can conclude that predictions are feasible in the short term, because there aren’t many unknowns, while being much harder for values further in the future. </a:t>
+          </a:r>
+          <a:endParaRPr lang="en-US" sz="1600" kern="1200" dirty="0">
+            <a:latin typeface="Bahnschrift" panose="020B0502040204020203" pitchFamily="34" charset="0"/>
+          </a:endParaRPr>
+        </a:p>
+      </dsp:txBody>
+      <dsp:txXfrm>
+        <a:off x="1394094" y="653795"/>
+        <a:ext cx="8664305" cy="1207008"/>
+      </dsp:txXfrm>
+    </dsp:sp>
+    <dsp:sp modelId="{7EC7B89F-1AEE-46D1-AEA5-740728DE51B6}">
+      <dsp:nvSpPr>
+        <dsp:cNvPr id="0" name=""/>
+        <dsp:cNvSpPr/>
+      </dsp:nvSpPr>
+      <dsp:spPr>
+        <a:xfrm>
+          <a:off x="0" y="2162556"/>
+          <a:ext cx="10058399" cy="1207008"/>
+        </a:xfrm>
+        <a:prstGeom prst="roundRect">
+          <a:avLst>
+            <a:gd name="adj" fmla="val 10000"/>
+          </a:avLst>
+        </a:prstGeom>
+        <a:solidFill>
+          <a:schemeClr val="accent1">
+            <a:tint val="40000"/>
+            <a:hueOff val="0"/>
+            <a:satOff val="0"/>
+            <a:lumOff val="0"/>
+            <a:alphaOff val="0"/>
+          </a:schemeClr>
+        </a:solidFill>
+        <a:ln>
+          <a:noFill/>
+        </a:ln>
+        <a:effectLst/>
+      </dsp:spPr>
+      <dsp:style>
+        <a:lnRef idx="0">
+          <a:scrgbClr r="0" g="0" b="0"/>
+        </a:lnRef>
+        <a:fillRef idx="1">
+          <a:scrgbClr r="0" g="0" b="0"/>
+        </a:fillRef>
+        <a:effectRef idx="0">
+          <a:scrgbClr r="0" g="0" b="0"/>
+        </a:effectRef>
+        <a:fontRef idx="minor"/>
+      </dsp:style>
+    </dsp:sp>
+    <dsp:sp modelId="{9F4E5371-E3EB-48A9-AB37-F9A93CB11FDB}">
+      <dsp:nvSpPr>
+        <dsp:cNvPr id="0" name=""/>
+        <dsp:cNvSpPr/>
+      </dsp:nvSpPr>
+      <dsp:spPr>
+        <a:xfrm>
+          <a:off x="365119" y="2434132"/>
+          <a:ext cx="663854" cy="663854"/>
+        </a:xfrm>
+        <a:prstGeom prst="rect">
+          <a:avLst/>
+        </a:prstGeom>
+        <a:blipFill>
+          <a:blip xmlns:r="http://schemas.openxmlformats.org/officeDocument/2006/relationships" r:embed="rId3">
+            <a:extLst>
+              <a:ext uri="{96DAC541-7B7A-43D3-8B79-37D633B846F1}">
+                <asvg:svgBlip xmlns:asvg="http://schemas.microsoft.com/office/drawing/2016/SVG/main" r:embed="rId4"/>
+              </a:ext>
+            </a:extLst>
+          </a:blip>
+          <a:srcRect/>
+          <a:stretch>
+            <a:fillRect/>
+          </a:stretch>
+        </a:blipFill>
+        <a:ln w="15875" cap="flat" cmpd="sng" algn="ctr">
+          <a:solidFill>
+            <a:schemeClr val="lt1">
+              <a:hueOff val="0"/>
+              <a:satOff val="0"/>
+              <a:lumOff val="0"/>
+              <a:alphaOff val="0"/>
+            </a:schemeClr>
+          </a:solidFill>
+          <a:prstDash val="solid"/>
+        </a:ln>
+        <a:effectLst/>
+      </dsp:spPr>
+      <dsp:style>
+        <a:lnRef idx="2">
+          <a:scrgbClr r="0" g="0" b="0"/>
+        </a:lnRef>
+        <a:fillRef idx="1">
+          <a:scrgbClr r="0" g="0" b="0"/>
+        </a:fillRef>
+        <a:effectRef idx="0">
+          <a:scrgbClr r="0" g="0" b="0"/>
+        </a:effectRef>
+        <a:fontRef idx="minor">
+          <a:schemeClr val="lt1"/>
+        </a:fontRef>
+      </dsp:style>
+    </dsp:sp>
+    <dsp:sp modelId="{639B22FC-BC41-48AF-95F7-A3C47A2C0FCF}">
+      <dsp:nvSpPr>
+        <dsp:cNvPr id="0" name=""/>
+        <dsp:cNvSpPr/>
+      </dsp:nvSpPr>
+      <dsp:spPr>
+        <a:xfrm>
+          <a:off x="1394094" y="2162556"/>
+          <a:ext cx="8664305" cy="1207008"/>
+        </a:xfrm>
+        <a:prstGeom prst="rect">
+          <a:avLst/>
+        </a:prstGeom>
+        <a:noFill/>
+        <a:ln>
+          <a:noFill/>
+        </a:ln>
+        <a:effectLst/>
+      </dsp:spPr>
+      <dsp:style>
+        <a:lnRef idx="0">
+          <a:scrgbClr r="0" g="0" b="0"/>
+        </a:lnRef>
+        <a:fillRef idx="0">
+          <a:scrgbClr r="0" g="0" b="0"/>
+        </a:fillRef>
+        <a:effectRef idx="0">
+          <a:scrgbClr r="0" g="0" b="0"/>
+        </a:effectRef>
+        <a:fontRef idx="minor"/>
+      </dsp:style>
+      <dsp:txBody>
+        <a:bodyPr spcFirstLastPara="0" vert="horz" wrap="square" lIns="127742" tIns="127742" rIns="127742" bIns="127742" numCol="1" spcCol="1270" anchor="ctr" anchorCtr="0">
+          <a:noAutofit/>
+        </a:bodyPr>
+        <a:lstStyle/>
+        <a:p>
+          <a:pPr marL="0" lvl="0" indent="0" algn="l" defTabSz="711200">
+            <a:lnSpc>
+              <a:spcPct val="100000"/>
+            </a:lnSpc>
+            <a:spcBef>
+              <a:spcPct val="0"/>
+            </a:spcBef>
+            <a:spcAft>
+              <a:spcPct val="35000"/>
+            </a:spcAft>
+            <a:buNone/>
+          </a:pPr>
+          <a:r>
+            <a:rPr lang="en-US" sz="1600" b="0" kern="1200" dirty="0">
+              <a:latin typeface="Bahnschrift" panose="020B0502040204020203" pitchFamily="34" charset="0"/>
+            </a:rPr>
+            <a:t>This experiment also proved how sometimes a good sentiment analysis could help in these kind of problems, but it is still not enough to have accurate predictions because of the very random behavior of the market.</a:t>
+          </a:r>
+          <a:endParaRPr lang="en-US" sz="1600" kern="1200" dirty="0">
+            <a:latin typeface="Bahnschrift" panose="020B0502040204020203" pitchFamily="34" charset="0"/>
+          </a:endParaRPr>
+        </a:p>
+      </dsp:txBody>
+      <dsp:txXfrm>
+        <a:off x="1394094" y="2162556"/>
+        <a:ext cx="8664305" cy="1207008"/>
       </dsp:txXfrm>
     </dsp:sp>
   </dsp:spTree>
@@ -4166,6 +5537,300 @@
 </dgm:layoutDef>
 </file>
 
+<file path=ppt/diagrams/layout3.xml><?xml version="1.0" encoding="utf-8"?>
+<dgm:layoutDef xmlns:dgm="http://schemas.openxmlformats.org/drawingml/2006/diagram" xmlns:a="http://schemas.openxmlformats.org/drawingml/2006/main" uniqueId="urn:microsoft.com/office/officeart/2018/2/layout/IconVerticalSolidList">
+  <dgm:title val="Icon Vertical Solid List"/>
+  <dgm:desc val="Use to show a series of visuals from top to bottom with Level 1 or Level 1 and Level 2 text grouped in a shape. Works best with icons or small pictures with lengthier descriptions."/>
+  <dgm:catLst>
+    <dgm:cat type="icon" pri="500"/>
+  </dgm:catLst>
+  <dgm:sampData useDef="1">
+    <dgm:dataModel>
+      <dgm:ptLst/>
+      <dgm:bg/>
+      <dgm:whole/>
+    </dgm:dataModel>
+  </dgm:sampData>
+  <dgm:styleData useDef="1">
+    <dgm:dataModel>
+      <dgm:ptLst/>
+      <dgm:bg/>
+      <dgm:whole/>
+    </dgm:dataModel>
+  </dgm:styleData>
+  <dgm:clrData useDef="1">
+    <dgm:dataModel>
+      <dgm:ptLst/>
+      <dgm:bg/>
+      <dgm:whole/>
+    </dgm:dataModel>
+  </dgm:clrData>
+  <dgm:layoutNode name="root">
+    <dgm:varLst>
+      <dgm:dir/>
+      <dgm:resizeHandles val="exact"/>
+    </dgm:varLst>
+    <dgm:choose name="Name0">
+      <dgm:if name="Name1" axis="self" func="var" arg="dir" op="equ" val="norm">
+        <dgm:alg type="lin">
+          <dgm:param type="linDir" val="fromT"/>
+          <dgm:param type="nodeHorzAlign" val="l"/>
+        </dgm:alg>
+      </dgm:if>
+      <dgm:else name="Name2">
+        <dgm:alg type="lin">
+          <dgm:param type="linDir" val="fromT"/>
+          <dgm:param type="nodeHorzAlign" val="r"/>
+        </dgm:alg>
+      </dgm:else>
+    </dgm:choose>
+    <dgm:shape xmlns:r="http://schemas.openxmlformats.org/officeDocument/2006/relationships" r:blip="">
+      <dgm:adjLst/>
+    </dgm:shape>
+    <dgm:presOf/>
+    <dgm:choose name="Name3">
+      <dgm:if name="Name4" axis="ch" ptType="node" func="cnt" op="lte" val="3">
+        <dgm:constrLst>
+          <dgm:constr type="h" for="ch" forName="compNode" refType="h" fact="0.3"/>
+          <dgm:constr type="w" for="ch" forName="compNode" refType="w"/>
+          <dgm:constr type="h" for="ch" forName="sibTrans" refType="h" refFor="ch" refForName="compNode" fact="0.25"/>
+          <dgm:constr type="primFontSz" for="des" forName="parTx" val="25"/>
+          <dgm:constr type="primFontSz" for="des" forName="desTx" refType="primFontSz" refFor="des" refForName="parTx" op="lte" fact="0.75"/>
+          <dgm:constr type="h" for="des" forName="compNode" op="equ"/>
+          <dgm:constr type="h" for="des" forName="bgRect" op="equ"/>
+          <dgm:constr type="h" for="des" forName="iconRect" op="equ"/>
+          <dgm:constr type="w" for="des" forName="iconRect" op="equ"/>
+          <dgm:constr type="h" for="des" forName="spaceRect" op="equ"/>
+          <dgm:constr type="h" for="des" forName="parTx" op="equ"/>
+          <dgm:constr type="h" for="des" forName="desTx" op="equ"/>
+        </dgm:constrLst>
+      </dgm:if>
+      <dgm:if name="Name5" axis="ch" ptType="node" func="cnt" op="lte" val="4">
+        <dgm:constrLst>
+          <dgm:constr type="h" for="ch" forName="compNode" refType="h" fact="0.3"/>
+          <dgm:constr type="w" for="ch" forName="compNode" refType="w"/>
+          <dgm:constr type="h" for="ch" forName="sibTrans" refType="h" refFor="ch" refForName="compNode" fact="0.25"/>
+          <dgm:constr type="primFontSz" for="des" forName="parTx" val="22"/>
+          <dgm:constr type="primFontSz" for="des" forName="desTx" refType="primFontSz" refFor="des" refForName="parTx" op="lte" fact="0.75"/>
+          <dgm:constr type="h" for="des" forName="compNode" op="equ"/>
+          <dgm:constr type="h" for="des" forName="bgRect" op="equ"/>
+          <dgm:constr type="h" for="des" forName="iconRect" op="equ"/>
+          <dgm:constr type="w" for="des" forName="iconRect" op="equ"/>
+          <dgm:constr type="h" for="des" forName="spaceRect" op="equ"/>
+          <dgm:constr type="h" for="des" forName="parTx" op="equ"/>
+          <dgm:constr type="h" for="des" forName="desTx" op="equ"/>
+        </dgm:constrLst>
+      </dgm:if>
+      <dgm:if name="Name6" axis="ch" ptType="node" func="cnt" op="lte" val="6">
+        <dgm:constrLst>
+          <dgm:constr type="h" for="ch" forName="compNode" refType="h" fact="0.3"/>
+          <dgm:constr type="w" for="ch" forName="compNode" refType="w"/>
+          <dgm:constr type="h" for="ch" forName="sibTrans" refType="h" refFor="ch" refForName="compNode" fact="0.25"/>
+          <dgm:constr type="primFontSz" for="des" forName="parTx" val="19"/>
+          <dgm:constr type="primFontSz" for="des" forName="desTx" refType="primFontSz" refFor="des" refForName="parTx" op="lte" fact="0.75"/>
+          <dgm:constr type="h" for="des" forName="compNode" op="equ"/>
+          <dgm:constr type="h" for="des" forName="bgRect" op="equ"/>
+          <dgm:constr type="h" for="des" forName="iconRect" op="equ"/>
+          <dgm:constr type="w" for="des" forName="iconRect" op="equ"/>
+          <dgm:constr type="h" for="des" forName="spaceRect" op="equ"/>
+          <dgm:constr type="h" for="des" forName="parTx" op="equ"/>
+          <dgm:constr type="h" for="des" forName="desTx" op="equ"/>
+        </dgm:constrLst>
+      </dgm:if>
+      <dgm:else name="Name7">
+        <dgm:constrLst>
+          <dgm:constr type="h" for="ch" forName="compNode" refType="h" fact="0.3"/>
+          <dgm:constr type="w" for="ch" forName="compNode" refType="w"/>
+          <dgm:constr type="h" for="ch" forName="sibTrans" refType="h" refFor="ch" refForName="compNode" fact="0.25"/>
+          <dgm:constr type="primFontSz" for="des" forName="parTx" val="16"/>
+          <dgm:constr type="primFontSz" for="des" forName="desTx" refType="primFontSz" refFor="des" refForName="parTx" op="lte" fact="0.75"/>
+          <dgm:constr type="h" for="des" forName="compNode" op="equ"/>
+          <dgm:constr type="h" for="des" forName="bgRect" op="equ"/>
+          <dgm:constr type="h" for="des" forName="iconRect" op="equ"/>
+          <dgm:constr type="w" for="des" forName="iconRect" op="equ"/>
+          <dgm:constr type="h" for="des" forName="spaceRect" op="equ"/>
+          <dgm:constr type="h" for="des" forName="parTx" op="equ"/>
+          <dgm:constr type="h" for="des" forName="desTx" op="equ"/>
+        </dgm:constrLst>
+      </dgm:else>
+    </dgm:choose>
+    <dgm:ruleLst>
+      <dgm:rule type="h" for="ch" forName="compNode" val="0" fact="NaN" max="NaN"/>
+    </dgm:ruleLst>
+    <dgm:forEach name="Name8" axis="ch" ptType="node">
+      <dgm:layoutNode name="compNode">
+        <dgm:alg type="composite"/>
+        <dgm:shape xmlns:r="http://schemas.openxmlformats.org/officeDocument/2006/relationships" r:blip="">
+          <dgm:adjLst/>
+        </dgm:shape>
+        <dgm:presOf axis="self"/>
+        <dgm:choose name="Name9">
+          <dgm:if name="Name10" axis="ch" ptType="node" func="cnt" op="gte" val="1">
+            <dgm:constrLst>
+              <dgm:constr type="w" for="ch" forName="bgRect" refType="w"/>
+              <dgm:constr type="h" for="ch" forName="bgRect" refType="h"/>
+              <dgm:constr type="l" for="ch" forName="bgRect"/>
+              <dgm:constr type="t" for="ch" forName="bgRect"/>
+              <dgm:constr type="h" for="ch" forName="iconRect" refType="h" fact="0.55"/>
+              <dgm:constr type="w" for="ch" forName="iconRect" refType="h" refFor="ch" refForName="iconRect"/>
+              <dgm:constr type="l" for="ch" forName="iconRect" refType="h" refFor="ch" refForName="iconRect" fact="0.55"/>
+              <dgm:constr type="ctrY" for="ch" forName="iconRect" refType="ctrY" refFor="ch" refForName="bgRect"/>
+              <dgm:constr type="w" for="ch" forName="spaceRect" refType="l" refFor="ch" refForName="iconRect"/>
+              <dgm:constr type="h" for="ch" forName="spaceRect" refType="h"/>
+              <dgm:constr type="l" for="ch" forName="spaceRect" refType="r" refFor="ch" refForName="iconRect"/>
+              <dgm:constr type="t" for="ch" forName="spaceRect"/>
+              <dgm:constr type="w" for="ch" forName="parTx" refType="w" fact="0.45"/>
+              <dgm:constr type="h" for="ch" forName="parTx" refType="h"/>
+              <dgm:constr type="l" for="ch" forName="parTx" refType="r" refFor="ch" refForName="spaceRect"/>
+              <dgm:constr type="t" for="ch" forName="parTx"/>
+              <dgm:constr type="h" for="ch" forName="desTx" refType="h"/>
+              <dgm:constr type="l" for="ch" forName="desTx" refType="r" refFor="ch" refForName="parTx"/>
+              <dgm:constr type="t" for="ch" forName="desTx"/>
+            </dgm:constrLst>
+          </dgm:if>
+          <dgm:else name="Name11">
+            <dgm:constrLst>
+              <dgm:constr type="w" for="ch" forName="bgRect" refType="w"/>
+              <dgm:constr type="h" for="ch" forName="bgRect" refType="h"/>
+              <dgm:constr type="l" for="ch" forName="bgRect"/>
+              <dgm:constr type="t" for="ch" forName="bgRect"/>
+              <dgm:constr type="h" for="ch" forName="iconRect" refType="h" fact="0.55"/>
+              <dgm:constr type="w" for="ch" forName="iconRect" refType="h" refFor="ch" refForName="iconRect"/>
+              <dgm:constr type="l" for="ch" forName="iconRect" refType="h" refFor="ch" refForName="iconRect" fact="0.55"/>
+              <dgm:constr type="ctrY" for="ch" forName="iconRect" refType="ctrY" refFor="ch" refForName="bgRect"/>
+              <dgm:constr type="w" for="ch" forName="spaceRect" refType="l" refFor="ch" refForName="iconRect"/>
+              <dgm:constr type="h" for="ch" forName="spaceRect" refType="h"/>
+              <dgm:constr type="l" for="ch" forName="spaceRect" refType="r" refFor="ch" refForName="iconRect"/>
+              <dgm:constr type="t" for="ch" forName="spaceRect"/>
+              <dgm:constr type="h" for="ch" forName="parTx" refType="h"/>
+              <dgm:constr type="l" for="ch" forName="parTx" refType="r" refFor="ch" refForName="spaceRect"/>
+              <dgm:constr type="t" for="ch" forName="parTx"/>
+            </dgm:constrLst>
+          </dgm:else>
+        </dgm:choose>
+        <dgm:ruleLst>
+          <dgm:rule type="h" val="INF" fact="NaN" max="NaN"/>
+        </dgm:ruleLst>
+        <dgm:layoutNode name="bgRect" styleLbl="bgShp">
+          <dgm:alg type="sp"/>
+          <dgm:shape xmlns:r="http://schemas.openxmlformats.org/officeDocument/2006/relationships" type="roundRect" r:blip="">
+            <dgm:adjLst>
+              <dgm:adj idx="1" val="0.1"/>
+            </dgm:adjLst>
+          </dgm:shape>
+          <dgm:presOf/>
+          <dgm:constrLst/>
+          <dgm:ruleLst/>
+        </dgm:layoutNode>
+        <dgm:layoutNode name="iconRect" styleLbl="node1">
+          <dgm:alg type="sp"/>
+          <dgm:shape xmlns:r="http://schemas.openxmlformats.org/officeDocument/2006/relationships" type="rect" r:blip="" blipPhldr="1">
+            <dgm:adjLst/>
+          </dgm:shape>
+          <dgm:presOf/>
+          <dgm:constrLst/>
+          <dgm:ruleLst/>
+        </dgm:layoutNode>
+        <dgm:layoutNode name="spaceRect">
+          <dgm:alg type="sp"/>
+          <dgm:shape xmlns:r="http://schemas.openxmlformats.org/officeDocument/2006/relationships" r:blip="">
+            <dgm:adjLst/>
+          </dgm:shape>
+          <dgm:presOf/>
+          <dgm:constrLst/>
+          <dgm:ruleLst/>
+        </dgm:layoutNode>
+        <dgm:layoutNode name="parTx" styleLbl="revTx">
+          <dgm:varLst>
+            <dgm:chMax val="0"/>
+            <dgm:chPref val="0"/>
+          </dgm:varLst>
+          <dgm:alg type="tx">
+            <dgm:param type="txAnchorVert" val="mid"/>
+            <dgm:param type="parTxLTRAlign" val="l"/>
+            <dgm:param type="shpTxLTRAlignCh" val="l"/>
+            <dgm:param type="parTxRTLAlign" val="r"/>
+            <dgm:param type="shpTxRTLAlignCh" val="r"/>
+          </dgm:alg>
+          <dgm:shape xmlns:r="http://schemas.openxmlformats.org/officeDocument/2006/relationships" type="rect" r:blip="">
+            <dgm:adjLst/>
+          </dgm:shape>
+          <dgm:presOf axis="self" ptType="node"/>
+          <dgm:constrLst>
+            <dgm:constr type="lMarg" refType="h" fact="0.3"/>
+            <dgm:constr type="rMarg" refType="h" fact="0.3"/>
+            <dgm:constr type="tMarg" refType="h" fact="0.3"/>
+            <dgm:constr type="bMarg" refType="h" fact="0.3"/>
+          </dgm:constrLst>
+          <dgm:ruleLst>
+            <dgm:rule type="primFontSz" val="14" fact="NaN" max="NaN"/>
+            <dgm:rule type="h" val="INF" fact="NaN" max="NaN"/>
+          </dgm:ruleLst>
+        </dgm:layoutNode>
+        <dgm:choose name="Name12">
+          <dgm:if name="Name13" axis="ch" ptType="node" func="cnt" op="gte" val="1">
+            <dgm:layoutNode name="desTx" styleLbl="revTx">
+              <dgm:varLst/>
+              <dgm:alg type="tx">
+                <dgm:param type="txAnchorVertCh" val="mid"/>
+                <dgm:param type="parTxLTRAlign" val="l"/>
+                <dgm:param type="shpTxLTRAlignCh" val="l"/>
+                <dgm:param type="parTxRTLAlign" val="r"/>
+                <dgm:param type="shpTxRTLAlignCh" val="r"/>
+                <dgm:param type="stBulletLvl" val="0"/>
+              </dgm:alg>
+              <dgm:shape xmlns:r="http://schemas.openxmlformats.org/officeDocument/2006/relationships" type="rect" r:blip="">
+                <dgm:adjLst/>
+              </dgm:shape>
+              <dgm:presOf axis="des" ptType="node"/>
+              <dgm:constrLst>
+                <dgm:constr type="primFontSz" val="18"/>
+                <dgm:constr type="secFontSz" refType="primFontSz"/>
+                <dgm:constr type="lMarg" refType="h" fact="0.3"/>
+                <dgm:constr type="rMarg" refType="h" fact="0.3"/>
+                <dgm:constr type="tMarg" refType="h" fact="0.3"/>
+                <dgm:constr type="bMarg" refType="h" fact="0.3"/>
+              </dgm:constrLst>
+              <dgm:ruleLst>
+                <dgm:rule type="primFontSz" val="11" fact="NaN" max="NaN"/>
+              </dgm:ruleLst>
+            </dgm:layoutNode>
+          </dgm:if>
+          <dgm:else name="Name14"/>
+        </dgm:choose>
+      </dgm:layoutNode>
+      <dgm:forEach name="Name15" axis="followSib" ptType="sibTrans" cnt="1">
+        <dgm:layoutNode name="sibTrans">
+          <dgm:alg type="sp"/>
+          <dgm:shape xmlns:r="http://schemas.openxmlformats.org/officeDocument/2006/relationships" r:blip="">
+            <dgm:adjLst/>
+          </dgm:shape>
+          <dgm:presOf axis="self"/>
+          <dgm:constrLst/>
+          <dgm:ruleLst/>
+        </dgm:layoutNode>
+      </dgm:forEach>
+    </dgm:forEach>
+  </dgm:layoutNode>
+  <dgm:extLst>
+    <a:ext uri="{68A01E43-0DF5-4B5B-8FA6-DAF915123BFB}">
+      <dgm1612:lstStyle xmlns:dgm1612="http://schemas.microsoft.com/office/drawing/2016/12/diagram">
+        <a:lvl1pPr>
+          <a:lnSpc>
+            <a:spcPct val="100000"/>
+          </a:lnSpc>
+        </a:lvl1pPr>
+        <a:lvl2pPr>
+          <a:lnSpc>
+            <a:spcPct val="100000"/>
+          </a:lnSpc>
+        </a:lvl2pPr>
+      </dgm1612:lstStyle>
+    </a:ext>
+  </dgm:extLst>
+</dgm:layoutDef>
+</file>
+
 <file path=ppt/diagrams/quickStyle1.xml><?xml version="1.0" encoding="utf-8"?>
 <dgm:styleDef xmlns:dgm="http://schemas.openxmlformats.org/drawingml/2006/diagram" xmlns:a="http://schemas.openxmlformats.org/drawingml/2006/main" uniqueId="urn:microsoft.com/office/officeart/2005/8/quickstyle/simple1">
   <dgm:title val=""/>
@@ -5201,6 +6866,1040 @@
 </file>
 
 <file path=ppt/diagrams/quickStyle2.xml><?xml version="1.0" encoding="utf-8"?>
+<dgm:styleDef xmlns:dgm="http://schemas.openxmlformats.org/drawingml/2006/diagram" xmlns:a="http://schemas.openxmlformats.org/drawingml/2006/main" uniqueId="urn:microsoft.com/office/officeart/2005/8/quickstyle/simple1">
+  <dgm:title val=""/>
+  <dgm:desc val=""/>
+  <dgm:catLst>
+    <dgm:cat type="simple" pri="10100"/>
+  </dgm:catLst>
+  <dgm:scene3d>
+    <a:camera prst="orthographicFront"/>
+    <a:lightRig rig="threePt" dir="t"/>
+  </dgm:scene3d>
+  <dgm:styleLbl name="node0">
+    <dgm:scene3d>
+      <a:camera prst="orthographicFront"/>
+      <a:lightRig rig="threePt" dir="t"/>
+    </dgm:scene3d>
+    <dgm:sp3d/>
+    <dgm:txPr/>
+    <dgm:style>
+      <a:lnRef idx="2">
+        <a:scrgbClr r="0" g="0" b="0"/>
+      </a:lnRef>
+      <a:fillRef idx="1">
+        <a:scrgbClr r="0" g="0" b="0"/>
+      </a:fillRef>
+      <a:effectRef idx="0">
+        <a:scrgbClr r="0" g="0" b="0"/>
+      </a:effectRef>
+      <a:fontRef idx="minor">
+        <a:schemeClr val="lt1"/>
+      </a:fontRef>
+    </dgm:style>
+  </dgm:styleLbl>
+  <dgm:styleLbl name="lnNode1">
+    <dgm:scene3d>
+      <a:camera prst="orthographicFront"/>
+      <a:lightRig rig="threePt" dir="t"/>
+    </dgm:scene3d>
+    <dgm:sp3d/>
+    <dgm:txPr/>
+    <dgm:style>
+      <a:lnRef idx="2">
+        <a:scrgbClr r="0" g="0" b="0"/>
+      </a:lnRef>
+      <a:fillRef idx="1">
+        <a:scrgbClr r="0" g="0" b="0"/>
+      </a:fillRef>
+      <a:effectRef idx="0">
+        <a:scrgbClr r="0" g="0" b="0"/>
+      </a:effectRef>
+      <a:fontRef idx="minor">
+        <a:schemeClr val="lt1"/>
+      </a:fontRef>
+    </dgm:style>
+  </dgm:styleLbl>
+  <dgm:styleLbl name="vennNode1">
+    <dgm:scene3d>
+      <a:camera prst="orthographicFront"/>
+      <a:lightRig rig="threePt" dir="t"/>
+    </dgm:scene3d>
+    <dgm:sp3d/>
+    <dgm:txPr/>
+    <dgm:style>
+      <a:lnRef idx="2">
+        <a:scrgbClr r="0" g="0" b="0"/>
+      </a:lnRef>
+      <a:fillRef idx="1">
+        <a:scrgbClr r="0" g="0" b="0"/>
+      </a:fillRef>
+      <a:effectRef idx="0">
+        <a:scrgbClr r="0" g="0" b="0"/>
+      </a:effectRef>
+      <a:fontRef idx="minor">
+        <a:schemeClr val="tx1"/>
+      </a:fontRef>
+    </dgm:style>
+  </dgm:styleLbl>
+  <dgm:styleLbl name="alignNode1">
+    <dgm:scene3d>
+      <a:camera prst="orthographicFront"/>
+      <a:lightRig rig="threePt" dir="t"/>
+    </dgm:scene3d>
+    <dgm:sp3d/>
+    <dgm:txPr/>
+    <dgm:style>
+      <a:lnRef idx="2">
+        <a:scrgbClr r="0" g="0" b="0"/>
+      </a:lnRef>
+      <a:fillRef idx="1">
+        <a:scrgbClr r="0" g="0" b="0"/>
+      </a:fillRef>
+      <a:effectRef idx="0">
+        <a:scrgbClr r="0" g="0" b="0"/>
+      </a:effectRef>
+      <a:fontRef idx="minor">
+        <a:schemeClr val="lt1"/>
+      </a:fontRef>
+    </dgm:style>
+  </dgm:styleLbl>
+  <dgm:styleLbl name="node1">
+    <dgm:scene3d>
+      <a:camera prst="orthographicFront"/>
+      <a:lightRig rig="threePt" dir="t"/>
+    </dgm:scene3d>
+    <dgm:sp3d/>
+    <dgm:txPr/>
+    <dgm:style>
+      <a:lnRef idx="2">
+        <a:scrgbClr r="0" g="0" b="0"/>
+      </a:lnRef>
+      <a:fillRef idx="1">
+        <a:scrgbClr r="0" g="0" b="0"/>
+      </a:fillRef>
+      <a:effectRef idx="0">
+        <a:scrgbClr r="0" g="0" b="0"/>
+      </a:effectRef>
+      <a:fontRef idx="minor">
+        <a:schemeClr val="lt1"/>
+      </a:fontRef>
+    </dgm:style>
+  </dgm:styleLbl>
+  <dgm:styleLbl name="node2">
+    <dgm:scene3d>
+      <a:camera prst="orthographicFront"/>
+      <a:lightRig rig="threePt" dir="t"/>
+    </dgm:scene3d>
+    <dgm:sp3d/>
+    <dgm:txPr/>
+    <dgm:style>
+      <a:lnRef idx="2">
+        <a:scrgbClr r="0" g="0" b="0"/>
+      </a:lnRef>
+      <a:fillRef idx="1">
+        <a:scrgbClr r="0" g="0" b="0"/>
+      </a:fillRef>
+      <a:effectRef idx="0">
+        <a:scrgbClr r="0" g="0" b="0"/>
+      </a:effectRef>
+      <a:fontRef idx="minor">
+        <a:schemeClr val="lt1"/>
+      </a:fontRef>
+    </dgm:style>
+  </dgm:styleLbl>
+  <dgm:styleLbl name="node3">
+    <dgm:scene3d>
+      <a:camera prst="orthographicFront"/>
+      <a:lightRig rig="threePt" dir="t"/>
+    </dgm:scene3d>
+    <dgm:sp3d/>
+    <dgm:txPr/>
+    <dgm:style>
+      <a:lnRef idx="2">
+        <a:scrgbClr r="0" g="0" b="0"/>
+      </a:lnRef>
+      <a:fillRef idx="1">
+        <a:scrgbClr r="0" g="0" b="0"/>
+      </a:fillRef>
+      <a:effectRef idx="0">
+        <a:scrgbClr r="0" g="0" b="0"/>
+      </a:effectRef>
+      <a:fontRef idx="minor">
+        <a:schemeClr val="lt1"/>
+      </a:fontRef>
+    </dgm:style>
+  </dgm:styleLbl>
+  <dgm:styleLbl name="node4">
+    <dgm:scene3d>
+      <a:camera prst="orthographicFront"/>
+      <a:lightRig rig="threePt" dir="t"/>
+    </dgm:scene3d>
+    <dgm:sp3d/>
+    <dgm:txPr/>
+    <dgm:style>
+      <a:lnRef idx="2">
+        <a:scrgbClr r="0" g="0" b="0"/>
+      </a:lnRef>
+      <a:fillRef idx="1">
+        <a:scrgbClr r="0" g="0" b="0"/>
+      </a:fillRef>
+      <a:effectRef idx="0">
+        <a:scrgbClr r="0" g="0" b="0"/>
+      </a:effectRef>
+      <a:fontRef idx="minor">
+        <a:schemeClr val="lt1"/>
+      </a:fontRef>
+    </dgm:style>
+  </dgm:styleLbl>
+  <dgm:styleLbl name="fgImgPlace1">
+    <dgm:scene3d>
+      <a:camera prst="orthographicFront"/>
+      <a:lightRig rig="threePt" dir="t"/>
+    </dgm:scene3d>
+    <dgm:sp3d/>
+    <dgm:txPr/>
+    <dgm:style>
+      <a:lnRef idx="2">
+        <a:scrgbClr r="0" g="0" b="0"/>
+      </a:lnRef>
+      <a:fillRef idx="1">
+        <a:scrgbClr r="0" g="0" b="0"/>
+      </a:fillRef>
+      <a:effectRef idx="0">
+        <a:scrgbClr r="0" g="0" b="0"/>
+      </a:effectRef>
+      <a:fontRef idx="minor"/>
+    </dgm:style>
+  </dgm:styleLbl>
+  <dgm:styleLbl name="alignImgPlace1">
+    <dgm:scene3d>
+      <a:camera prst="orthographicFront"/>
+      <a:lightRig rig="threePt" dir="t"/>
+    </dgm:scene3d>
+    <dgm:sp3d/>
+    <dgm:txPr/>
+    <dgm:style>
+      <a:lnRef idx="2">
+        <a:scrgbClr r="0" g="0" b="0"/>
+      </a:lnRef>
+      <a:fillRef idx="1">
+        <a:scrgbClr r="0" g="0" b="0"/>
+      </a:fillRef>
+      <a:effectRef idx="0">
+        <a:scrgbClr r="0" g="0" b="0"/>
+      </a:effectRef>
+      <a:fontRef idx="minor"/>
+    </dgm:style>
+  </dgm:styleLbl>
+  <dgm:styleLbl name="bgImgPlace1">
+    <dgm:scene3d>
+      <a:camera prst="orthographicFront"/>
+      <a:lightRig rig="threePt" dir="t"/>
+    </dgm:scene3d>
+    <dgm:sp3d/>
+    <dgm:txPr/>
+    <dgm:style>
+      <a:lnRef idx="2">
+        <a:scrgbClr r="0" g="0" b="0"/>
+      </a:lnRef>
+      <a:fillRef idx="1">
+        <a:scrgbClr r="0" g="0" b="0"/>
+      </a:fillRef>
+      <a:effectRef idx="0">
+        <a:scrgbClr r="0" g="0" b="0"/>
+      </a:effectRef>
+      <a:fontRef idx="minor"/>
+    </dgm:style>
+  </dgm:styleLbl>
+  <dgm:styleLbl name="sibTrans2D1">
+    <dgm:scene3d>
+      <a:camera prst="orthographicFront"/>
+      <a:lightRig rig="threePt" dir="t"/>
+    </dgm:scene3d>
+    <dgm:sp3d/>
+    <dgm:txPr/>
+    <dgm:style>
+      <a:lnRef idx="0">
+        <a:scrgbClr r="0" g="0" b="0"/>
+      </a:lnRef>
+      <a:fillRef idx="1">
+        <a:scrgbClr r="0" g="0" b="0"/>
+      </a:fillRef>
+      <a:effectRef idx="0">
+        <a:scrgbClr r="0" g="0" b="0"/>
+      </a:effectRef>
+      <a:fontRef idx="minor">
+        <a:schemeClr val="lt1"/>
+      </a:fontRef>
+    </dgm:style>
+  </dgm:styleLbl>
+  <dgm:styleLbl name="fgSibTrans2D1">
+    <dgm:scene3d>
+      <a:camera prst="orthographicFront"/>
+      <a:lightRig rig="threePt" dir="t"/>
+    </dgm:scene3d>
+    <dgm:sp3d/>
+    <dgm:txPr/>
+    <dgm:style>
+      <a:lnRef idx="0">
+        <a:scrgbClr r="0" g="0" b="0"/>
+      </a:lnRef>
+      <a:fillRef idx="1">
+        <a:scrgbClr r="0" g="0" b="0"/>
+      </a:fillRef>
+      <a:effectRef idx="0">
+        <a:scrgbClr r="0" g="0" b="0"/>
+      </a:effectRef>
+      <a:fontRef idx="minor">
+        <a:schemeClr val="lt1"/>
+      </a:fontRef>
+    </dgm:style>
+  </dgm:styleLbl>
+  <dgm:styleLbl name="bgSibTrans2D1">
+    <dgm:scene3d>
+      <a:camera prst="orthographicFront"/>
+      <a:lightRig rig="threePt" dir="t"/>
+    </dgm:scene3d>
+    <dgm:sp3d/>
+    <dgm:txPr/>
+    <dgm:style>
+      <a:lnRef idx="0">
+        <a:scrgbClr r="0" g="0" b="0"/>
+      </a:lnRef>
+      <a:fillRef idx="1">
+        <a:scrgbClr r="0" g="0" b="0"/>
+      </a:fillRef>
+      <a:effectRef idx="0">
+        <a:scrgbClr r="0" g="0" b="0"/>
+      </a:effectRef>
+      <a:fontRef idx="minor">
+        <a:schemeClr val="lt1"/>
+      </a:fontRef>
+    </dgm:style>
+  </dgm:styleLbl>
+  <dgm:styleLbl name="sibTrans1D1">
+    <dgm:scene3d>
+      <a:camera prst="orthographicFront"/>
+      <a:lightRig rig="threePt" dir="t"/>
+    </dgm:scene3d>
+    <dgm:sp3d/>
+    <dgm:txPr/>
+    <dgm:style>
+      <a:lnRef idx="1">
+        <a:scrgbClr r="0" g="0" b="0"/>
+      </a:lnRef>
+      <a:fillRef idx="0">
+        <a:scrgbClr r="0" g="0" b="0"/>
+      </a:fillRef>
+      <a:effectRef idx="0">
+        <a:scrgbClr r="0" g="0" b="0"/>
+      </a:effectRef>
+      <a:fontRef idx="minor"/>
+    </dgm:style>
+  </dgm:styleLbl>
+  <dgm:styleLbl name="callout">
+    <dgm:scene3d>
+      <a:camera prst="orthographicFront"/>
+      <a:lightRig rig="threePt" dir="t"/>
+    </dgm:scene3d>
+    <dgm:sp3d/>
+    <dgm:txPr/>
+    <dgm:style>
+      <a:lnRef idx="2">
+        <a:scrgbClr r="0" g="0" b="0"/>
+      </a:lnRef>
+      <a:fillRef idx="1">
+        <a:scrgbClr r="0" g="0" b="0"/>
+      </a:fillRef>
+      <a:effectRef idx="0">
+        <a:scrgbClr r="0" g="0" b="0"/>
+      </a:effectRef>
+      <a:fontRef idx="minor"/>
+    </dgm:style>
+  </dgm:styleLbl>
+  <dgm:styleLbl name="asst0">
+    <dgm:scene3d>
+      <a:camera prst="orthographicFront"/>
+      <a:lightRig rig="threePt" dir="t"/>
+    </dgm:scene3d>
+    <dgm:sp3d/>
+    <dgm:txPr/>
+    <dgm:style>
+      <a:lnRef idx="2">
+        <a:scrgbClr r="0" g="0" b="0"/>
+      </a:lnRef>
+      <a:fillRef idx="1">
+        <a:scrgbClr r="0" g="0" b="0"/>
+      </a:fillRef>
+      <a:effectRef idx="0">
+        <a:scrgbClr r="0" g="0" b="0"/>
+      </a:effectRef>
+      <a:fontRef idx="minor">
+        <a:schemeClr val="lt1"/>
+      </a:fontRef>
+    </dgm:style>
+  </dgm:styleLbl>
+  <dgm:styleLbl name="asst1">
+    <dgm:scene3d>
+      <a:camera prst="orthographicFront"/>
+      <a:lightRig rig="threePt" dir="t"/>
+    </dgm:scene3d>
+    <dgm:sp3d/>
+    <dgm:txPr/>
+    <dgm:style>
+      <a:lnRef idx="2">
+        <a:scrgbClr r="0" g="0" b="0"/>
+      </a:lnRef>
+      <a:fillRef idx="1">
+        <a:scrgbClr r="0" g="0" b="0"/>
+      </a:fillRef>
+      <a:effectRef idx="0">
+        <a:scrgbClr r="0" g="0" b="0"/>
+      </a:effectRef>
+      <a:fontRef idx="minor">
+        <a:schemeClr val="lt1"/>
+      </a:fontRef>
+    </dgm:style>
+  </dgm:styleLbl>
+  <dgm:styleLbl name="asst2">
+    <dgm:scene3d>
+      <a:camera prst="orthographicFront"/>
+      <a:lightRig rig="threePt" dir="t"/>
+    </dgm:scene3d>
+    <dgm:sp3d/>
+    <dgm:txPr/>
+    <dgm:style>
+      <a:lnRef idx="2">
+        <a:scrgbClr r="0" g="0" b="0"/>
+      </a:lnRef>
+      <a:fillRef idx="1">
+        <a:scrgbClr r="0" g="0" b="0"/>
+      </a:fillRef>
+      <a:effectRef idx="0">
+        <a:scrgbClr r="0" g="0" b="0"/>
+      </a:effectRef>
+      <a:fontRef idx="minor">
+        <a:schemeClr val="lt1"/>
+      </a:fontRef>
+    </dgm:style>
+  </dgm:styleLbl>
+  <dgm:styleLbl name="asst3">
+    <dgm:scene3d>
+      <a:camera prst="orthographicFront"/>
+      <a:lightRig rig="threePt" dir="t"/>
+    </dgm:scene3d>
+    <dgm:sp3d/>
+    <dgm:txPr/>
+    <dgm:style>
+      <a:lnRef idx="2">
+        <a:scrgbClr r="0" g="0" b="0"/>
+      </a:lnRef>
+      <a:fillRef idx="1">
+        <a:scrgbClr r="0" g="0" b="0"/>
+      </a:fillRef>
+      <a:effectRef idx="0">
+        <a:scrgbClr r="0" g="0" b="0"/>
+      </a:effectRef>
+      <a:fontRef idx="minor">
+        <a:schemeClr val="lt1"/>
+      </a:fontRef>
+    </dgm:style>
+  </dgm:styleLbl>
+  <dgm:styleLbl name="asst4">
+    <dgm:scene3d>
+      <a:camera prst="orthographicFront"/>
+      <a:lightRig rig="threePt" dir="t"/>
+    </dgm:scene3d>
+    <dgm:sp3d/>
+    <dgm:txPr/>
+    <dgm:style>
+      <a:lnRef idx="2">
+        <a:scrgbClr r="0" g="0" b="0"/>
+      </a:lnRef>
+      <a:fillRef idx="1">
+        <a:scrgbClr r="0" g="0" b="0"/>
+      </a:fillRef>
+      <a:effectRef idx="0">
+        <a:scrgbClr r="0" g="0" b="0"/>
+      </a:effectRef>
+      <a:fontRef idx="minor">
+        <a:schemeClr val="lt1"/>
+      </a:fontRef>
+    </dgm:style>
+  </dgm:styleLbl>
+  <dgm:styleLbl name="parChTrans2D1">
+    <dgm:scene3d>
+      <a:camera prst="orthographicFront"/>
+      <a:lightRig rig="threePt" dir="t"/>
+    </dgm:scene3d>
+    <dgm:sp3d/>
+    <dgm:txPr/>
+    <dgm:style>
+      <a:lnRef idx="2">
+        <a:scrgbClr r="0" g="0" b="0"/>
+      </a:lnRef>
+      <a:fillRef idx="1">
+        <a:scrgbClr r="0" g="0" b="0"/>
+      </a:fillRef>
+      <a:effectRef idx="0">
+        <a:scrgbClr r="0" g="0" b="0"/>
+      </a:effectRef>
+      <a:fontRef idx="minor">
+        <a:schemeClr val="lt1"/>
+      </a:fontRef>
+    </dgm:style>
+  </dgm:styleLbl>
+  <dgm:styleLbl name="parChTrans2D2">
+    <dgm:scene3d>
+      <a:camera prst="orthographicFront"/>
+      <a:lightRig rig="threePt" dir="t"/>
+    </dgm:scene3d>
+    <dgm:sp3d/>
+    <dgm:txPr/>
+    <dgm:style>
+      <a:lnRef idx="2">
+        <a:scrgbClr r="0" g="0" b="0"/>
+      </a:lnRef>
+      <a:fillRef idx="1">
+        <a:scrgbClr r="0" g="0" b="0"/>
+      </a:fillRef>
+      <a:effectRef idx="0">
+        <a:scrgbClr r="0" g="0" b="0"/>
+      </a:effectRef>
+      <a:fontRef idx="minor">
+        <a:schemeClr val="lt1"/>
+      </a:fontRef>
+    </dgm:style>
+  </dgm:styleLbl>
+  <dgm:styleLbl name="parChTrans2D3">
+    <dgm:scene3d>
+      <a:camera prst="orthographicFront"/>
+      <a:lightRig rig="threePt" dir="t"/>
+    </dgm:scene3d>
+    <dgm:sp3d/>
+    <dgm:txPr/>
+    <dgm:style>
+      <a:lnRef idx="2">
+        <a:scrgbClr r="0" g="0" b="0"/>
+      </a:lnRef>
+      <a:fillRef idx="1">
+        <a:scrgbClr r="0" g="0" b="0"/>
+      </a:fillRef>
+      <a:effectRef idx="0">
+        <a:scrgbClr r="0" g="0" b="0"/>
+      </a:effectRef>
+      <a:fontRef idx="minor">
+        <a:schemeClr val="lt1"/>
+      </a:fontRef>
+    </dgm:style>
+  </dgm:styleLbl>
+  <dgm:styleLbl name="parChTrans2D4">
+    <dgm:scene3d>
+      <a:camera prst="orthographicFront"/>
+      <a:lightRig rig="threePt" dir="t"/>
+    </dgm:scene3d>
+    <dgm:sp3d/>
+    <dgm:txPr/>
+    <dgm:style>
+      <a:lnRef idx="2">
+        <a:scrgbClr r="0" g="0" b="0"/>
+      </a:lnRef>
+      <a:fillRef idx="1">
+        <a:scrgbClr r="0" g="0" b="0"/>
+      </a:fillRef>
+      <a:effectRef idx="0">
+        <a:scrgbClr r="0" g="0" b="0"/>
+      </a:effectRef>
+      <a:fontRef idx="minor">
+        <a:schemeClr val="lt1"/>
+      </a:fontRef>
+    </dgm:style>
+  </dgm:styleLbl>
+  <dgm:styleLbl name="parChTrans1D1">
+    <dgm:scene3d>
+      <a:camera prst="orthographicFront"/>
+      <a:lightRig rig="threePt" dir="t"/>
+    </dgm:scene3d>
+    <dgm:sp3d/>
+    <dgm:txPr/>
+    <dgm:style>
+      <a:lnRef idx="2">
+        <a:scrgbClr r="0" g="0" b="0"/>
+      </a:lnRef>
+      <a:fillRef idx="0">
+        <a:scrgbClr r="0" g="0" b="0"/>
+      </a:fillRef>
+      <a:effectRef idx="0">
+        <a:scrgbClr r="0" g="0" b="0"/>
+      </a:effectRef>
+      <a:fontRef idx="minor"/>
+    </dgm:style>
+  </dgm:styleLbl>
+  <dgm:styleLbl name="parChTrans1D2">
+    <dgm:scene3d>
+      <a:camera prst="orthographicFront"/>
+      <a:lightRig rig="threePt" dir="t"/>
+    </dgm:scene3d>
+    <dgm:sp3d/>
+    <dgm:txPr/>
+    <dgm:style>
+      <a:lnRef idx="2">
+        <a:scrgbClr r="0" g="0" b="0"/>
+      </a:lnRef>
+      <a:fillRef idx="0">
+        <a:scrgbClr r="0" g="0" b="0"/>
+      </a:fillRef>
+      <a:effectRef idx="0">
+        <a:scrgbClr r="0" g="0" b="0"/>
+      </a:effectRef>
+      <a:fontRef idx="minor"/>
+    </dgm:style>
+  </dgm:styleLbl>
+  <dgm:styleLbl name="parChTrans1D3">
+    <dgm:scene3d>
+      <a:camera prst="orthographicFront"/>
+      <a:lightRig rig="threePt" dir="t"/>
+    </dgm:scene3d>
+    <dgm:sp3d/>
+    <dgm:txPr/>
+    <dgm:style>
+      <a:lnRef idx="2">
+        <a:scrgbClr r="0" g="0" b="0"/>
+      </a:lnRef>
+      <a:fillRef idx="0">
+        <a:scrgbClr r="0" g="0" b="0"/>
+      </a:fillRef>
+      <a:effectRef idx="0">
+        <a:scrgbClr r="0" g="0" b="0"/>
+      </a:effectRef>
+      <a:fontRef idx="minor"/>
+    </dgm:style>
+  </dgm:styleLbl>
+  <dgm:styleLbl name="parChTrans1D4">
+    <dgm:scene3d>
+      <a:camera prst="orthographicFront"/>
+      <a:lightRig rig="threePt" dir="t"/>
+    </dgm:scene3d>
+    <dgm:sp3d/>
+    <dgm:txPr/>
+    <dgm:style>
+      <a:lnRef idx="2">
+        <a:scrgbClr r="0" g="0" b="0"/>
+      </a:lnRef>
+      <a:fillRef idx="0">
+        <a:scrgbClr r="0" g="0" b="0"/>
+      </a:fillRef>
+      <a:effectRef idx="0">
+        <a:scrgbClr r="0" g="0" b="0"/>
+      </a:effectRef>
+      <a:fontRef idx="minor"/>
+    </dgm:style>
+  </dgm:styleLbl>
+  <dgm:styleLbl name="fgAcc1">
+    <dgm:scene3d>
+      <a:camera prst="orthographicFront"/>
+      <a:lightRig rig="threePt" dir="t"/>
+    </dgm:scene3d>
+    <dgm:sp3d/>
+    <dgm:txPr/>
+    <dgm:style>
+      <a:lnRef idx="2">
+        <a:scrgbClr r="0" g="0" b="0"/>
+      </a:lnRef>
+      <a:fillRef idx="1">
+        <a:scrgbClr r="0" g="0" b="0"/>
+      </a:fillRef>
+      <a:effectRef idx="0">
+        <a:scrgbClr r="0" g="0" b="0"/>
+      </a:effectRef>
+      <a:fontRef idx="minor"/>
+    </dgm:style>
+  </dgm:styleLbl>
+  <dgm:styleLbl name="conFgAcc1">
+    <dgm:scene3d>
+      <a:camera prst="orthographicFront"/>
+      <a:lightRig rig="threePt" dir="t"/>
+    </dgm:scene3d>
+    <dgm:sp3d/>
+    <dgm:txPr/>
+    <dgm:style>
+      <a:lnRef idx="2">
+        <a:scrgbClr r="0" g="0" b="0"/>
+      </a:lnRef>
+      <a:fillRef idx="1">
+        <a:scrgbClr r="0" g="0" b="0"/>
+      </a:fillRef>
+      <a:effectRef idx="0">
+        <a:scrgbClr r="0" g="0" b="0"/>
+      </a:effectRef>
+      <a:fontRef idx="minor"/>
+    </dgm:style>
+  </dgm:styleLbl>
+  <dgm:styleLbl name="alignAcc1">
+    <dgm:scene3d>
+      <a:camera prst="orthographicFront"/>
+      <a:lightRig rig="threePt" dir="t"/>
+    </dgm:scene3d>
+    <dgm:sp3d/>
+    <dgm:txPr/>
+    <dgm:style>
+      <a:lnRef idx="2">
+        <a:scrgbClr r="0" g="0" b="0"/>
+      </a:lnRef>
+      <a:fillRef idx="1">
+        <a:scrgbClr r="0" g="0" b="0"/>
+      </a:fillRef>
+      <a:effectRef idx="0">
+        <a:scrgbClr r="0" g="0" b="0"/>
+      </a:effectRef>
+      <a:fontRef idx="minor"/>
+    </dgm:style>
+  </dgm:styleLbl>
+  <dgm:styleLbl name="trAlignAcc1">
+    <dgm:scene3d>
+      <a:camera prst="orthographicFront"/>
+      <a:lightRig rig="threePt" dir="t"/>
+    </dgm:scene3d>
+    <dgm:sp3d/>
+    <dgm:txPr/>
+    <dgm:style>
+      <a:lnRef idx="1">
+        <a:scrgbClr r="0" g="0" b="0"/>
+      </a:lnRef>
+      <a:fillRef idx="1">
+        <a:scrgbClr r="0" g="0" b="0"/>
+      </a:fillRef>
+      <a:effectRef idx="0">
+        <a:scrgbClr r="0" g="0" b="0"/>
+      </a:effectRef>
+      <a:fontRef idx="minor"/>
+    </dgm:style>
+  </dgm:styleLbl>
+  <dgm:styleLbl name="bgAcc1">
+    <dgm:scene3d>
+      <a:camera prst="orthographicFront"/>
+      <a:lightRig rig="threePt" dir="t"/>
+    </dgm:scene3d>
+    <dgm:sp3d/>
+    <dgm:txPr/>
+    <dgm:style>
+      <a:lnRef idx="2">
+        <a:scrgbClr r="0" g="0" b="0"/>
+      </a:lnRef>
+      <a:fillRef idx="1">
+        <a:scrgbClr r="0" g="0" b="0"/>
+      </a:fillRef>
+      <a:effectRef idx="0">
+        <a:scrgbClr r="0" g="0" b="0"/>
+      </a:effectRef>
+      <a:fontRef idx="minor"/>
+    </dgm:style>
+  </dgm:styleLbl>
+  <dgm:styleLbl name="solidFgAcc1">
+    <dgm:scene3d>
+      <a:camera prst="orthographicFront"/>
+      <a:lightRig rig="threePt" dir="t"/>
+    </dgm:scene3d>
+    <dgm:sp3d/>
+    <dgm:txPr/>
+    <dgm:style>
+      <a:lnRef idx="2">
+        <a:scrgbClr r="0" g="0" b="0"/>
+      </a:lnRef>
+      <a:fillRef idx="1">
+        <a:scrgbClr r="0" g="0" b="0"/>
+      </a:fillRef>
+      <a:effectRef idx="0">
+        <a:scrgbClr r="0" g="0" b="0"/>
+      </a:effectRef>
+      <a:fontRef idx="minor"/>
+    </dgm:style>
+  </dgm:styleLbl>
+  <dgm:styleLbl name="solidAlignAcc1">
+    <dgm:scene3d>
+      <a:camera prst="orthographicFront"/>
+      <a:lightRig rig="threePt" dir="t"/>
+    </dgm:scene3d>
+    <dgm:sp3d/>
+    <dgm:txPr/>
+    <dgm:style>
+      <a:lnRef idx="2">
+        <a:scrgbClr r="0" g="0" b="0"/>
+      </a:lnRef>
+      <a:fillRef idx="1">
+        <a:scrgbClr r="0" g="0" b="0"/>
+      </a:fillRef>
+      <a:effectRef idx="0">
+        <a:scrgbClr r="0" g="0" b="0"/>
+      </a:effectRef>
+      <a:fontRef idx="minor"/>
+    </dgm:style>
+  </dgm:styleLbl>
+  <dgm:styleLbl name="solidBgAcc1">
+    <dgm:scene3d>
+      <a:camera prst="orthographicFront"/>
+      <a:lightRig rig="threePt" dir="t"/>
+    </dgm:scene3d>
+    <dgm:sp3d/>
+    <dgm:txPr/>
+    <dgm:style>
+      <a:lnRef idx="2">
+        <a:scrgbClr r="0" g="0" b="0"/>
+      </a:lnRef>
+      <a:fillRef idx="1">
+        <a:scrgbClr r="0" g="0" b="0"/>
+      </a:fillRef>
+      <a:effectRef idx="0">
+        <a:scrgbClr r="0" g="0" b="0"/>
+      </a:effectRef>
+      <a:fontRef idx="minor"/>
+    </dgm:style>
+  </dgm:styleLbl>
+  <dgm:styleLbl name="fgAccFollowNode1">
+    <dgm:scene3d>
+      <a:camera prst="orthographicFront"/>
+      <a:lightRig rig="threePt" dir="t"/>
+    </dgm:scene3d>
+    <dgm:sp3d/>
+    <dgm:txPr/>
+    <dgm:style>
+      <a:lnRef idx="2">
+        <a:scrgbClr r="0" g="0" b="0"/>
+      </a:lnRef>
+      <a:fillRef idx="1">
+        <a:scrgbClr r="0" g="0" b="0"/>
+      </a:fillRef>
+      <a:effectRef idx="0">
+        <a:scrgbClr r="0" g="0" b="0"/>
+      </a:effectRef>
+      <a:fontRef idx="minor"/>
+    </dgm:style>
+  </dgm:styleLbl>
+  <dgm:styleLbl name="alignAccFollowNode1">
+    <dgm:scene3d>
+      <a:camera prst="orthographicFront"/>
+      <a:lightRig rig="threePt" dir="t"/>
+    </dgm:scene3d>
+    <dgm:sp3d/>
+    <dgm:txPr/>
+    <dgm:style>
+      <a:lnRef idx="2">
+        <a:scrgbClr r="0" g="0" b="0"/>
+      </a:lnRef>
+      <a:fillRef idx="1">
+        <a:scrgbClr r="0" g="0" b="0"/>
+      </a:fillRef>
+      <a:effectRef idx="0">
+        <a:scrgbClr r="0" g="0" b="0"/>
+      </a:effectRef>
+      <a:fontRef idx="minor"/>
+    </dgm:style>
+  </dgm:styleLbl>
+  <dgm:styleLbl name="bgAccFollowNode1">
+    <dgm:scene3d>
+      <a:camera prst="orthographicFront"/>
+      <a:lightRig rig="threePt" dir="t"/>
+    </dgm:scene3d>
+    <dgm:sp3d/>
+    <dgm:txPr/>
+    <dgm:style>
+      <a:lnRef idx="2">
+        <a:scrgbClr r="0" g="0" b="0"/>
+      </a:lnRef>
+      <a:fillRef idx="1">
+        <a:scrgbClr r="0" g="0" b="0"/>
+      </a:fillRef>
+      <a:effectRef idx="0">
+        <a:scrgbClr r="0" g="0" b="0"/>
+      </a:effectRef>
+      <a:fontRef idx="minor"/>
+    </dgm:style>
+  </dgm:styleLbl>
+  <dgm:styleLbl name="fgAcc0">
+    <dgm:scene3d>
+      <a:camera prst="orthographicFront"/>
+      <a:lightRig rig="threePt" dir="t"/>
+    </dgm:scene3d>
+    <dgm:sp3d/>
+    <dgm:txPr/>
+    <dgm:style>
+      <a:lnRef idx="2">
+        <a:scrgbClr r="0" g="0" b="0"/>
+      </a:lnRef>
+      <a:fillRef idx="1">
+        <a:scrgbClr r="0" g="0" b="0"/>
+      </a:fillRef>
+      <a:effectRef idx="0">
+        <a:scrgbClr r="0" g="0" b="0"/>
+      </a:effectRef>
+      <a:fontRef idx="minor"/>
+    </dgm:style>
+  </dgm:styleLbl>
+  <dgm:styleLbl name="fgAcc2">
+    <dgm:scene3d>
+      <a:camera prst="orthographicFront"/>
+      <a:lightRig rig="threePt" dir="t"/>
+    </dgm:scene3d>
+    <dgm:sp3d/>
+    <dgm:txPr/>
+    <dgm:style>
+      <a:lnRef idx="2">
+        <a:scrgbClr r="0" g="0" b="0"/>
+      </a:lnRef>
+      <a:fillRef idx="1">
+        <a:scrgbClr r="0" g="0" b="0"/>
+      </a:fillRef>
+      <a:effectRef idx="0">
+        <a:scrgbClr r="0" g="0" b="0"/>
+      </a:effectRef>
+      <a:fontRef idx="minor"/>
+    </dgm:style>
+  </dgm:styleLbl>
+  <dgm:styleLbl name="fgAcc3">
+    <dgm:scene3d>
+      <a:camera prst="orthographicFront"/>
+      <a:lightRig rig="threePt" dir="t"/>
+    </dgm:scene3d>
+    <dgm:sp3d/>
+    <dgm:txPr/>
+    <dgm:style>
+      <a:lnRef idx="2">
+        <a:scrgbClr r="0" g="0" b="0"/>
+      </a:lnRef>
+      <a:fillRef idx="1">
+        <a:scrgbClr r="0" g="0" b="0"/>
+      </a:fillRef>
+      <a:effectRef idx="0">
+        <a:scrgbClr r="0" g="0" b="0"/>
+      </a:effectRef>
+      <a:fontRef idx="minor"/>
+    </dgm:style>
+  </dgm:styleLbl>
+  <dgm:styleLbl name="fgAcc4">
+    <dgm:scene3d>
+      <a:camera prst="orthographicFront"/>
+      <a:lightRig rig="threePt" dir="t"/>
+    </dgm:scene3d>
+    <dgm:sp3d/>
+    <dgm:txPr/>
+    <dgm:style>
+      <a:lnRef idx="2">
+        <a:scrgbClr r="0" g="0" b="0"/>
+      </a:lnRef>
+      <a:fillRef idx="1">
+        <a:scrgbClr r="0" g="0" b="0"/>
+      </a:fillRef>
+      <a:effectRef idx="0">
+        <a:scrgbClr r="0" g="0" b="0"/>
+      </a:effectRef>
+      <a:fontRef idx="minor"/>
+    </dgm:style>
+  </dgm:styleLbl>
+  <dgm:styleLbl name="bgShp">
+    <dgm:scene3d>
+      <a:camera prst="orthographicFront"/>
+      <a:lightRig rig="threePt" dir="t"/>
+    </dgm:scene3d>
+    <dgm:sp3d/>
+    <dgm:txPr/>
+    <dgm:style>
+      <a:lnRef idx="0">
+        <a:scrgbClr r="0" g="0" b="0"/>
+      </a:lnRef>
+      <a:fillRef idx="1">
+        <a:scrgbClr r="0" g="0" b="0"/>
+      </a:fillRef>
+      <a:effectRef idx="0">
+        <a:scrgbClr r="0" g="0" b="0"/>
+      </a:effectRef>
+      <a:fontRef idx="minor"/>
+    </dgm:style>
+  </dgm:styleLbl>
+  <dgm:styleLbl name="dkBgShp">
+    <dgm:scene3d>
+      <a:camera prst="orthographicFront"/>
+      <a:lightRig rig="threePt" dir="t"/>
+    </dgm:scene3d>
+    <dgm:sp3d/>
+    <dgm:txPr/>
+    <dgm:style>
+      <a:lnRef idx="0">
+        <a:scrgbClr r="0" g="0" b="0"/>
+      </a:lnRef>
+      <a:fillRef idx="1">
+        <a:scrgbClr r="0" g="0" b="0"/>
+      </a:fillRef>
+      <a:effectRef idx="0">
+        <a:scrgbClr r="0" g="0" b="0"/>
+      </a:effectRef>
+      <a:fontRef idx="minor"/>
+    </dgm:style>
+  </dgm:styleLbl>
+  <dgm:styleLbl name="trBgShp">
+    <dgm:scene3d>
+      <a:camera prst="orthographicFront"/>
+      <a:lightRig rig="threePt" dir="t"/>
+    </dgm:scene3d>
+    <dgm:sp3d/>
+    <dgm:txPr/>
+    <dgm:style>
+      <a:lnRef idx="0">
+        <a:scrgbClr r="0" g="0" b="0"/>
+      </a:lnRef>
+      <a:fillRef idx="1">
+        <a:scrgbClr r="0" g="0" b="0"/>
+      </a:fillRef>
+      <a:effectRef idx="0">
+        <a:scrgbClr r="0" g="0" b="0"/>
+      </a:effectRef>
+      <a:fontRef idx="minor"/>
+    </dgm:style>
+  </dgm:styleLbl>
+  <dgm:styleLbl name="fgShp">
+    <dgm:scene3d>
+      <a:camera prst="orthographicFront"/>
+      <a:lightRig rig="threePt" dir="t"/>
+    </dgm:scene3d>
+    <dgm:sp3d/>
+    <dgm:txPr/>
+    <dgm:style>
+      <a:lnRef idx="2">
+        <a:scrgbClr r="0" g="0" b="0"/>
+      </a:lnRef>
+      <a:fillRef idx="1">
+        <a:scrgbClr r="0" g="0" b="0"/>
+      </a:fillRef>
+      <a:effectRef idx="0">
+        <a:scrgbClr r="0" g="0" b="0"/>
+      </a:effectRef>
+      <a:fontRef idx="minor"/>
+    </dgm:style>
+  </dgm:styleLbl>
+  <dgm:styleLbl name="revTx">
+    <dgm:scene3d>
+      <a:camera prst="orthographicFront"/>
+      <a:lightRig rig="threePt" dir="t"/>
+    </dgm:scene3d>
+    <dgm:sp3d/>
+    <dgm:txPr/>
+    <dgm:style>
+      <a:lnRef idx="0">
+        <a:scrgbClr r="0" g="0" b="0"/>
+      </a:lnRef>
+      <a:fillRef idx="0">
+        <a:scrgbClr r="0" g="0" b="0"/>
+      </a:fillRef>
+      <a:effectRef idx="0">
+        <a:scrgbClr r="0" g="0" b="0"/>
+      </a:effectRef>
+      <a:fontRef idx="minor"/>
+    </dgm:style>
+  </dgm:styleLbl>
+</dgm:styleDef>
+</file>
+
+<file path=ppt/diagrams/quickStyle3.xml><?xml version="1.0" encoding="utf-8"?>
 <dgm:styleDef xmlns:dgm="http://schemas.openxmlformats.org/drawingml/2006/diagram" xmlns:a="http://schemas.openxmlformats.org/drawingml/2006/main" uniqueId="urn:microsoft.com/office/officeart/2005/8/quickstyle/simple1">
   <dgm:title val=""/>
   <dgm:desc val=""/>
@@ -6316,7 +9015,7 @@
           <a:p>
             <a:fld id="{AF8F4864-BC22-4C9C-BAC6-3948DA055D96}" type="datetimeFigureOut">
               <a:rPr lang="it-IT" smtClean="0"/>
-              <a:t>05/07/2023</a:t>
+              <a:t>18/07/2023</a:t>
             </a:fld>
             <a:endParaRPr lang="it-IT"/>
           </a:p>
@@ -6810,7 +9509,7 @@
           <a:p>
             <a:fld id="{4D220FB2-85C1-419D-88F6-A168BFA17425}" type="datetime1">
               <a:rPr lang="it-IT" smtClean="0"/>
-              <a:t>05/07/2023</a:t>
+              <a:t>18/07/2023</a:t>
             </a:fld>
             <a:endParaRPr lang="it-IT"/>
           </a:p>
@@ -7021,7 +9720,7 @@
           <a:p>
             <a:fld id="{54DE914E-DA96-4A5D-BED6-AA2FCB211705}" type="datetime1">
               <a:rPr lang="it-IT" smtClean="0"/>
-              <a:t>05/07/2023</a:t>
+              <a:t>18/07/2023</a:t>
             </a:fld>
             <a:endParaRPr lang="it-IT"/>
           </a:p>
@@ -7280,7 +9979,7 @@
           <a:p>
             <a:fld id="{606F01B9-AF67-448E-ABA7-9375FE501183}" type="datetime1">
               <a:rPr lang="it-IT" smtClean="0"/>
-              <a:t>05/07/2023</a:t>
+              <a:t>18/07/2023</a:t>
             </a:fld>
             <a:endParaRPr lang="it-IT"/>
           </a:p>
@@ -7453,7 +10152,7 @@
           <a:p>
             <a:fld id="{C0276BD0-DBC3-4D60-B58B-165D48A122C8}" type="datetime1">
               <a:rPr lang="it-IT" smtClean="0"/>
-              <a:t>05/07/2023</a:t>
+              <a:t>18/07/2023</a:t>
             </a:fld>
             <a:endParaRPr lang="it-IT"/>
           </a:p>
@@ -7799,7 +10498,7 @@
           <a:p>
             <a:fld id="{E800754C-2CB4-43CD-B512-312E55766587}" type="datetime1">
               <a:rPr lang="it-IT" smtClean="0"/>
-              <a:t>05/07/2023</a:t>
+              <a:t>18/07/2023</a:t>
             </a:fld>
             <a:endParaRPr lang="it-IT"/>
           </a:p>
@@ -8077,7 +10776,7 @@
           <a:p>
             <a:fld id="{419EBF16-44A1-4332-8134-62C0472F6766}" type="datetime1">
               <a:rPr lang="it-IT" smtClean="0"/>
-              <a:t>05/07/2023</a:t>
+              <a:t>18/07/2023</a:t>
             </a:fld>
             <a:endParaRPr lang="it-IT"/>
           </a:p>
@@ -8459,7 +11158,7 @@
           <a:p>
             <a:fld id="{7895C85D-867E-45F5-A16F-29BBA2125D86}" type="datetime1">
               <a:rPr lang="it-IT" smtClean="0"/>
-              <a:t>05/07/2023</a:t>
+              <a:t>18/07/2023</a:t>
             </a:fld>
             <a:endParaRPr lang="it-IT"/>
           </a:p>
@@ -8580,7 +11279,7 @@
           <a:p>
             <a:fld id="{8079F954-1AD4-437F-A99C-BF8CF6DF224E}" type="datetime1">
               <a:rPr lang="it-IT" smtClean="0"/>
-              <a:t>05/07/2023</a:t>
+              <a:t>18/07/2023</a:t>
             </a:fld>
             <a:endParaRPr lang="it-IT"/>
           </a:p>
@@ -8754,7 +11453,7 @@
           <a:p>
             <a:fld id="{40D152D3-447C-43E7-98A0-881389E3A079}" type="datetime1">
               <a:rPr lang="it-IT" smtClean="0"/>
-              <a:t>05/07/2023</a:t>
+              <a:t>18/07/2023</a:t>
             </a:fld>
             <a:endParaRPr lang="it-IT"/>
           </a:p>
@@ -9111,7 +11810,7 @@
           <a:p>
             <a:fld id="{5A66318A-F3DC-474A-B8A5-EDD0925DA01E}" type="datetime1">
               <a:rPr lang="it-IT" smtClean="0"/>
-              <a:t>05/07/2023</a:t>
+              <a:t>18/07/2023</a:t>
             </a:fld>
             <a:endParaRPr lang="it-IT"/>
           </a:p>
@@ -9491,7 +12190,7 @@
           <a:p>
             <a:fld id="{09CA1A94-ED53-490C-8A4F-02C2506D1AC0}" type="datetime1">
               <a:rPr lang="it-IT" smtClean="0"/>
-              <a:t>05/07/2023</a:t>
+              <a:t>18/07/2023</a:t>
             </a:fld>
             <a:endParaRPr lang="it-IT"/>
           </a:p>
@@ -9781,7 +12480,7 @@
           <a:p>
             <a:fld id="{670AF0D5-A670-4BD5-82E0-E2FA3DEA365A}" type="datetime1">
               <a:rPr lang="it-IT" smtClean="0"/>
-              <a:t>05/07/2023</a:t>
+              <a:t>18/07/2023</a:t>
             </a:fld>
             <a:endParaRPr lang="it-IT"/>
           </a:p>
@@ -11081,13 +13780,13 @@
                     </m:sSub>
                   </m:oMath>
                 </a14:m>
-                <a:endParaRPr lang="it-IT" sz="1500" dirty="0">
+                <a:endParaRPr lang="it-IT" sz="1600" dirty="0">
                   <a:latin typeface="Bahnschrift" panose="020B0502040204020203" pitchFamily="34" charset="0"/>
                 </a:endParaRPr>
               </a:p>
               <a:p>
                 <a:r>
-                  <a:rPr lang="en-US" sz="1400" b="0" dirty="0">
+                  <a:rPr lang="en-US" sz="1600" b="0" dirty="0">
                     <a:solidFill>
                       <a:srgbClr val="3B3B3B"/>
                     </a:solidFill>
@@ -11097,7 +13796,7 @@
                   <a:t>Returns are computed taking the difference between a price at timestep </a:t>
                 </a:r>
                 <a:r>
-                  <a:rPr lang="en-US" sz="1400" b="0" i="1" dirty="0">
+                  <a:rPr lang="en-US" sz="1600" b="0" i="1" dirty="0">
                     <a:solidFill>
                       <a:srgbClr val="3B3B3B"/>
                     </a:solidFill>
@@ -11107,7 +13806,7 @@
                   <a:t>t</a:t>
                 </a:r>
                 <a:r>
-                  <a:rPr lang="en-US" sz="1400" b="0" dirty="0">
+                  <a:rPr lang="en-US" sz="1600" b="0" dirty="0">
                     <a:solidFill>
                       <a:srgbClr val="3B3B3B"/>
                     </a:solidFill>
@@ -11117,7 +13816,7 @@
                   <a:t> and at timestep </a:t>
                 </a:r>
                 <a:r>
-                  <a:rPr lang="en-US" sz="1400" b="0" i="1" dirty="0">
+                  <a:rPr lang="en-US" sz="1600" b="0" i="1" dirty="0">
                     <a:solidFill>
                       <a:srgbClr val="000000"/>
                     </a:solidFill>
@@ -11127,7 +13826,7 @@
                   <a:t>t-</a:t>
                 </a:r>
                 <a:r>
-                  <a:rPr lang="en-US" sz="1400" b="0" i="1" dirty="0">
+                  <a:rPr lang="en-US" sz="1600" b="0" i="1" dirty="0">
                     <a:solidFill>
                       <a:srgbClr val="098658"/>
                     </a:solidFill>
@@ -11137,7 +13836,7 @@
                   <a:t>1</a:t>
                 </a:r>
                 <a:r>
-                  <a:rPr lang="en-US" sz="1400" b="0" dirty="0">
+                  <a:rPr lang="en-US" sz="1600" b="0" dirty="0">
                     <a:solidFill>
                       <a:srgbClr val="3B3B3B"/>
                     </a:solidFill>
@@ -11147,7 +13846,7 @@
                   <a:t>, and dividing it by the value at timestep </a:t>
                 </a:r>
                 <a:r>
-                  <a:rPr lang="en-US" sz="1400" b="0" i="1" dirty="0">
+                  <a:rPr lang="en-US" sz="1600" b="0" i="1" dirty="0">
                     <a:solidFill>
                       <a:srgbClr val="000000"/>
                     </a:solidFill>
@@ -11157,7 +13856,7 @@
                   <a:t>t-</a:t>
                 </a:r>
                 <a:r>
-                  <a:rPr lang="en-US" sz="1400" b="0" i="1" dirty="0">
+                  <a:rPr lang="en-US" sz="1600" b="0" i="1" dirty="0">
                     <a:solidFill>
                       <a:srgbClr val="098658"/>
                     </a:solidFill>
@@ -11167,7 +13866,7 @@
                   <a:t>1</a:t>
                 </a:r>
                 <a:r>
-                  <a:rPr lang="en-US" sz="1400" b="0" dirty="0">
+                  <a:rPr lang="en-US" sz="1600" b="0" dirty="0">
                     <a:solidFill>
                       <a:srgbClr val="3B3B3B"/>
                     </a:solidFill>
@@ -11178,7 +13877,7 @@
                 </a:r>
               </a:p>
               <a:p>
-                <a:endParaRPr lang="en-US" sz="1400" dirty="0">
+                <a:endParaRPr lang="en-US" sz="1600" dirty="0">
                   <a:solidFill>
                     <a:srgbClr val="3B3B3B"/>
                   </a:solidFill>
@@ -11187,7 +13886,7 @@
               </a:p>
               <a:p>
                 <a:r>
-                  <a:rPr lang="en-US" sz="1400" b="0" dirty="0">
+                  <a:rPr lang="en-US" sz="1600" b="0" dirty="0">
                     <a:solidFill>
                       <a:srgbClr val="3B3B3B"/>
                     </a:solidFill>
@@ -11203,14 +13902,14 @@
                     <m:sSub>
                       <m:sSubPr>
                         <m:ctrlPr>
-                          <a:rPr lang="it-IT" sz="1500" b="0" i="1" smtClean="0">
+                          <a:rPr lang="it-IT" sz="1600" b="0" i="1" smtClean="0">
                             <a:latin typeface="Cambria Math" panose="02040503050406030204" pitchFamily="18" charset="0"/>
                           </a:rPr>
                         </m:ctrlPr>
                       </m:sSubPr>
                       <m:e>
                         <m:r>
-                          <a:rPr lang="it-IT" sz="1500" b="0" i="1" smtClean="0">
+                          <a:rPr lang="it-IT" sz="1600" b="0" i="1" smtClean="0">
                             <a:latin typeface="Cambria Math" panose="02040503050406030204" pitchFamily="18" charset="0"/>
                           </a:rPr>
                           <m:t>𝑟</m:t>
@@ -11218,7 +13917,7 @@
                       </m:e>
                       <m:sub>
                         <m:r>
-                          <a:rPr lang="it-IT" sz="1500" b="0" i="1" smtClean="0">
+                          <a:rPr lang="it-IT" sz="1600" b="0" i="1" smtClean="0">
                             <a:latin typeface="Cambria Math" panose="02040503050406030204" pitchFamily="18" charset="0"/>
                           </a:rPr>
                           <m:t>𝑡</m:t>
@@ -11226,7 +13925,7 @@
                       </m:sub>
                     </m:sSub>
                     <m:r>
-                      <a:rPr lang="it-IT" sz="1500" b="0" i="1" smtClean="0">
+                      <a:rPr lang="it-IT" sz="1600" b="0" i="1" smtClean="0">
                         <a:latin typeface="Cambria Math" panose="02040503050406030204" pitchFamily="18" charset="0"/>
                       </a:rPr>
                       <m:t>=</m:t>
@@ -11234,7 +13933,7 @@
                     <m:f>
                       <m:fPr>
                         <m:ctrlPr>
-                          <a:rPr lang="it-IT" sz="1500" b="0" i="1" smtClean="0">
+                          <a:rPr lang="it-IT" sz="1600" b="0" i="1" smtClean="0">
                             <a:latin typeface="Cambria Math" panose="02040503050406030204" pitchFamily="18" charset="0"/>
                           </a:rPr>
                         </m:ctrlPr>
@@ -11243,7 +13942,7 @@
                         <m:d>
                           <m:dPr>
                             <m:ctrlPr>
-                              <a:rPr lang="it-IT" sz="1500" b="0" i="1" smtClean="0">
+                              <a:rPr lang="it-IT" sz="1600" b="0" i="1" smtClean="0">
                                 <a:latin typeface="Cambria Math" panose="02040503050406030204" pitchFamily="18" charset="0"/>
                               </a:rPr>
                             </m:ctrlPr>
@@ -11252,14 +13951,14 @@
                             <m:sSub>
                               <m:sSubPr>
                                 <m:ctrlPr>
-                                  <a:rPr lang="it-IT" sz="1500" b="0" i="1" smtClean="0">
+                                  <a:rPr lang="it-IT" sz="1600" b="0" i="1" smtClean="0">
                                     <a:latin typeface="Cambria Math" panose="02040503050406030204" pitchFamily="18" charset="0"/>
                                   </a:rPr>
                                 </m:ctrlPr>
                               </m:sSubPr>
                               <m:e>
                                 <m:r>
-                                  <a:rPr lang="it-IT" sz="1500" b="0" i="1" smtClean="0">
+                                  <a:rPr lang="it-IT" sz="1600" b="0" i="1" smtClean="0">
                                     <a:latin typeface="Cambria Math" panose="02040503050406030204" pitchFamily="18" charset="0"/>
                                   </a:rPr>
                                   <m:t>𝑝</m:t>
@@ -11267,7 +13966,7 @@
                               </m:e>
                               <m:sub>
                                 <m:r>
-                                  <a:rPr lang="it-IT" sz="1500" b="0" i="1" smtClean="0">
+                                  <a:rPr lang="it-IT" sz="1600" b="0" i="1" smtClean="0">
                                     <a:latin typeface="Cambria Math" panose="02040503050406030204" pitchFamily="18" charset="0"/>
                                   </a:rPr>
                                   <m:t>𝑡</m:t>
@@ -11275,7 +13974,7 @@
                               </m:sub>
                             </m:sSub>
                             <m:r>
-                              <a:rPr lang="it-IT" sz="1500" b="0" i="1" smtClean="0">
+                              <a:rPr lang="it-IT" sz="1600" b="0" i="1" smtClean="0">
                                 <a:latin typeface="Cambria Math" panose="02040503050406030204" pitchFamily="18" charset="0"/>
                               </a:rPr>
                               <m:t>−</m:t>
@@ -11283,14 +13982,14 @@
                             <m:sSub>
                               <m:sSubPr>
                                 <m:ctrlPr>
-                                  <a:rPr lang="it-IT" sz="1500" b="0" i="1" smtClean="0">
+                                  <a:rPr lang="it-IT" sz="1600" b="0" i="1" smtClean="0">
                                     <a:latin typeface="Cambria Math" panose="02040503050406030204" pitchFamily="18" charset="0"/>
                                   </a:rPr>
                                 </m:ctrlPr>
                               </m:sSubPr>
                               <m:e>
                                 <m:r>
-                                  <a:rPr lang="it-IT" sz="1500" b="0" i="1" smtClean="0">
+                                  <a:rPr lang="it-IT" sz="1600" b="0" i="1" smtClean="0">
                                     <a:latin typeface="Cambria Math" panose="02040503050406030204" pitchFamily="18" charset="0"/>
                                   </a:rPr>
                                   <m:t>𝑝</m:t>
@@ -11298,13 +13997,13 @@
                               </m:e>
                               <m:sub>
                                 <m:r>
-                                  <a:rPr lang="it-IT" sz="1500" b="0" i="1" smtClean="0">
+                                  <a:rPr lang="it-IT" sz="1600" b="0" i="1" smtClean="0">
                                     <a:latin typeface="Cambria Math" panose="02040503050406030204" pitchFamily="18" charset="0"/>
                                   </a:rPr>
                                   <m:t>𝑡</m:t>
                                 </m:r>
                                 <m:r>
-                                  <a:rPr lang="it-IT" sz="1500" b="0" i="1" smtClean="0">
+                                  <a:rPr lang="it-IT" sz="1600" b="0" i="1" smtClean="0">
                                     <a:latin typeface="Cambria Math" panose="02040503050406030204" pitchFamily="18" charset="0"/>
                                   </a:rPr>
                                   <m:t>−1</m:t>
@@ -11318,14 +14017,14 @@
                         <m:sSub>
                           <m:sSubPr>
                             <m:ctrlPr>
-                              <a:rPr lang="it-IT" sz="1500" b="0" i="1" smtClean="0">
+                              <a:rPr lang="it-IT" sz="1600" b="0" i="1" smtClean="0">
                                 <a:latin typeface="Cambria Math" panose="02040503050406030204" pitchFamily="18" charset="0"/>
                               </a:rPr>
                             </m:ctrlPr>
                           </m:sSubPr>
                           <m:e>
                             <m:r>
-                              <a:rPr lang="it-IT" sz="1500" b="0" i="1" smtClean="0">
+                              <a:rPr lang="it-IT" sz="1600" b="0" i="1" smtClean="0">
                                 <a:latin typeface="Cambria Math" panose="02040503050406030204" pitchFamily="18" charset="0"/>
                               </a:rPr>
                               <m:t>𝑝</m:t>
@@ -11333,13 +14032,13 @@
                           </m:e>
                           <m:sub>
                             <m:r>
-                              <a:rPr lang="it-IT" sz="1500" b="0" i="1" smtClean="0">
+                              <a:rPr lang="it-IT" sz="1600" b="0" i="1" smtClean="0">
                                 <a:latin typeface="Cambria Math" panose="02040503050406030204" pitchFamily="18" charset="0"/>
                               </a:rPr>
                               <m:t>𝑡</m:t>
                             </m:r>
                             <m:r>
-                              <a:rPr lang="it-IT" sz="1500" b="0" i="1" smtClean="0">
+                              <a:rPr lang="it-IT" sz="1600" b="0" i="1" smtClean="0">
                                 <a:latin typeface="Cambria Math" panose="02040503050406030204" pitchFamily="18" charset="0"/>
                               </a:rPr>
                               <m:t>−1</m:t>
@@ -11350,18 +14049,18 @@
                     </m:f>
                   </m:oMath>
                 </a14:m>
-                <a:endParaRPr lang="it-IT" sz="1500" dirty="0">
+                <a:endParaRPr lang="it-IT" sz="1600" dirty="0">
                   <a:latin typeface="Bahnschrift" panose="020B0502040204020203" pitchFamily="34" charset="0"/>
                 </a:endParaRPr>
               </a:p>
               <a:p>
-                <a:endParaRPr lang="it-IT" sz="1500" dirty="0">
+                <a:endParaRPr lang="it-IT" sz="1600" dirty="0">
                   <a:latin typeface="Bahnschrift" panose="020B0502040204020203" pitchFamily="34" charset="0"/>
                 </a:endParaRPr>
               </a:p>
               <a:p>
                 <a:r>
-                  <a:rPr lang="it-IT" sz="1500" dirty="0">
+                  <a:rPr lang="it-IT" sz="1600" dirty="0">
                     <a:latin typeface="Bahnschrift" panose="020B0502040204020203" pitchFamily="34" charset="0"/>
                   </a:rPr>
                   <a:t>This solution turned out to be less effective than anticipated</a:t>
@@ -11395,7 +14094,7 @@
               <a:blipFill>
                 <a:blip r:embed="rId2"/>
                 <a:stretch>
-                  <a:fillRect l="-382" r="-573"/>
+                  <a:fillRect l="-477" r="-1908"/>
                 </a:stretch>
               </a:blipFill>
             </p:spPr>
@@ -11676,7 +14375,7 @@
         <p:spPr>
           <a:xfrm>
             <a:off x="6970881" y="5026134"/>
-            <a:ext cx="3868754" cy="830997"/>
+            <a:ext cx="3868754" cy="892552"/>
           </a:xfrm>
           <a:prstGeom prst="rect">
             <a:avLst/>
@@ -11690,83 +14389,75 @@
           <a:lstStyle/>
           <a:p>
             <a:r>
-              <a:rPr lang="en-US" sz="1200" b="0" i="0" dirty="0">
+              <a:rPr lang="en-US" sz="1300" b="0" i="0" dirty="0">
                 <a:solidFill>
                   <a:srgbClr val="3B3B3B"/>
                 </a:solidFill>
                 <a:effectLst/>
-                <a:latin typeface="Consolas" panose="020B0609020204030204" pitchFamily="49" charset="0"/>
+                <a:latin typeface="Bahnschrift" panose="020B0502040204020203" pitchFamily="34" charset="0"/>
               </a:rPr>
               <a:t>Single value prediction:</a:t>
             </a:r>
             <a:br>
-              <a:rPr lang="en-US" sz="1200" b="0" i="0" dirty="0">
+              <a:rPr lang="en-US" sz="1300" b="0" i="0" dirty="0">
                 <a:solidFill>
                   <a:srgbClr val="3B3B3B"/>
                 </a:solidFill>
                 <a:effectLst/>
-                <a:latin typeface="Consolas" panose="020B0609020204030204" pitchFamily="49" charset="0"/>
+                <a:latin typeface="Bahnschrift" panose="020B0502040204020203" pitchFamily="34" charset="0"/>
               </a:rPr>
             </a:br>
             <a:r>
-              <a:rPr lang="en-US" sz="1200" b="0" i="0" dirty="0">
+              <a:rPr lang="en-US" sz="1300" b="0" i="0" dirty="0">
                 <a:solidFill>
                   <a:srgbClr val="3B3B3B"/>
                 </a:solidFill>
                 <a:effectLst/>
-                <a:latin typeface="Consolas" panose="020B0609020204030204" pitchFamily="49" charset="0"/>
+                <a:latin typeface="Bahnschrift" panose="020B0502040204020203" pitchFamily="34" charset="0"/>
               </a:rPr>
-              <a:t>Accuracy score: 0.9999361599 </a:t>
+              <a:t>Accuracy score:       0.9999361599 </a:t>
             </a:r>
             <a:br>
-              <a:rPr lang="en-US" sz="1200" b="0" i="0" dirty="0">
+              <a:rPr lang="en-US" sz="1300" b="0" i="0" dirty="0">
                 <a:solidFill>
                   <a:srgbClr val="3B3B3B"/>
                 </a:solidFill>
                 <a:effectLst/>
-                <a:latin typeface="Consolas" panose="020B0609020204030204" pitchFamily="49" charset="0"/>
+                <a:latin typeface="Bahnschrift" panose="020B0502040204020203" pitchFamily="34" charset="0"/>
               </a:rPr>
             </a:br>
             <a:r>
-              <a:rPr lang="en-US" sz="1200" b="0" i="0" dirty="0">
+              <a:rPr lang="en-US" sz="1300" b="0" i="0" dirty="0">
                 <a:solidFill>
                   <a:srgbClr val="3B3B3B"/>
                 </a:solidFill>
                 <a:effectLst/>
-                <a:latin typeface="Consolas" panose="020B0609020204030204" pitchFamily="49" charset="0"/>
+                <a:latin typeface="Bahnschrift" panose="020B0502040204020203" pitchFamily="34" charset="0"/>
               </a:rPr>
-              <a:t>Predicted value: 0.05198999999999999 </a:t>
+              <a:t>Predicted value:       0.05198999999999999 </a:t>
             </a:r>
             <a:br>
-              <a:rPr lang="en-US" sz="1200" b="0" i="0" dirty="0">
+              <a:rPr lang="en-US" sz="1300" b="0" i="0" dirty="0">
                 <a:solidFill>
                   <a:srgbClr val="3B3B3B"/>
                 </a:solidFill>
                 <a:effectLst/>
-                <a:latin typeface="Consolas" panose="020B0609020204030204" pitchFamily="49" charset="0"/>
+                <a:latin typeface="Bahnschrift" panose="020B0502040204020203" pitchFamily="34" charset="0"/>
               </a:rPr>
             </a:br>
             <a:r>
-              <a:rPr lang="en-US" sz="1200" b="0" i="0" dirty="0" err="1">
+              <a:rPr lang="en-US" sz="1300" b="0" i="0" dirty="0">
                 <a:solidFill>
                   <a:srgbClr val="3B3B3B"/>
                 </a:solidFill>
                 <a:effectLst/>
-                <a:latin typeface="Consolas" panose="020B0609020204030204" pitchFamily="49" charset="0"/>
+                <a:latin typeface="Bahnschrift" panose="020B0502040204020203" pitchFamily="34" charset="0"/>
               </a:rPr>
-              <a:t>GroundTruth</a:t>
+              <a:t>Ground Truth value: 0.044</a:t>
             </a:r>
-            <a:r>
-              <a:rPr lang="en-US" sz="1200" b="0" i="0" dirty="0">
-                <a:solidFill>
-                  <a:srgbClr val="3B3B3B"/>
-                </a:solidFill>
-                <a:effectLst/>
-                <a:latin typeface="Consolas" panose="020B0609020204030204" pitchFamily="49" charset="0"/>
-              </a:rPr>
-              <a:t> value: 0.044</a:t>
-            </a:r>
-            <a:endParaRPr lang="it-IT" sz="1200" dirty="0"/>
+            <a:endParaRPr lang="it-IT" sz="1300" dirty="0">
+              <a:latin typeface="Bahnschrift" panose="020B0502040204020203" pitchFamily="34" charset="0"/>
+            </a:endParaRPr>
           </a:p>
         </p:txBody>
       </p:sp>
@@ -11971,7 +14662,7 @@
             <p:ph idx="1"/>
             <p:extLst>
               <p:ext uri="{D42A27DB-BD31-4B8C-83A1-F6EECF244321}">
-                <p14:modId xmlns:p14="http://schemas.microsoft.com/office/powerpoint/2010/main" val="3250311482"/>
+                <p14:modId xmlns:p14="http://schemas.microsoft.com/office/powerpoint/2010/main" val="2560750970"/>
               </p:ext>
             </p:extLst>
           </p:nvPr>
@@ -12122,21 +14813,31 @@
         </p:nvSpPr>
         <p:spPr/>
         <p:txBody>
-          <a:bodyPr/>
+          <a:bodyPr>
+            <a:normAutofit/>
+          </a:bodyPr>
           <a:lstStyle/>
           <a:p>
             <a:r>
-              <a:rPr lang="it-IT" dirty="0"/>
+              <a:rPr lang="it-IT" sz="1600" dirty="0">
+                <a:latin typeface="Bahnschrift" panose="020B0502040204020203" pitchFamily="34" charset="0"/>
+              </a:rPr>
               <a:t>After downloading 1500 news headlines for each the Apple stock and the SP500 stock, the polarity scores can be computed.</a:t>
             </a:r>
             <a:br>
-              <a:rPr lang="it-IT" dirty="0"/>
+              <a:rPr lang="it-IT" sz="1600" dirty="0">
+                <a:latin typeface="Bahnschrift" panose="020B0502040204020203" pitchFamily="34" charset="0"/>
+              </a:rPr>
             </a:br>
             <a:br>
-              <a:rPr lang="it-IT" dirty="0"/>
+              <a:rPr lang="it-IT" sz="1600" dirty="0">
+                <a:latin typeface="Bahnschrift" panose="020B0502040204020203" pitchFamily="34" charset="0"/>
+              </a:rPr>
             </a:br>
             <a:r>
-              <a:rPr lang="it-IT" dirty="0"/>
+              <a:rPr lang="it-IT" sz="1600" dirty="0">
+                <a:latin typeface="Bahnschrift" panose="020B0502040204020203" pitchFamily="34" charset="0"/>
+              </a:rPr>
               <a:t>These are the results for the SP500 index:</a:t>
             </a:r>
           </a:p>
@@ -12336,7 +15037,12 @@
             <p:ph idx="1"/>
           </p:nvPr>
         </p:nvSpPr>
-        <p:spPr/>
+        <p:spPr>
+          <a:xfrm>
+            <a:off x="1097280" y="1845734"/>
+            <a:ext cx="10058400" cy="4318706"/>
+          </a:xfrm>
+        </p:spPr>
         <p:txBody>
           <a:bodyPr>
             <a:normAutofit/>
@@ -12710,16 +15416,22 @@
           <a:lstStyle/>
           <a:p>
             <a:r>
-              <a:rPr lang="it-IT" dirty="0"/>
+              <a:rPr lang="it-IT" sz="1600" dirty="0">
+                <a:latin typeface="Bahnschrift" panose="020B0502040204020203" pitchFamily="34" charset="0"/>
+              </a:rPr>
               <a:t>Now that all the needed information has been computed, let’s see how the different series relate with each other. </a:t>
             </a:r>
           </a:p>
           <a:p>
             <a:br>
-              <a:rPr lang="it-IT" dirty="0"/>
+              <a:rPr lang="it-IT" sz="1600" dirty="0">
+                <a:latin typeface="Bahnschrift" panose="020B0502040204020203" pitchFamily="34" charset="0"/>
+              </a:rPr>
             </a:br>
             <a:r>
-              <a:rPr lang="it-IT" dirty="0"/>
+              <a:rPr lang="it-IT" sz="1600" dirty="0">
+                <a:latin typeface="Bahnschrift" panose="020B0502040204020203" pitchFamily="34" charset="0"/>
+              </a:rPr>
               <a:t>This will give us an insight of what is eventually going to be useful in the prediction.</a:t>
             </a:r>
           </a:p>
@@ -13030,11 +15742,15 @@
         </p:nvSpPr>
         <p:spPr/>
         <p:txBody>
-          <a:bodyPr/>
+          <a:bodyPr>
+            <a:normAutofit/>
+          </a:bodyPr>
           <a:lstStyle/>
           <a:p>
             <a:r>
-              <a:rPr lang="it-IT" dirty="0"/>
+              <a:rPr lang="it-IT" sz="1600" dirty="0">
+                <a:latin typeface="Bahnschrift" panose="020B0502040204020203" pitchFamily="34" charset="0"/>
+              </a:rPr>
               <a:t>Let’s see the significance of these parameters from a statistical point of view:</a:t>
             </a:r>
           </a:p>
@@ -13268,13 +15984,13 @@
         </p:nvSpPr>
         <p:spPr>
           <a:xfrm>
-            <a:off x="1097280" y="1783588"/>
-            <a:ext cx="10115203" cy="4023360"/>
+            <a:off x="1097280" y="1783587"/>
+            <a:ext cx="10115203" cy="4386393"/>
           </a:xfrm>
         </p:spPr>
         <p:txBody>
           <a:bodyPr>
-            <a:normAutofit lnSpcReduction="10000"/>
+            <a:normAutofit fontScale="92500" lnSpcReduction="10000"/>
           </a:bodyPr>
           <a:lstStyle/>
           <a:p>
@@ -13327,8 +16043,17 @@
             </a:endParaRPr>
           </a:p>
           <a:p>
+            <a:br>
+              <a:rPr lang="en-US" sz="1700" b="0" dirty="0">
+                <a:solidFill>
+                  <a:srgbClr val="3B3B3B"/>
+                </a:solidFill>
+                <a:effectLst/>
+                <a:latin typeface="Bahnschrift" panose="020B0502040204020203" pitchFamily="34" charset="0"/>
+              </a:rPr>
+            </a:br>
             <a:r>
-              <a:rPr lang="en-US" sz="1400" b="0" dirty="0">
+              <a:rPr lang="en-US" sz="1700" b="0" dirty="0">
                 <a:solidFill>
                   <a:srgbClr val="3B3B3B"/>
                 </a:solidFill>
@@ -13340,44 +16065,14 @@
           </a:p>
           <a:p>
             <a:r>
-              <a:rPr lang="en-US" sz="1200" b="0" dirty="0" err="1">
+              <a:rPr lang="en-US" sz="1700" b="0" dirty="0">
                 <a:solidFill>
                   <a:srgbClr val="3B3B3B"/>
                 </a:solidFill>
                 <a:effectLst/>
                 <a:latin typeface="Bahnschrift" panose="020B0502040204020203" pitchFamily="34" charset="0"/>
               </a:rPr>
-              <a:t>Altough</a:t>
-            </a:r>
-            <a:r>
-              <a:rPr lang="en-US" sz="1200" b="0" dirty="0">
-                <a:solidFill>
-                  <a:srgbClr val="3B3B3B"/>
-                </a:solidFill>
-                <a:effectLst/>
-                <a:latin typeface="Bahnschrift" panose="020B0502040204020203" pitchFamily="34" charset="0"/>
-              </a:rPr>
-              <a:t> it might seem less accurate than the very first method, it's still probably better because incorporating more information as the </a:t>
-            </a:r>
-            <a:r>
-              <a:rPr lang="en-US" sz="1200" b="0" dirty="0" err="1">
-                <a:solidFill>
-                  <a:srgbClr val="3B3B3B"/>
-                </a:solidFill>
-                <a:effectLst/>
-                <a:latin typeface="Bahnschrift" panose="020B0502040204020203" pitchFamily="34" charset="0"/>
-              </a:rPr>
-              <a:t>indipendent</a:t>
-            </a:r>
-            <a:r>
-              <a:rPr lang="en-US" sz="1200" b="0" dirty="0">
-                <a:solidFill>
-                  <a:srgbClr val="3B3B3B"/>
-                </a:solidFill>
-                <a:effectLst/>
-                <a:latin typeface="Bahnschrift" panose="020B0502040204020203" pitchFamily="34" charset="0"/>
-              </a:rPr>
-              <a:t> variables in surely better because its error is much less variance influenced, so overall the last model is surely the most robust.</a:t>
+              <a:t>Although it might seem less accurate than the very first method, it's still probably better because incorporating more information as the independent variables is surely better because its error is much less variance influenced, so overall the last model is surely the most robust.</a:t>
             </a:r>
           </a:p>
           <a:p>
@@ -13468,7 +16163,7 @@
         <p:spPr>
           <a:xfrm>
             <a:off x="6970881" y="2851102"/>
-            <a:ext cx="3868754" cy="646331"/>
+            <a:ext cx="3868754" cy="892552"/>
           </a:xfrm>
           <a:prstGeom prst="rect">
             <a:avLst/>
@@ -13482,36 +16177,75 @@
           <a:lstStyle/>
           <a:p>
             <a:r>
-              <a:rPr lang="en-US" sz="1200" b="0" i="0" dirty="0">
+              <a:rPr lang="en-US" sz="1300" b="0" i="0" dirty="0">
                 <a:solidFill>
                   <a:srgbClr val="3B3B3B"/>
                 </a:solidFill>
                 <a:effectLst/>
-                <a:latin typeface="Consolas" panose="020B0609020204030204" pitchFamily="49" charset="0"/>
+                <a:latin typeface="Bahnschrift" panose="020B0502040204020203" pitchFamily="34" charset="0"/>
               </a:rPr>
-              <a:t>Accuracy score: 0.9973582206918469 Predicted value: 0.9346523867785396 </a:t>
+              <a:t>Single value prediction:</a:t>
             </a:r>
-            <a:r>
-              <a:rPr lang="en-US" sz="1200" b="0" i="0" dirty="0" err="1">
+            <a:br>
+              <a:rPr lang="en-US" sz="1300" b="0" i="0" dirty="0">
                 <a:solidFill>
                   <a:srgbClr val="3B3B3B"/>
                 </a:solidFill>
                 <a:effectLst/>
-                <a:latin typeface="Consolas" panose="020B0609020204030204" pitchFamily="49" charset="0"/>
+                <a:latin typeface="Bahnschrift" panose="020B0502040204020203" pitchFamily="34" charset="0"/>
               </a:rPr>
-              <a:t>GroundTruth</a:t>
-            </a:r>
+            </a:br>
             <a:r>
-              <a:rPr lang="en-US" sz="1200" b="0" i="0" dirty="0">
+              <a:rPr lang="en-US" sz="1300" b="0" i="0" dirty="0">
                 <a:solidFill>
                   <a:srgbClr val="3B3B3B"/>
                 </a:solidFill>
                 <a:effectLst/>
-                <a:latin typeface="Consolas" panose="020B0609020204030204" pitchFamily="49" charset="0"/>
+                <a:latin typeface="Bahnschrift" panose="020B0502040204020203" pitchFamily="34" charset="0"/>
               </a:rPr>
-              <a:t> value: 0.9860506290456943</a:t>
+              <a:t>Accuracy score:       0.9973582206918469 </a:t>
             </a:r>
-            <a:endParaRPr lang="it-IT" sz="1200" dirty="0"/>
+            <a:br>
+              <a:rPr lang="en-US" sz="1300" b="0" i="0" dirty="0">
+                <a:solidFill>
+                  <a:srgbClr val="3B3B3B"/>
+                </a:solidFill>
+                <a:effectLst/>
+                <a:latin typeface="Bahnschrift" panose="020B0502040204020203" pitchFamily="34" charset="0"/>
+              </a:rPr>
+            </a:br>
+            <a:r>
+              <a:rPr lang="en-US" sz="1300" b="0" i="0" dirty="0">
+                <a:solidFill>
+                  <a:srgbClr val="3B3B3B"/>
+                </a:solidFill>
+                <a:effectLst/>
+                <a:latin typeface="Bahnschrift" panose="020B0502040204020203" pitchFamily="34" charset="0"/>
+              </a:rPr>
+              <a:t>Predicted value:       0.9346523867785396 </a:t>
+            </a:r>
+            <a:br>
+              <a:rPr lang="en-US" sz="1300" b="0" i="0" dirty="0">
+                <a:solidFill>
+                  <a:srgbClr val="3B3B3B"/>
+                </a:solidFill>
+                <a:effectLst/>
+                <a:latin typeface="Bahnschrift" panose="020B0502040204020203" pitchFamily="34" charset="0"/>
+              </a:rPr>
+            </a:br>
+            <a:r>
+              <a:rPr lang="en-US" sz="1300" b="0" i="0" dirty="0">
+                <a:solidFill>
+                  <a:srgbClr val="3B3B3B"/>
+                </a:solidFill>
+                <a:effectLst/>
+                <a:latin typeface="Bahnschrift" panose="020B0502040204020203" pitchFamily="34" charset="0"/>
+              </a:rPr>
+              <a:t>Ground Truth value: 0.9860506290456943</a:t>
+            </a:r>
+            <a:endParaRPr lang="it-IT" sz="1300" dirty="0">
+              <a:latin typeface="Bahnschrift" panose="020B0502040204020203" pitchFamily="34" charset="0"/>
+            </a:endParaRPr>
           </a:p>
         </p:txBody>
       </p:sp>
@@ -13657,7 +16391,7 @@
             <p:ph idx="1"/>
             <p:extLst>
               <p:ext uri="{D42A27DB-BD31-4B8C-83A1-F6EECF244321}">
-                <p14:modId xmlns:p14="http://schemas.microsoft.com/office/powerpoint/2010/main" val="3657076416"/>
+                <p14:modId xmlns:p14="http://schemas.microsoft.com/office/powerpoint/2010/main" val="2589365242"/>
               </p:ext>
             </p:extLst>
           </p:nvPr>
@@ -13709,7 +16443,9 @@
                     <a:lstStyle/>
                     <a:p>
                       <a:r>
-                        <a:rPr lang="it-IT" dirty="0"/>
+                        <a:rPr lang="it-IT" dirty="0">
+                          <a:latin typeface="Bahnschrift" panose="020B0502040204020203" pitchFamily="34" charset="0"/>
+                        </a:rPr>
                         <a:t>Model</a:t>
                       </a:r>
                     </a:p>
@@ -13722,7 +16458,24 @@
                     <a:lstStyle/>
                     <a:p>
                       <a:r>
-                        <a:rPr lang="it-IT" dirty="0"/>
+                        <a:rPr lang="it-IT" dirty="0">
+                          <a:latin typeface="Bahnschrift" panose="020B0502040204020203" pitchFamily="34" charset="0"/>
+                        </a:rPr>
+                        <a:t>Predicted value</a:t>
+                      </a:r>
+                    </a:p>
+                  </a:txBody>
+                  <a:tcPr/>
+                </a:tc>
+                <a:tc>
+                  <a:txBody>
+                    <a:bodyPr/>
+                    <a:lstStyle/>
+                    <a:p>
+                      <a:r>
+                        <a:rPr lang="it-IT" dirty="0">
+                          <a:latin typeface="Bahnschrift" panose="020B0502040204020203" pitchFamily="34" charset="0"/>
+                        </a:rPr>
                         <a:t>Observed value</a:t>
                       </a:r>
                     </a:p>
@@ -13735,20 +16488,9 @@
                     <a:lstStyle/>
                     <a:p>
                       <a:r>
-                        <a:rPr lang="it-IT" dirty="0"/>
-                        <a:t>Predicted value</a:t>
-                      </a:r>
-                    </a:p>
-                  </a:txBody>
-                  <a:tcPr/>
-                </a:tc>
-                <a:tc>
-                  <a:txBody>
-                    <a:bodyPr/>
-                    <a:lstStyle/>
-                    <a:p>
-                      <a:r>
-                        <a:rPr lang="it-IT" dirty="0"/>
+                        <a:rPr lang="it-IT" dirty="0">
+                          <a:latin typeface="Bahnschrift" panose="020B0502040204020203" pitchFamily="34" charset="0"/>
+                        </a:rPr>
                         <a:t>Accuracy (1 - SE)</a:t>
                       </a:r>
                     </a:p>
@@ -13768,7 +16510,9 @@
                     <a:lstStyle/>
                     <a:p>
                       <a:r>
-                        <a:rPr lang="it-IT" dirty="0"/>
+                        <a:rPr lang="it-IT" dirty="0">
+                          <a:latin typeface="Bahnschrift" panose="020B0502040204020203" pitchFamily="34" charset="0"/>
+                        </a:rPr>
                         <a:t>Standard pricing</a:t>
                       </a:r>
                     </a:p>
@@ -13781,7 +16525,9 @@
                     <a:lstStyle/>
                     <a:p>
                       <a:r>
-                        <a:rPr lang="it-IT" dirty="0"/>
+                        <a:rPr lang="it-IT" dirty="0">
+                          <a:latin typeface="Bahnschrift" panose="020B0502040204020203" pitchFamily="34" charset="0"/>
+                        </a:rPr>
                         <a:t>0.93</a:t>
                       </a:r>
                     </a:p>
@@ -13794,7 +16540,9 @@
                     <a:lstStyle/>
                     <a:p>
                       <a:r>
-                        <a:rPr lang="it-IT" dirty="0"/>
+                        <a:rPr lang="it-IT" dirty="0">
+                          <a:latin typeface="Bahnschrift" panose="020B0502040204020203" pitchFamily="34" charset="0"/>
+                        </a:rPr>
                         <a:t>0.98</a:t>
                       </a:r>
                     </a:p>
@@ -13807,7 +16555,9 @@
                     <a:lstStyle/>
                     <a:p>
                       <a:r>
-                        <a:rPr lang="it-IT" dirty="0"/>
+                        <a:rPr lang="it-IT" dirty="0">
+                          <a:latin typeface="Bahnschrift" panose="020B0502040204020203" pitchFamily="34" charset="0"/>
+                        </a:rPr>
                         <a:t>0.99</a:t>
                       </a:r>
                     </a:p>
@@ -13827,7 +16577,9 @@
                     <a:lstStyle/>
                     <a:p>
                       <a:r>
-                        <a:rPr lang="it-IT" dirty="0"/>
+                        <a:rPr lang="it-IT" dirty="0">
+                          <a:latin typeface="Bahnschrift" panose="020B0502040204020203" pitchFamily="34" charset="0"/>
+                        </a:rPr>
                         <a:t>Using returns</a:t>
                       </a:r>
                     </a:p>
@@ -13840,7 +16592,9 @@
                     <a:lstStyle/>
                     <a:p>
                       <a:r>
-                        <a:rPr lang="it-IT" dirty="0"/>
+                        <a:rPr lang="it-IT" dirty="0">
+                          <a:latin typeface="Bahnschrift" panose="020B0502040204020203" pitchFamily="34" charset="0"/>
+                        </a:rPr>
                         <a:t>0.052</a:t>
                       </a:r>
                     </a:p>
@@ -13853,7 +16607,9 @@
                     <a:lstStyle/>
                     <a:p>
                       <a:r>
-                        <a:rPr lang="it-IT" dirty="0"/>
+                        <a:rPr lang="it-IT" dirty="0">
+                          <a:latin typeface="Bahnschrift" panose="020B0502040204020203" pitchFamily="34" charset="0"/>
+                        </a:rPr>
                         <a:t>0.044</a:t>
                       </a:r>
                     </a:p>
@@ -13866,7 +16622,9 @@
                     <a:lstStyle/>
                     <a:p>
                       <a:r>
-                        <a:rPr lang="it-IT" dirty="0"/>
+                        <a:rPr lang="it-IT" dirty="0">
+                          <a:latin typeface="Bahnschrift" panose="020B0502040204020203" pitchFamily="34" charset="0"/>
+                        </a:rPr>
                         <a:t>0.99</a:t>
                       </a:r>
                     </a:p>
@@ -13886,7 +16644,9 @@
                     <a:lstStyle/>
                     <a:p>
                       <a:r>
-                        <a:rPr lang="it-IT" dirty="0"/>
+                        <a:rPr lang="it-IT" dirty="0">
+                          <a:latin typeface="Bahnschrift" panose="020B0502040204020203" pitchFamily="34" charset="0"/>
+                        </a:rPr>
                         <a:t>Final model</a:t>
                       </a:r>
                     </a:p>
@@ -13899,7 +16659,9 @@
                     <a:lstStyle/>
                     <a:p>
                       <a:r>
-                        <a:rPr lang="it-IT" dirty="0"/>
+                        <a:rPr lang="it-IT" dirty="0">
+                          <a:latin typeface="Bahnschrift" panose="020B0502040204020203" pitchFamily="34" charset="0"/>
+                        </a:rPr>
                         <a:t>0.93</a:t>
                       </a:r>
                     </a:p>
@@ -13912,7 +16674,9 @@
                     <a:lstStyle/>
                     <a:p>
                       <a:r>
-                        <a:rPr lang="it-IT" dirty="0"/>
+                        <a:rPr lang="it-IT" dirty="0">
+                          <a:latin typeface="Bahnschrift" panose="020B0502040204020203" pitchFamily="34" charset="0"/>
+                        </a:rPr>
                         <a:t>0.98</a:t>
                       </a:r>
                     </a:p>
@@ -13925,7 +16689,9 @@
                     <a:lstStyle/>
                     <a:p>
                       <a:r>
-                        <a:rPr lang="it-IT" dirty="0"/>
+                        <a:rPr lang="it-IT" dirty="0">
+                          <a:latin typeface="Bahnschrift" panose="020B0502040204020203" pitchFamily="34" charset="0"/>
+                        </a:rPr>
                         <a:t>0.99</a:t>
                       </a:r>
                     </a:p>
@@ -14051,7 +16817,7 @@
           <a:lstStyle/>
           <a:p>
             <a:r>
-              <a:rPr lang="it-IT" dirty="0">
+              <a:rPr lang="it-IT">
                 <a:latin typeface="Bahnschrift" panose="020B0502040204020203" pitchFamily="34" charset="0"/>
               </a:rPr>
               <a:t>Conclusions</a:t>
@@ -14060,82 +16826,37 @@
           </a:p>
         </p:txBody>
       </p:sp>
-      <p:sp>
-        <p:nvSpPr>
-          <p:cNvPr id="3" name="Content Placeholder 2">
+      <p:graphicFrame>
+        <p:nvGraphicFramePr>
+          <p:cNvPr id="7" name="Content Placeholder 2">
             <a:extLst>
               <a:ext uri="{FF2B5EF4-FFF2-40B4-BE49-F238E27FC236}">
-                <a16:creationId xmlns:a16="http://schemas.microsoft.com/office/drawing/2014/main" id="{B442444C-1F4E-D8C5-FBFA-0FCEFDF3343D}"/>
+                <a16:creationId xmlns:a16="http://schemas.microsoft.com/office/drawing/2014/main" id="{B50A060B-EC44-7BC0-2665-7EAC638A31EB}"/>
               </a:ext>
             </a:extLst>
           </p:cNvPr>
-          <p:cNvSpPr>
-            <a:spLocks noGrp="1"/>
-          </p:cNvSpPr>
+          <p:cNvGraphicFramePr>
+            <a:graphicFrameLocks noGrp="1"/>
+          </p:cNvGraphicFramePr>
           <p:nvPr>
             <p:ph idx="1"/>
+            <p:extLst>
+              <p:ext uri="{D42A27DB-BD31-4B8C-83A1-F6EECF244321}">
+                <p14:modId xmlns:p14="http://schemas.microsoft.com/office/powerpoint/2010/main" val="38653534"/>
+              </p:ext>
+            </p:extLst>
           </p:nvPr>
-        </p:nvSpPr>
-        <p:spPr/>
-        <p:txBody>
-          <a:bodyPr/>
-          <a:lstStyle/>
-          <a:p>
-            <a:r>
-              <a:rPr lang="en-US" b="0" dirty="0">
-                <a:solidFill>
-                  <a:srgbClr val="3B3B3B"/>
-                </a:solidFill>
-                <a:effectLst/>
-                <a:latin typeface="Bahnschrift" panose="020B0502040204020203" pitchFamily="34" charset="0"/>
-              </a:rPr>
-              <a:t>This project showed both good and bad results about each method. In the end, as expected, we can conclude that predictions are feasible in the short term, because there isn't a big amount of unknowns, while being definitely much harder for values further in the future. </a:t>
-            </a:r>
-          </a:p>
-          <a:p>
-            <a:endParaRPr lang="it-IT" dirty="0">
-              <a:latin typeface="Bahnschrift" panose="020B0502040204020203" pitchFamily="34" charset="0"/>
-            </a:endParaRPr>
-          </a:p>
-          <a:p>
-            <a:r>
-              <a:rPr lang="en-US" b="0" dirty="0">
-                <a:solidFill>
-                  <a:srgbClr val="3B3B3B"/>
-                </a:solidFill>
-                <a:effectLst/>
-                <a:latin typeface="Bahnschrift" panose="020B0502040204020203" pitchFamily="34" charset="0"/>
-              </a:rPr>
-              <a:t>This experiment also proved how sometimes a good sentiment analysis could help in these kind of problems, but it is still not enough to have accurate predictions because of the very </a:t>
-            </a:r>
-            <a:r>
-              <a:rPr lang="en-US" b="0" dirty="0" err="1">
-                <a:solidFill>
-                  <a:srgbClr val="3B3B3B"/>
-                </a:solidFill>
-                <a:effectLst/>
-                <a:latin typeface="Bahnschrift" panose="020B0502040204020203" pitchFamily="34" charset="0"/>
-              </a:rPr>
-              <a:t>randomic</a:t>
-            </a:r>
-            <a:r>
-              <a:rPr lang="en-US" b="0" dirty="0">
-                <a:solidFill>
-                  <a:srgbClr val="3B3B3B"/>
-                </a:solidFill>
-                <a:effectLst/>
-                <a:latin typeface="Bahnschrift" panose="020B0502040204020203" pitchFamily="34" charset="0"/>
-              </a:rPr>
-              <a:t> behavior of the market.</a:t>
-            </a:r>
-          </a:p>
-          <a:p>
-            <a:endParaRPr lang="it-IT" dirty="0">
-              <a:latin typeface="Bahnschrift" panose="020B0502040204020203" pitchFamily="34" charset="0"/>
-            </a:endParaRPr>
-          </a:p>
-        </p:txBody>
-      </p:sp>
+        </p:nvGraphicFramePr>
+        <p:xfrm>
+          <a:off x="1097280" y="1845734"/>
+          <a:ext cx="10058400" cy="4023360"/>
+        </p:xfrm>
+        <a:graphic>
+          <a:graphicData uri="http://schemas.openxmlformats.org/drawingml/2006/diagram">
+            <dgm:relIds xmlns:dgm="http://schemas.openxmlformats.org/drawingml/2006/diagram" xmlns:r="http://schemas.openxmlformats.org/officeDocument/2006/relationships" r:dm="rId2" r:lo="rId3" r:qs="rId4" r:cs="rId5"/>
+          </a:graphicData>
+        </a:graphic>
+      </p:graphicFrame>
       <p:sp>
         <p:nvSpPr>
           <p:cNvPr id="4" name="Footer Placeholder 3">
@@ -14920,7 +17641,7 @@
         </p:spPr>
         <p:txBody>
           <a:bodyPr>
-            <a:normAutofit fontScale="92500" lnSpcReduction="20000"/>
+            <a:noAutofit/>
           </a:bodyPr>
           <a:lstStyle/>
           <a:p>
@@ -14928,18 +17649,20 @@
               <a:buNone/>
             </a:pPr>
             <a:r>
-              <a:rPr lang="it-IT" dirty="0"/>
+              <a:rPr lang="it-IT" sz="1600" dirty="0">
+                <a:latin typeface="Bahnschrift" panose="020B0502040204020203" pitchFamily="34" charset="0"/>
+              </a:rPr>
               <a:t>The data has been taken from the Refitiv Eikon database: </a:t>
             </a:r>
             <a:r>
-              <a:rPr lang="en-US" b="0" i="0" dirty="0">
+              <a:rPr lang="en-US" sz="1600" b="0" i="0" dirty="0">
                 <a:effectLst/>
-                <a:latin typeface="Söhne"/>
+                <a:latin typeface="Bahnschrift" panose="020B0502040204020203" pitchFamily="34" charset="0"/>
               </a:rPr>
               <a:t>a leading financial data and analytics platform that provides real-time market data, news, and analytics tools for financial professionals and institutions. Since the quality of this database is very high, the data doesn’t need any cleaning process.</a:t>
             </a:r>
-            <a:endParaRPr lang="en-US" dirty="0">
-              <a:latin typeface="Söhne"/>
+            <a:endParaRPr lang="en-US" sz="1600" dirty="0">
+              <a:latin typeface="Bahnschrift" panose="020B0502040204020203" pitchFamily="34" charset="0"/>
             </a:endParaRPr>
           </a:p>
           <a:p>
@@ -14947,8 +17670,8 @@
               <a:buNone/>
             </a:pPr>
             <a:r>
-              <a:rPr lang="en-US" dirty="0">
-                <a:latin typeface="Söhne"/>
+              <a:rPr lang="en-US" sz="1600" dirty="0">
+                <a:latin typeface="Bahnschrift" panose="020B0502040204020203" pitchFamily="34" charset="0"/>
               </a:rPr>
               <a:t>The data that has been used was downloaded from the Derivatives section of the Apple company (AAPL.O). The selected futures contract is AAPF3N3.</a:t>
             </a:r>
@@ -14957,8 +17680,8 @@
             <a:pPr marL="0" indent="0">
               <a:buNone/>
             </a:pPr>
-            <a:endParaRPr lang="en-US" dirty="0">
-              <a:latin typeface="Söhne"/>
+            <a:endParaRPr lang="en-US" sz="1600" dirty="0">
+              <a:latin typeface="Bahnschrift" panose="020B0502040204020203" pitchFamily="34" charset="0"/>
             </a:endParaRPr>
           </a:p>
           <a:p>
@@ -14966,8 +17689,8 @@
               <a:buNone/>
             </a:pPr>
             <a:r>
-              <a:rPr lang="en-US" dirty="0">
-                <a:latin typeface="Söhne"/>
+              <a:rPr lang="en-US" sz="1600" dirty="0">
+                <a:latin typeface="Bahnschrift" panose="020B0502040204020203" pitchFamily="34" charset="0"/>
               </a:rPr>
               <a:t>Data used:</a:t>
             </a:r>
@@ -14978,8 +17701,8 @@
               <a:buChar char="§"/>
             </a:pPr>
             <a:r>
-              <a:rPr lang="en-US" dirty="0">
-                <a:latin typeface="Söhne"/>
+              <a:rPr lang="en-US" sz="1600" dirty="0">
+                <a:latin typeface="Bahnschrift" panose="020B0502040204020203" pitchFamily="34" charset="0"/>
               </a:rPr>
               <a:t>     AAPL.O price series</a:t>
             </a:r>
@@ -14990,8 +17713,8 @@
               <a:buChar char="§"/>
             </a:pPr>
             <a:r>
-              <a:rPr lang="en-US" dirty="0">
-                <a:latin typeface="Söhne"/>
+              <a:rPr lang="en-US" sz="1600" dirty="0">
+                <a:latin typeface="Bahnschrift" panose="020B0502040204020203" pitchFamily="34" charset="0"/>
               </a:rPr>
               <a:t>     AAPF3N3 price series</a:t>
             </a:r>
@@ -15002,8 +17725,8 @@
               <a:buChar char="§"/>
             </a:pPr>
             <a:r>
-              <a:rPr lang="en-US" dirty="0">
-                <a:latin typeface="Söhne"/>
+              <a:rPr lang="en-US" sz="1600" dirty="0">
+                <a:latin typeface="Bahnschrift" panose="020B0502040204020203" pitchFamily="34" charset="0"/>
               </a:rPr>
               <a:t>     SPREAD computed between the previous two series</a:t>
             </a:r>
@@ -15014,8 +17737,8 @@
               <a:buChar char="§"/>
             </a:pPr>
             <a:r>
-              <a:rPr lang="en-US" dirty="0">
-                <a:latin typeface="Söhne"/>
+              <a:rPr lang="en-US" sz="1600" dirty="0">
+                <a:latin typeface="Bahnschrift" panose="020B0502040204020203" pitchFamily="34" charset="0"/>
               </a:rPr>
               <a:t>     SPX price series, used for market reference</a:t>
             </a:r>
@@ -15026,24 +17749,26 @@
               <a:buChar char="§"/>
             </a:pPr>
             <a:r>
-              <a:rPr lang="en-US" dirty="0">
-                <a:latin typeface="Söhne"/>
+              <a:rPr lang="en-US" sz="1600" dirty="0">
+                <a:latin typeface="Bahnschrift" panose="020B0502040204020203" pitchFamily="34" charset="0"/>
               </a:rPr>
               <a:t>     News headlines about Apple in a predefined time period</a:t>
             </a:r>
           </a:p>
           <a:p>
-            <a:endParaRPr lang="en-US" dirty="0">
-              <a:latin typeface="Söhne"/>
+            <a:endParaRPr lang="en-US" sz="1600" dirty="0">
+              <a:latin typeface="Bahnschrift" panose="020B0502040204020203" pitchFamily="34" charset="0"/>
             </a:endParaRPr>
           </a:p>
           <a:p>
-            <a:endParaRPr lang="en-US" dirty="0">
-              <a:latin typeface="Söhne"/>
+            <a:endParaRPr lang="en-US" sz="1600" dirty="0">
+              <a:latin typeface="Bahnschrift" panose="020B0502040204020203" pitchFamily="34" charset="0"/>
             </a:endParaRPr>
           </a:p>
           <a:p>
-            <a:endParaRPr lang="it-IT" dirty="0"/>
+            <a:endParaRPr lang="it-IT" sz="1600" dirty="0">
+              <a:latin typeface="Bahnschrift" panose="020B0502040204020203" pitchFamily="34" charset="0"/>
+            </a:endParaRPr>
           </a:p>
         </p:txBody>
       </p:sp>
@@ -15373,18 +18098,18 @@
               <a:buNone/>
             </a:pPr>
             <a:r>
-              <a:rPr lang="it-IT" sz="1300" dirty="0">
+              <a:rPr lang="it-IT" sz="1600" dirty="0">
                 <a:latin typeface="Bahnschrift" panose="020B0502040204020203" pitchFamily="34" charset="0"/>
               </a:rPr>
               <a:t>To find a reliable solution, two main approaches have been tried </a:t>
             </a:r>
             <a:br>
-              <a:rPr lang="it-IT" sz="1300" dirty="0">
+              <a:rPr lang="it-IT" sz="1600" dirty="0">
                 <a:latin typeface="Bahnschrift" panose="020B0502040204020203" pitchFamily="34" charset="0"/>
               </a:rPr>
             </a:br>
             <a:r>
-              <a:rPr lang="it-IT" sz="1300" dirty="0">
+              <a:rPr lang="it-IT" sz="1600" dirty="0">
                 <a:latin typeface="Bahnschrift" panose="020B0502040204020203" pitchFamily="34" charset="0"/>
               </a:rPr>
               <a:t>The first one is simpler and more intuitive, the second one relies on a more exhaustive analysis:</a:t>
@@ -15811,11 +18536,13 @@
             </p:nvSpPr>
             <p:spPr/>
             <p:txBody>
-              <a:bodyPr/>
+              <a:bodyPr>
+                <a:normAutofit/>
+              </a:bodyPr>
               <a:lstStyle/>
               <a:p>
                 <a:r>
-                  <a:rPr lang="it-IT" dirty="0">
+                  <a:rPr lang="it-IT" sz="1600" dirty="0">
                     <a:latin typeface="Bahnschrift" panose="020B0502040204020203" pitchFamily="34" charset="0"/>
                   </a:rPr>
                   <a:t>A total of three main models have been tried:</a:t>
@@ -15827,14 +18554,14 @@
                     <m:sSub>
                       <m:sSubPr>
                         <m:ctrlPr>
-                          <a:rPr lang="it-IT" b="0" i="1" smtClean="0">
+                          <a:rPr lang="it-IT" sz="1600" b="0" i="1" smtClean="0">
                             <a:latin typeface="Cambria Math" panose="02040503050406030204" pitchFamily="18" charset="0"/>
                           </a:rPr>
                         </m:ctrlPr>
                       </m:sSubPr>
                       <m:e>
                         <m:r>
-                          <a:rPr lang="it-IT" b="0" i="1" smtClean="0">
+                          <a:rPr lang="it-IT" sz="1600" b="0" i="1" smtClean="0">
                             <a:latin typeface="Cambria Math" panose="02040503050406030204" pitchFamily="18" charset="0"/>
                           </a:rPr>
                           <m:t>𝑝</m:t>
@@ -15842,13 +18569,13 @@
                       </m:e>
                       <m:sub>
                         <m:r>
-                          <a:rPr lang="it-IT" b="0" i="1" smtClean="0">
+                          <a:rPr lang="it-IT" sz="1600" b="0" i="1" smtClean="0">
                             <a:latin typeface="Cambria Math" panose="02040503050406030204" pitchFamily="18" charset="0"/>
                           </a:rPr>
                           <m:t>𝑡</m:t>
                         </m:r>
                         <m:r>
-                          <a:rPr lang="it-IT" b="0" i="1" smtClean="0">
+                          <a:rPr lang="it-IT" sz="1600" b="0" i="1" smtClean="0">
                             <a:latin typeface="Cambria Math" panose="02040503050406030204" pitchFamily="18" charset="0"/>
                           </a:rPr>
                           <m:t>+</m:t>
@@ -15856,14 +18583,14 @@
                         <m:sSub>
                           <m:sSubPr>
                             <m:ctrlPr>
-                              <a:rPr lang="it-IT" b="0" i="1" smtClean="0">
+                              <a:rPr lang="it-IT" sz="1600" b="0" i="1" smtClean="0">
                                 <a:latin typeface="Cambria Math" panose="02040503050406030204" pitchFamily="18" charset="0"/>
                               </a:rPr>
                             </m:ctrlPr>
                           </m:sSubPr>
                           <m:e>
                             <m:r>
-                              <a:rPr lang="it-IT" b="0" i="1" smtClean="0">
+                              <a:rPr lang="it-IT" sz="1600" b="0" i="1" smtClean="0">
                                 <a:latin typeface="Cambria Math" panose="02040503050406030204" pitchFamily="18" charset="0"/>
                               </a:rPr>
                               <m:t>1</m:t>
@@ -15871,25 +18598,25 @@
                           </m:e>
                           <m:sub>
                             <m:r>
-                              <a:rPr lang="it-IT" b="0" i="1" smtClean="0">
+                              <a:rPr lang="it-IT" sz="1600" b="0" i="1" smtClean="0">
                                 <a:latin typeface="Cambria Math" panose="02040503050406030204" pitchFamily="18" charset="0"/>
                               </a:rPr>
                               <m:t>𝐴𝐴𝑃𝐹</m:t>
                             </m:r>
                             <m:r>
-                              <a:rPr lang="it-IT" b="0" i="1" smtClean="0">
+                              <a:rPr lang="it-IT" sz="1600" b="0" i="1" smtClean="0">
                                 <a:latin typeface="Cambria Math" panose="02040503050406030204" pitchFamily="18" charset="0"/>
                               </a:rPr>
                               <m:t>3</m:t>
                             </m:r>
                             <m:r>
-                              <a:rPr lang="it-IT" b="0" i="1" smtClean="0">
+                              <a:rPr lang="it-IT" sz="1600" b="0" i="1" smtClean="0">
                                 <a:latin typeface="Cambria Math" panose="02040503050406030204" pitchFamily="18" charset="0"/>
                               </a:rPr>
                               <m:t>𝑁</m:t>
                             </m:r>
                             <m:r>
-                              <a:rPr lang="it-IT" b="0" i="1" smtClean="0">
+                              <a:rPr lang="it-IT" sz="1600" b="0" i="1" smtClean="0">
                                 <a:latin typeface="Cambria Math" panose="02040503050406030204" pitchFamily="18" charset="0"/>
                               </a:rPr>
                               <m:t>3</m:t>
@@ -15899,7 +18626,7 @@
                       </m:sub>
                     </m:sSub>
                     <m:r>
-                      <a:rPr lang="it-IT" b="0" i="1" smtClean="0">
+                      <a:rPr lang="it-IT" sz="1600" b="0" i="1" smtClean="0">
                         <a:latin typeface="Cambria Math" panose="02040503050406030204" pitchFamily="18" charset="0"/>
                       </a:rPr>
                       <m:t>=</m:t>
@@ -15907,14 +18634,14 @@
                     <m:sSub>
                       <m:sSubPr>
                         <m:ctrlPr>
-                          <a:rPr lang="it-IT" b="0" i="1" smtClean="0">
+                          <a:rPr lang="it-IT" sz="1600" b="0" i="1" smtClean="0">
                             <a:latin typeface="Cambria Math" panose="02040503050406030204" pitchFamily="18" charset="0"/>
                           </a:rPr>
                         </m:ctrlPr>
                       </m:sSubPr>
                       <m:e>
                         <m:r>
-                          <a:rPr lang="it-IT" b="0" i="1" smtClean="0">
+                          <a:rPr lang="it-IT" sz="1600" b="0" i="1" smtClean="0">
                             <a:latin typeface="Cambria Math" panose="02040503050406030204" pitchFamily="18" charset="0"/>
                           </a:rPr>
                           <m:t>𝜔</m:t>
@@ -15922,7 +18649,7 @@
                       </m:e>
                       <m:sub>
                         <m:r>
-                          <a:rPr lang="it-IT" b="0" i="1" smtClean="0">
+                          <a:rPr lang="it-IT" sz="1600" b="0" i="1" smtClean="0">
                             <a:latin typeface="Cambria Math" panose="02040503050406030204" pitchFamily="18" charset="0"/>
                           </a:rPr>
                           <m:t>0</m:t>
@@ -15930,7 +18657,7 @@
                       </m:sub>
                     </m:sSub>
                     <m:r>
-                      <a:rPr lang="it-IT" b="0" i="1" smtClean="0">
+                      <a:rPr lang="it-IT" sz="1600" b="0" i="1" smtClean="0">
                         <a:latin typeface="Cambria Math" panose="02040503050406030204" pitchFamily="18" charset="0"/>
                       </a:rPr>
                       <m:t>+</m:t>
@@ -15938,14 +18665,14 @@
                     <m:sSub>
                       <m:sSubPr>
                         <m:ctrlPr>
-                          <a:rPr lang="it-IT" b="0" i="1" smtClean="0">
+                          <a:rPr lang="it-IT" sz="1600" b="0" i="1" smtClean="0">
                             <a:latin typeface="Cambria Math" panose="02040503050406030204" pitchFamily="18" charset="0"/>
                           </a:rPr>
                         </m:ctrlPr>
                       </m:sSubPr>
                       <m:e>
                         <m:r>
-                          <a:rPr lang="it-IT" b="0" i="1" smtClean="0">
+                          <a:rPr lang="it-IT" sz="1600" b="0" i="1" smtClean="0">
                             <a:latin typeface="Cambria Math" panose="02040503050406030204" pitchFamily="18" charset="0"/>
                           </a:rPr>
                           <m:t>𝜔</m:t>
@@ -15953,7 +18680,7 @@
                       </m:e>
                       <m:sub>
                         <m:r>
-                          <a:rPr lang="it-IT" b="0" i="1" smtClean="0">
+                          <a:rPr lang="it-IT" sz="1600" b="0" i="1" smtClean="0">
                             <a:latin typeface="Cambria Math" panose="02040503050406030204" pitchFamily="18" charset="0"/>
                           </a:rPr>
                           <m:t>1</m:t>
@@ -15963,14 +18690,14 @@
                     <m:sSub>
                       <m:sSubPr>
                         <m:ctrlPr>
-                          <a:rPr lang="it-IT" b="0" i="1" smtClean="0">
+                          <a:rPr lang="it-IT" sz="1600" b="0" i="1" smtClean="0">
                             <a:latin typeface="Cambria Math" panose="02040503050406030204" pitchFamily="18" charset="0"/>
                           </a:rPr>
                         </m:ctrlPr>
                       </m:sSubPr>
                       <m:e>
                         <m:r>
-                          <a:rPr lang="it-IT" b="0" i="1" smtClean="0">
+                          <a:rPr lang="it-IT" sz="1600" b="0" i="1" smtClean="0">
                             <a:latin typeface="Cambria Math" panose="02040503050406030204" pitchFamily="18" charset="0"/>
                           </a:rPr>
                           <m:t>𝑝</m:t>
@@ -15980,14 +18707,14 @@
                         <m:sSub>
                           <m:sSubPr>
                             <m:ctrlPr>
-                              <a:rPr lang="it-IT" b="0" i="1" smtClean="0">
+                              <a:rPr lang="it-IT" sz="1600" b="0" i="1" smtClean="0">
                                 <a:latin typeface="Cambria Math" panose="02040503050406030204" pitchFamily="18" charset="0"/>
                               </a:rPr>
                             </m:ctrlPr>
                           </m:sSubPr>
                           <m:e>
                             <m:r>
-                              <a:rPr lang="it-IT" b="0" i="1" smtClean="0">
+                              <a:rPr lang="it-IT" sz="1600" b="0" i="1" smtClean="0">
                                 <a:latin typeface="Cambria Math" panose="02040503050406030204" pitchFamily="18" charset="0"/>
                               </a:rPr>
                               <m:t>𝑡</m:t>
@@ -15995,19 +18722,19 @@
                           </m:e>
                           <m:sub>
                             <m:r>
-                              <a:rPr lang="it-IT" b="0" i="1" smtClean="0">
+                              <a:rPr lang="it-IT" sz="1600" b="0" i="1" smtClean="0">
                                 <a:latin typeface="Cambria Math" panose="02040503050406030204" pitchFamily="18" charset="0"/>
                               </a:rPr>
                               <m:t>𝐴𝐴𝑃𝐿</m:t>
                             </m:r>
                             <m:r>
-                              <a:rPr lang="it-IT" b="0" i="1" smtClean="0">
+                              <a:rPr lang="it-IT" sz="1600" b="0" i="1" smtClean="0">
                                 <a:latin typeface="Cambria Math" panose="02040503050406030204" pitchFamily="18" charset="0"/>
                               </a:rPr>
                               <m:t>.</m:t>
                             </m:r>
                             <m:r>
-                              <a:rPr lang="it-IT" b="0" i="1" smtClean="0">
+                              <a:rPr lang="it-IT" sz="1600" b="0" i="1" smtClean="0">
                                 <a:latin typeface="Cambria Math" panose="02040503050406030204" pitchFamily="18" charset="0"/>
                               </a:rPr>
                               <m:t>𝑂</m:t>
@@ -16017,7 +18744,7 @@
                       </m:sub>
                     </m:sSub>
                     <m:r>
-                      <a:rPr lang="it-IT" b="0" i="1" smtClean="0">
+                      <a:rPr lang="it-IT" sz="1600" b="0" i="1" smtClean="0">
                         <a:latin typeface="Cambria Math" panose="02040503050406030204" pitchFamily="18" charset="0"/>
                       </a:rPr>
                       <m:t>+</m:t>
@@ -16025,14 +18752,14 @@
                     <m:sSub>
                       <m:sSubPr>
                         <m:ctrlPr>
-                          <a:rPr lang="it-IT" b="0" i="1" smtClean="0">
+                          <a:rPr lang="it-IT" sz="1600" b="0" i="1" smtClean="0">
                             <a:latin typeface="Cambria Math" panose="02040503050406030204" pitchFamily="18" charset="0"/>
                           </a:rPr>
                         </m:ctrlPr>
                       </m:sSubPr>
                       <m:e>
                         <m:r>
-                          <a:rPr lang="it-IT" b="0" i="1" smtClean="0">
+                          <a:rPr lang="it-IT" sz="1600" b="0" i="1" smtClean="0">
                             <a:latin typeface="Cambria Math" panose="02040503050406030204" pitchFamily="18" charset="0"/>
                           </a:rPr>
                           <m:t>𝜔</m:t>
@@ -16040,7 +18767,7 @@
                       </m:e>
                       <m:sub>
                         <m:r>
-                          <a:rPr lang="it-IT" b="0" i="1" smtClean="0">
+                          <a:rPr lang="it-IT" sz="1600" b="0" i="1" smtClean="0">
                             <a:latin typeface="Cambria Math" panose="02040503050406030204" pitchFamily="18" charset="0"/>
                           </a:rPr>
                           <m:t>2</m:t>
@@ -16048,7 +18775,7 @@
                       </m:sub>
                     </m:sSub>
                     <m:r>
-                      <a:rPr lang="it-IT" b="0" i="1" smtClean="0">
+                      <a:rPr lang="it-IT" sz="1600" b="0" i="1" smtClean="0">
                         <a:latin typeface="Cambria Math" panose="02040503050406030204" pitchFamily="18" charset="0"/>
                       </a:rPr>
                       <m:t>𝑆𝑃𝑅𝐸𝐴</m:t>
@@ -16056,14 +18783,14 @@
                     <m:sSub>
                       <m:sSubPr>
                         <m:ctrlPr>
-                          <a:rPr lang="it-IT" b="0" i="1" smtClean="0">
+                          <a:rPr lang="it-IT" sz="1600" b="0" i="1" smtClean="0">
                             <a:latin typeface="Cambria Math" panose="02040503050406030204" pitchFamily="18" charset="0"/>
                           </a:rPr>
                         </m:ctrlPr>
                       </m:sSubPr>
                       <m:e>
                         <m:r>
-                          <a:rPr lang="it-IT" b="0" i="1" smtClean="0">
+                          <a:rPr lang="it-IT" sz="1600" b="0" i="1" smtClean="0">
                             <a:latin typeface="Cambria Math" panose="02040503050406030204" pitchFamily="18" charset="0"/>
                           </a:rPr>
                           <m:t>𝐷</m:t>
@@ -16071,7 +18798,7 @@
                       </m:e>
                       <m:sub>
                         <m:r>
-                          <a:rPr lang="it-IT" b="0" i="1" smtClean="0">
+                          <a:rPr lang="it-IT" sz="1600" b="0" i="1" smtClean="0">
                             <a:latin typeface="Cambria Math" panose="02040503050406030204" pitchFamily="18" charset="0"/>
                           </a:rPr>
                           <m:t>𝑡</m:t>
@@ -16080,7 +18807,7 @@
                     </m:sSub>
                   </m:oMath>
                 </a14:m>
-                <a:endParaRPr lang="it-IT" b="0" dirty="0">
+                <a:endParaRPr lang="it-IT" sz="1600" b="0" dirty="0">
                   <a:latin typeface="Bahnschrift" panose="020B0502040204020203" pitchFamily="34" charset="0"/>
                 </a:endParaRPr>
               </a:p>
@@ -16090,14 +18817,14 @@
                     <m:sSub>
                       <m:sSubPr>
                         <m:ctrlPr>
-                          <a:rPr lang="it-IT" b="0" i="1" smtClean="0">
+                          <a:rPr lang="it-IT" sz="1600" b="0" i="1" smtClean="0">
                             <a:latin typeface="Cambria Math" panose="02040503050406030204" pitchFamily="18" charset="0"/>
                           </a:rPr>
                         </m:ctrlPr>
                       </m:sSubPr>
                       <m:e>
                         <m:r>
-                          <a:rPr lang="it-IT" b="0" i="1" smtClean="0">
+                          <a:rPr lang="it-IT" sz="1600" b="0" i="1" smtClean="0">
                             <a:latin typeface="Cambria Math" panose="02040503050406030204" pitchFamily="18" charset="0"/>
                           </a:rPr>
                           <m:t>𝑟</m:t>
@@ -16105,13 +18832,13 @@
                       </m:e>
                       <m:sub>
                         <m:r>
-                          <a:rPr lang="it-IT" b="0" i="1" smtClean="0">
+                          <a:rPr lang="it-IT" sz="1600" b="0" i="1" smtClean="0">
                             <a:latin typeface="Cambria Math" panose="02040503050406030204" pitchFamily="18" charset="0"/>
                           </a:rPr>
                           <m:t>𝑡</m:t>
                         </m:r>
                         <m:r>
-                          <a:rPr lang="it-IT" b="0" i="1" smtClean="0">
+                          <a:rPr lang="it-IT" sz="1600" b="0" i="1" smtClean="0">
                             <a:latin typeface="Cambria Math" panose="02040503050406030204" pitchFamily="18" charset="0"/>
                           </a:rPr>
                           <m:t>+</m:t>
@@ -16119,14 +18846,14 @@
                         <m:sSub>
                           <m:sSubPr>
                             <m:ctrlPr>
-                              <a:rPr lang="it-IT" b="0" i="1" smtClean="0">
+                              <a:rPr lang="it-IT" sz="1600" b="0" i="1" smtClean="0">
                                 <a:latin typeface="Cambria Math" panose="02040503050406030204" pitchFamily="18" charset="0"/>
                               </a:rPr>
                             </m:ctrlPr>
                           </m:sSubPr>
                           <m:e>
                             <m:r>
-                              <a:rPr lang="it-IT" b="0" i="1" smtClean="0">
+                              <a:rPr lang="it-IT" sz="1600" b="0" i="1" smtClean="0">
                                 <a:latin typeface="Cambria Math" panose="02040503050406030204" pitchFamily="18" charset="0"/>
                               </a:rPr>
                               <m:t>1</m:t>
@@ -16134,25 +18861,25 @@
                           </m:e>
                           <m:sub>
                             <m:r>
-                              <a:rPr lang="it-IT" b="0" i="1" smtClean="0">
+                              <a:rPr lang="it-IT" sz="1600" b="0" i="1" smtClean="0">
                                 <a:latin typeface="Cambria Math" panose="02040503050406030204" pitchFamily="18" charset="0"/>
                               </a:rPr>
                               <m:t>𝐴𝐴𝑃𝐹</m:t>
                             </m:r>
                             <m:r>
-                              <a:rPr lang="it-IT" b="0" i="1" smtClean="0">
+                              <a:rPr lang="it-IT" sz="1600" b="0" i="1" smtClean="0">
                                 <a:latin typeface="Cambria Math" panose="02040503050406030204" pitchFamily="18" charset="0"/>
                               </a:rPr>
                               <m:t>3</m:t>
                             </m:r>
                             <m:r>
-                              <a:rPr lang="it-IT" b="0" i="1" smtClean="0">
+                              <a:rPr lang="it-IT" sz="1600" b="0" i="1" smtClean="0">
                                 <a:latin typeface="Cambria Math" panose="02040503050406030204" pitchFamily="18" charset="0"/>
                               </a:rPr>
                               <m:t>𝑁</m:t>
                             </m:r>
                             <m:r>
-                              <a:rPr lang="it-IT" b="0" i="1" smtClean="0">
+                              <a:rPr lang="it-IT" sz="1600" b="0" i="1" smtClean="0">
                                 <a:latin typeface="Cambria Math" panose="02040503050406030204" pitchFamily="18" charset="0"/>
                               </a:rPr>
                               <m:t>3</m:t>
@@ -16162,7 +18889,7 @@
                       </m:sub>
                     </m:sSub>
                     <m:r>
-                      <a:rPr lang="it-IT" b="0" i="1" smtClean="0">
+                      <a:rPr lang="it-IT" sz="1600" b="0" i="1" smtClean="0">
                         <a:latin typeface="Cambria Math" panose="02040503050406030204" pitchFamily="18" charset="0"/>
                       </a:rPr>
                       <m:t>=</m:t>
@@ -16170,14 +18897,14 @@
                     <m:sSub>
                       <m:sSubPr>
                         <m:ctrlPr>
-                          <a:rPr lang="it-IT" b="0" i="1" smtClean="0">
+                          <a:rPr lang="it-IT" sz="1600" b="0" i="1" smtClean="0">
                             <a:latin typeface="Cambria Math" panose="02040503050406030204" pitchFamily="18" charset="0"/>
                           </a:rPr>
                         </m:ctrlPr>
                       </m:sSubPr>
                       <m:e>
                         <m:r>
-                          <a:rPr lang="it-IT" b="0" i="1" smtClean="0">
+                          <a:rPr lang="it-IT" sz="1600" b="0" i="1" smtClean="0">
                             <a:latin typeface="Cambria Math" panose="02040503050406030204" pitchFamily="18" charset="0"/>
                           </a:rPr>
                           <m:t>𝜔</m:t>
@@ -16185,7 +18912,7 @@
                       </m:e>
                       <m:sub>
                         <m:r>
-                          <a:rPr lang="it-IT" b="0" i="1" smtClean="0">
+                          <a:rPr lang="it-IT" sz="1600" b="0" i="1" smtClean="0">
                             <a:latin typeface="Cambria Math" panose="02040503050406030204" pitchFamily="18" charset="0"/>
                           </a:rPr>
                           <m:t>0</m:t>
@@ -16193,7 +18920,7 @@
                       </m:sub>
                     </m:sSub>
                     <m:r>
-                      <a:rPr lang="it-IT" b="0" i="1" smtClean="0">
+                      <a:rPr lang="it-IT" sz="1600" b="0" i="1" smtClean="0">
                         <a:latin typeface="Cambria Math" panose="02040503050406030204" pitchFamily="18" charset="0"/>
                       </a:rPr>
                       <m:t>+</m:t>
@@ -16201,14 +18928,14 @@
                     <m:sSub>
                       <m:sSubPr>
                         <m:ctrlPr>
-                          <a:rPr lang="it-IT" b="0" i="1" smtClean="0">
+                          <a:rPr lang="it-IT" sz="1600" b="0" i="1" smtClean="0">
                             <a:latin typeface="Cambria Math" panose="02040503050406030204" pitchFamily="18" charset="0"/>
                           </a:rPr>
                         </m:ctrlPr>
                       </m:sSubPr>
                       <m:e>
                         <m:r>
-                          <a:rPr lang="it-IT" b="0" i="1" smtClean="0">
+                          <a:rPr lang="it-IT" sz="1600" b="0" i="1" smtClean="0">
                             <a:latin typeface="Cambria Math" panose="02040503050406030204" pitchFamily="18" charset="0"/>
                           </a:rPr>
                           <m:t>𝜔</m:t>
@@ -16216,7 +18943,7 @@
                       </m:e>
                       <m:sub>
                         <m:r>
-                          <a:rPr lang="it-IT" b="0" i="1" smtClean="0">
+                          <a:rPr lang="it-IT" sz="1600" b="0" i="1" smtClean="0">
                             <a:latin typeface="Cambria Math" panose="02040503050406030204" pitchFamily="18" charset="0"/>
                           </a:rPr>
                           <m:t>1</m:t>
@@ -16226,14 +18953,14 @@
                     <m:sSub>
                       <m:sSubPr>
                         <m:ctrlPr>
-                          <a:rPr lang="it-IT" b="0" i="1" smtClean="0">
+                          <a:rPr lang="it-IT" sz="1600" b="0" i="1" smtClean="0">
                             <a:latin typeface="Cambria Math" panose="02040503050406030204" pitchFamily="18" charset="0"/>
                           </a:rPr>
                         </m:ctrlPr>
                       </m:sSubPr>
                       <m:e>
                         <m:r>
-                          <a:rPr lang="it-IT" b="0" i="1" smtClean="0">
+                          <a:rPr lang="it-IT" sz="1600" b="0" i="1" smtClean="0">
                             <a:latin typeface="Cambria Math" panose="02040503050406030204" pitchFamily="18" charset="0"/>
                           </a:rPr>
                           <m:t>𝑟</m:t>
@@ -16243,14 +18970,14 @@
                         <m:sSub>
                           <m:sSubPr>
                             <m:ctrlPr>
-                              <a:rPr lang="it-IT" b="0" i="1" smtClean="0">
+                              <a:rPr lang="it-IT" sz="1600" b="0" i="1" smtClean="0">
                                 <a:latin typeface="Cambria Math" panose="02040503050406030204" pitchFamily="18" charset="0"/>
                               </a:rPr>
                             </m:ctrlPr>
                           </m:sSubPr>
                           <m:e>
                             <m:r>
-                              <a:rPr lang="it-IT" b="0" i="1" smtClean="0">
+                              <a:rPr lang="it-IT" sz="1600" b="0" i="1" smtClean="0">
                                 <a:latin typeface="Cambria Math" panose="02040503050406030204" pitchFamily="18" charset="0"/>
                               </a:rPr>
                               <m:t>𝑡</m:t>
@@ -16258,19 +18985,19 @@
                           </m:e>
                           <m:sub>
                             <m:r>
-                              <a:rPr lang="it-IT" b="0" i="1" smtClean="0">
+                              <a:rPr lang="it-IT" sz="1600" b="0" i="1" smtClean="0">
                                 <a:latin typeface="Cambria Math" panose="02040503050406030204" pitchFamily="18" charset="0"/>
                               </a:rPr>
                               <m:t>𝐴𝐴𝑃𝐿</m:t>
                             </m:r>
                             <m:r>
-                              <a:rPr lang="it-IT" b="0" i="1" smtClean="0">
+                              <a:rPr lang="it-IT" sz="1600" b="0" i="1" smtClean="0">
                                 <a:latin typeface="Cambria Math" panose="02040503050406030204" pitchFamily="18" charset="0"/>
                               </a:rPr>
                               <m:t>.</m:t>
                             </m:r>
                             <m:r>
-                              <a:rPr lang="it-IT" b="0" i="1" smtClean="0">
+                              <a:rPr lang="it-IT" sz="1600" b="0" i="1" smtClean="0">
                                 <a:latin typeface="Cambria Math" panose="02040503050406030204" pitchFamily="18" charset="0"/>
                               </a:rPr>
                               <m:t>𝑂</m:t>
@@ -16280,7 +19007,7 @@
                       </m:sub>
                     </m:sSub>
                     <m:r>
-                      <a:rPr lang="it-IT" b="0" i="1" smtClean="0">
+                      <a:rPr lang="it-IT" sz="1600" b="0" i="1" smtClean="0">
                         <a:latin typeface="Cambria Math" panose="02040503050406030204" pitchFamily="18" charset="0"/>
                       </a:rPr>
                       <m:t>+</m:t>
@@ -16288,14 +19015,14 @@
                     <m:sSub>
                       <m:sSubPr>
                         <m:ctrlPr>
-                          <a:rPr lang="it-IT" b="0" i="1" smtClean="0">
+                          <a:rPr lang="it-IT" sz="1600" b="0" i="1" smtClean="0">
                             <a:latin typeface="Cambria Math" panose="02040503050406030204" pitchFamily="18" charset="0"/>
                           </a:rPr>
                         </m:ctrlPr>
                       </m:sSubPr>
                       <m:e>
                         <m:r>
-                          <a:rPr lang="it-IT" b="0" i="1" smtClean="0">
+                          <a:rPr lang="it-IT" sz="1600" b="0" i="1" smtClean="0">
                             <a:latin typeface="Cambria Math" panose="02040503050406030204" pitchFamily="18" charset="0"/>
                           </a:rPr>
                           <m:t>𝜔</m:t>
@@ -16303,7 +19030,7 @@
                       </m:e>
                       <m:sub>
                         <m:r>
-                          <a:rPr lang="it-IT" b="0" i="1" smtClean="0">
+                          <a:rPr lang="it-IT" sz="1600" b="0" i="1" smtClean="0">
                             <a:latin typeface="Cambria Math" panose="02040503050406030204" pitchFamily="18" charset="0"/>
                           </a:rPr>
                           <m:t>2</m:t>
@@ -16311,7 +19038,7 @@
                       </m:sub>
                     </m:sSub>
                     <m:r>
-                      <a:rPr lang="it-IT" b="0" i="1" smtClean="0">
+                      <a:rPr lang="it-IT" sz="1600" b="0" i="1" smtClean="0">
                         <a:latin typeface="Cambria Math" panose="02040503050406030204" pitchFamily="18" charset="0"/>
                       </a:rPr>
                       <m:t>𝑆𝑃𝑅𝐸𝐴</m:t>
@@ -16319,14 +19046,14 @@
                     <m:sSub>
                       <m:sSubPr>
                         <m:ctrlPr>
-                          <a:rPr lang="it-IT" b="0" i="1" smtClean="0">
+                          <a:rPr lang="it-IT" sz="1600" b="0" i="1" smtClean="0">
                             <a:latin typeface="Cambria Math" panose="02040503050406030204" pitchFamily="18" charset="0"/>
                           </a:rPr>
                         </m:ctrlPr>
                       </m:sSubPr>
                       <m:e>
                         <m:r>
-                          <a:rPr lang="it-IT" b="0" i="1" smtClean="0">
+                          <a:rPr lang="it-IT" sz="1600" b="0" i="1" smtClean="0">
                             <a:latin typeface="Cambria Math" panose="02040503050406030204" pitchFamily="18" charset="0"/>
                           </a:rPr>
                           <m:t>𝐷</m:t>
@@ -16334,7 +19061,7 @@
                       </m:e>
                       <m:sub>
                         <m:r>
-                          <a:rPr lang="it-IT" b="0" i="1" smtClean="0">
+                          <a:rPr lang="it-IT" sz="1600" b="0" i="1" smtClean="0">
                             <a:latin typeface="Cambria Math" panose="02040503050406030204" pitchFamily="18" charset="0"/>
                           </a:rPr>
                           <m:t>𝑡</m:t>
@@ -16343,7 +19070,7 @@
                     </m:sSub>
                   </m:oMath>
                 </a14:m>
-                <a:endParaRPr lang="it-IT" dirty="0">
+                <a:endParaRPr lang="it-IT" sz="1600" dirty="0">
                   <a:latin typeface="Bahnschrift" panose="020B0502040204020203" pitchFamily="34" charset="0"/>
                 </a:endParaRPr>
               </a:p>
@@ -16353,14 +19080,14 @@
                     <m:sSub>
                       <m:sSubPr>
                         <m:ctrlPr>
-                          <a:rPr lang="it-IT" b="0" i="1" smtClean="0">
+                          <a:rPr lang="it-IT" sz="1600" b="0" i="1" smtClean="0">
                             <a:latin typeface="Cambria Math" panose="02040503050406030204" pitchFamily="18" charset="0"/>
                           </a:rPr>
                         </m:ctrlPr>
                       </m:sSubPr>
                       <m:e>
                         <m:r>
-                          <a:rPr lang="it-IT" b="0" i="1" smtClean="0">
+                          <a:rPr lang="it-IT" sz="1600" b="0" i="1" smtClean="0">
                             <a:latin typeface="Cambria Math" panose="02040503050406030204" pitchFamily="18" charset="0"/>
                           </a:rPr>
                           <m:t>𝑝</m:t>
@@ -16368,13 +19095,13 @@
                       </m:e>
                       <m:sub>
                         <m:r>
-                          <a:rPr lang="it-IT" b="0" i="1" smtClean="0">
+                          <a:rPr lang="it-IT" sz="1600" b="0" i="1" smtClean="0">
                             <a:latin typeface="Cambria Math" panose="02040503050406030204" pitchFamily="18" charset="0"/>
                           </a:rPr>
                           <m:t>𝑡</m:t>
                         </m:r>
                         <m:r>
-                          <a:rPr lang="it-IT" b="0" i="1" smtClean="0">
+                          <a:rPr lang="it-IT" sz="1600" b="0" i="1" smtClean="0">
                             <a:latin typeface="Cambria Math" panose="02040503050406030204" pitchFamily="18" charset="0"/>
                           </a:rPr>
                           <m:t>+</m:t>
@@ -16382,14 +19109,14 @@
                         <m:sSub>
                           <m:sSubPr>
                             <m:ctrlPr>
-                              <a:rPr lang="it-IT" b="0" i="1" smtClean="0">
+                              <a:rPr lang="it-IT" sz="1600" b="0" i="1" smtClean="0">
                                 <a:latin typeface="Cambria Math" panose="02040503050406030204" pitchFamily="18" charset="0"/>
                               </a:rPr>
                             </m:ctrlPr>
                           </m:sSubPr>
                           <m:e>
                             <m:r>
-                              <a:rPr lang="it-IT" b="0" i="1" smtClean="0">
+                              <a:rPr lang="it-IT" sz="1600" b="0" i="1" smtClean="0">
                                 <a:latin typeface="Cambria Math" panose="02040503050406030204" pitchFamily="18" charset="0"/>
                               </a:rPr>
                               <m:t>1</m:t>
@@ -16397,25 +19124,25 @@
                           </m:e>
                           <m:sub>
                             <m:r>
-                              <a:rPr lang="it-IT" b="0" i="1" smtClean="0">
+                              <a:rPr lang="it-IT" sz="1600" b="0" i="1" smtClean="0">
                                 <a:latin typeface="Cambria Math" panose="02040503050406030204" pitchFamily="18" charset="0"/>
                               </a:rPr>
                               <m:t>𝐴𝐴𝑃𝐹</m:t>
                             </m:r>
                             <m:r>
-                              <a:rPr lang="it-IT" b="0" i="1" smtClean="0">
+                              <a:rPr lang="it-IT" sz="1600" b="0" i="1" smtClean="0">
                                 <a:latin typeface="Cambria Math" panose="02040503050406030204" pitchFamily="18" charset="0"/>
                               </a:rPr>
                               <m:t>3</m:t>
                             </m:r>
                             <m:r>
-                              <a:rPr lang="it-IT" b="0" i="1" smtClean="0">
+                              <a:rPr lang="it-IT" sz="1600" b="0" i="1" smtClean="0">
                                 <a:latin typeface="Cambria Math" panose="02040503050406030204" pitchFamily="18" charset="0"/>
                               </a:rPr>
                               <m:t>𝑁</m:t>
                             </m:r>
                             <m:r>
-                              <a:rPr lang="it-IT" b="0" i="1" smtClean="0">
+                              <a:rPr lang="it-IT" sz="1600" b="0" i="1" smtClean="0">
                                 <a:latin typeface="Cambria Math" panose="02040503050406030204" pitchFamily="18" charset="0"/>
                               </a:rPr>
                               <m:t>3</m:t>
@@ -16425,7 +19152,7 @@
                       </m:sub>
                     </m:sSub>
                     <m:r>
-                      <a:rPr lang="it-IT" b="0" i="1" smtClean="0">
+                      <a:rPr lang="it-IT" sz="1600" b="0" i="1" smtClean="0">
                         <a:latin typeface="Cambria Math" panose="02040503050406030204" pitchFamily="18" charset="0"/>
                       </a:rPr>
                       <m:t>=</m:t>
@@ -16433,14 +19160,14 @@
                     <m:sSub>
                       <m:sSubPr>
                         <m:ctrlPr>
-                          <a:rPr lang="it-IT" b="0" i="1" smtClean="0">
+                          <a:rPr lang="it-IT" sz="1600" b="0" i="1" smtClean="0">
                             <a:latin typeface="Cambria Math" panose="02040503050406030204" pitchFamily="18" charset="0"/>
                           </a:rPr>
                         </m:ctrlPr>
                       </m:sSubPr>
                       <m:e>
                         <m:r>
-                          <a:rPr lang="it-IT" b="0" i="1" smtClean="0">
+                          <a:rPr lang="it-IT" sz="1600" b="0" i="1" smtClean="0">
                             <a:latin typeface="Cambria Math" panose="02040503050406030204" pitchFamily="18" charset="0"/>
                           </a:rPr>
                           <m:t>𝜔</m:t>
@@ -16448,7 +19175,7 @@
                       </m:e>
                       <m:sub>
                         <m:r>
-                          <a:rPr lang="it-IT" b="0" i="1" smtClean="0">
+                          <a:rPr lang="it-IT" sz="1600" b="0" i="1" smtClean="0">
                             <a:latin typeface="Cambria Math" panose="02040503050406030204" pitchFamily="18" charset="0"/>
                           </a:rPr>
                           <m:t>0</m:t>
@@ -16456,7 +19183,7 @@
                       </m:sub>
                     </m:sSub>
                     <m:r>
-                      <a:rPr lang="it-IT" b="0" i="1" smtClean="0">
+                      <a:rPr lang="it-IT" sz="1600" b="0" i="1" smtClean="0">
                         <a:latin typeface="Cambria Math" panose="02040503050406030204" pitchFamily="18" charset="0"/>
                       </a:rPr>
                       <m:t>+</m:t>
@@ -16464,14 +19191,14 @@
                     <m:sSub>
                       <m:sSubPr>
                         <m:ctrlPr>
-                          <a:rPr lang="it-IT" b="0" i="1" smtClean="0">
+                          <a:rPr lang="it-IT" sz="1600" b="0" i="1" smtClean="0">
                             <a:latin typeface="Cambria Math" panose="02040503050406030204" pitchFamily="18" charset="0"/>
                           </a:rPr>
                         </m:ctrlPr>
                       </m:sSubPr>
                       <m:e>
                         <m:r>
-                          <a:rPr lang="it-IT" b="0" i="1" smtClean="0">
+                          <a:rPr lang="it-IT" sz="1600" b="0" i="1" smtClean="0">
                             <a:latin typeface="Cambria Math" panose="02040503050406030204" pitchFamily="18" charset="0"/>
                           </a:rPr>
                           <m:t>𝜔</m:t>
@@ -16479,7 +19206,7 @@
                       </m:e>
                       <m:sub>
                         <m:r>
-                          <a:rPr lang="it-IT" b="0" i="1" smtClean="0">
+                          <a:rPr lang="it-IT" sz="1600" b="0" i="1" smtClean="0">
                             <a:latin typeface="Cambria Math" panose="02040503050406030204" pitchFamily="18" charset="0"/>
                           </a:rPr>
                           <m:t>1</m:t>
@@ -16489,14 +19216,14 @@
                     <m:sSub>
                       <m:sSubPr>
                         <m:ctrlPr>
-                          <a:rPr lang="it-IT" b="0" i="1" smtClean="0">
+                          <a:rPr lang="it-IT" sz="1600" b="0" i="1" smtClean="0">
                             <a:latin typeface="Cambria Math" panose="02040503050406030204" pitchFamily="18" charset="0"/>
                           </a:rPr>
                         </m:ctrlPr>
                       </m:sSubPr>
                       <m:e>
                         <m:r>
-                          <a:rPr lang="it-IT" b="0" i="1" smtClean="0">
+                          <a:rPr lang="it-IT" sz="1600" b="0" i="1" smtClean="0">
                             <a:latin typeface="Cambria Math" panose="02040503050406030204" pitchFamily="18" charset="0"/>
                           </a:rPr>
                           <m:t>𝑝</m:t>
@@ -16506,14 +19233,14 @@
                         <m:sSub>
                           <m:sSubPr>
                             <m:ctrlPr>
-                              <a:rPr lang="it-IT" b="0" i="1" smtClean="0">
+                              <a:rPr lang="it-IT" sz="1600" b="0" i="1" smtClean="0">
                                 <a:latin typeface="Cambria Math" panose="02040503050406030204" pitchFamily="18" charset="0"/>
                               </a:rPr>
                             </m:ctrlPr>
                           </m:sSubPr>
                           <m:e>
                             <m:r>
-                              <a:rPr lang="it-IT" b="0" i="1" smtClean="0">
+                              <a:rPr lang="it-IT" sz="1600" b="0" i="1" smtClean="0">
                                 <a:latin typeface="Cambria Math" panose="02040503050406030204" pitchFamily="18" charset="0"/>
                               </a:rPr>
                               <m:t>𝑡</m:t>
@@ -16521,19 +19248,19 @@
                           </m:e>
                           <m:sub>
                             <m:r>
-                              <a:rPr lang="it-IT" b="0" i="1" smtClean="0">
+                              <a:rPr lang="it-IT" sz="1600" b="0" i="1" smtClean="0">
                                 <a:latin typeface="Cambria Math" panose="02040503050406030204" pitchFamily="18" charset="0"/>
                               </a:rPr>
                               <m:t>𝐴𝐴𝑃𝐿</m:t>
                             </m:r>
                             <m:r>
-                              <a:rPr lang="it-IT" b="0" i="1" smtClean="0">
+                              <a:rPr lang="it-IT" sz="1600" b="0" i="1" smtClean="0">
                                 <a:latin typeface="Cambria Math" panose="02040503050406030204" pitchFamily="18" charset="0"/>
                               </a:rPr>
                               <m:t>.</m:t>
                             </m:r>
                             <m:r>
-                              <a:rPr lang="it-IT" b="0" i="1" smtClean="0">
+                              <a:rPr lang="it-IT" sz="1600" b="0" i="1" smtClean="0">
                                 <a:latin typeface="Cambria Math" panose="02040503050406030204" pitchFamily="18" charset="0"/>
                               </a:rPr>
                               <m:t>𝑂</m:t>
@@ -16543,7 +19270,7 @@
                       </m:sub>
                     </m:sSub>
                     <m:r>
-                      <a:rPr lang="it-IT" b="0" i="1" smtClean="0">
+                      <a:rPr lang="it-IT" sz="1600" b="0" i="1" smtClean="0">
                         <a:latin typeface="Cambria Math" panose="02040503050406030204" pitchFamily="18" charset="0"/>
                       </a:rPr>
                       <m:t>+</m:t>
@@ -16551,14 +19278,14 @@
                     <m:sSub>
                       <m:sSubPr>
                         <m:ctrlPr>
-                          <a:rPr lang="it-IT" b="0" i="1" smtClean="0">
+                          <a:rPr lang="it-IT" sz="1600" b="0" i="1" smtClean="0">
                             <a:latin typeface="Cambria Math" panose="02040503050406030204" pitchFamily="18" charset="0"/>
                           </a:rPr>
                         </m:ctrlPr>
                       </m:sSubPr>
                       <m:e>
                         <m:r>
-                          <a:rPr lang="it-IT" b="0" i="1" smtClean="0">
+                          <a:rPr lang="it-IT" sz="1600" b="0" i="1" smtClean="0">
                             <a:latin typeface="Cambria Math" panose="02040503050406030204" pitchFamily="18" charset="0"/>
                           </a:rPr>
                           <m:t>𝜔</m:t>
@@ -16566,7 +19293,7 @@
                       </m:e>
                       <m:sub>
                         <m:r>
-                          <a:rPr lang="it-IT" b="0" i="1" smtClean="0">
+                          <a:rPr lang="it-IT" sz="1600" b="0" i="1" smtClean="0">
                             <a:latin typeface="Cambria Math" panose="02040503050406030204" pitchFamily="18" charset="0"/>
                           </a:rPr>
                           <m:t>2</m:t>
@@ -16576,14 +19303,14 @@
                     <m:sSub>
                       <m:sSubPr>
                         <m:ctrlPr>
-                          <a:rPr lang="it-IT" b="0" i="1" smtClean="0">
+                          <a:rPr lang="it-IT" sz="1600" b="0" i="1" smtClean="0">
                             <a:latin typeface="Cambria Math" panose="02040503050406030204" pitchFamily="18" charset="0"/>
                           </a:rPr>
                         </m:ctrlPr>
                       </m:sSubPr>
                       <m:e>
                         <m:r>
-                          <a:rPr lang="it-IT" b="0" i="1" smtClean="0">
+                          <a:rPr lang="it-IT" sz="1600" b="0" i="1" smtClean="0">
                             <a:latin typeface="Cambria Math" panose="02040503050406030204" pitchFamily="18" charset="0"/>
                           </a:rPr>
                           <m:t>𝑝</m:t>
@@ -16593,14 +19320,14 @@
                         <m:sSub>
                           <m:sSubPr>
                             <m:ctrlPr>
-                              <a:rPr lang="it-IT" b="0" i="1" smtClean="0">
+                              <a:rPr lang="it-IT" sz="1600" b="0" i="1" smtClean="0">
                                 <a:latin typeface="Cambria Math" panose="02040503050406030204" pitchFamily="18" charset="0"/>
                               </a:rPr>
                             </m:ctrlPr>
                           </m:sSubPr>
                           <m:e>
                             <m:r>
-                              <a:rPr lang="it-IT" b="0" i="1" smtClean="0">
+                              <a:rPr lang="it-IT" sz="1600" b="0" i="1" smtClean="0">
                                 <a:latin typeface="Cambria Math" panose="02040503050406030204" pitchFamily="18" charset="0"/>
                               </a:rPr>
                               <m:t>𝑡</m:t>
@@ -16608,7 +19335,7 @@
                           </m:e>
                           <m:sub>
                             <m:r>
-                              <a:rPr lang="it-IT" b="0" i="1" smtClean="0">
+                              <a:rPr lang="it-IT" sz="1600" b="0" i="1" smtClean="0">
                                 <a:latin typeface="Cambria Math" panose="02040503050406030204" pitchFamily="18" charset="0"/>
                               </a:rPr>
                               <m:t>𝑆𝑃𝑋</m:t>
@@ -16618,7 +19345,7 @@
                       </m:sub>
                     </m:sSub>
                     <m:r>
-                      <a:rPr lang="it-IT" b="0" i="1" smtClean="0">
+                      <a:rPr lang="it-IT" sz="1600" b="0" i="1" smtClean="0">
                         <a:latin typeface="Cambria Math" panose="02040503050406030204" pitchFamily="18" charset="0"/>
                       </a:rPr>
                       <m:t>+</m:t>
@@ -16626,14 +19353,14 @@
                     <m:sSub>
                       <m:sSubPr>
                         <m:ctrlPr>
-                          <a:rPr lang="it-IT" b="0" i="1" smtClean="0">
+                          <a:rPr lang="it-IT" sz="1600" b="0" i="1" smtClean="0">
                             <a:latin typeface="Cambria Math" panose="02040503050406030204" pitchFamily="18" charset="0"/>
                           </a:rPr>
                         </m:ctrlPr>
                       </m:sSubPr>
                       <m:e>
                         <m:r>
-                          <a:rPr lang="it-IT" b="0" i="1" smtClean="0">
+                          <a:rPr lang="it-IT" sz="1600" b="0" i="1" smtClean="0">
                             <a:latin typeface="Cambria Math" panose="02040503050406030204" pitchFamily="18" charset="0"/>
                           </a:rPr>
                           <m:t>𝜔</m:t>
@@ -16641,7 +19368,7 @@
                       </m:e>
                       <m:sub>
                         <m:r>
-                          <a:rPr lang="it-IT" b="0" i="1" smtClean="0">
+                          <a:rPr lang="it-IT" sz="1600" b="0" i="1" smtClean="0">
                             <a:latin typeface="Cambria Math" panose="02040503050406030204" pitchFamily="18" charset="0"/>
                           </a:rPr>
                           <m:t>3</m:t>
@@ -16651,14 +19378,14 @@
                     <m:sSub>
                       <m:sSubPr>
                         <m:ctrlPr>
-                          <a:rPr lang="it-IT" b="0" i="1" smtClean="0">
+                          <a:rPr lang="it-IT" sz="1600" b="0" i="1" smtClean="0">
                             <a:latin typeface="Cambria Math" panose="02040503050406030204" pitchFamily="18" charset="0"/>
                           </a:rPr>
                         </m:ctrlPr>
                       </m:sSubPr>
                       <m:e>
                         <m:r>
-                          <a:rPr lang="it-IT" b="0" i="1" smtClean="0">
+                          <a:rPr lang="it-IT" sz="1600" b="0" i="1" smtClean="0">
                             <a:latin typeface="Cambria Math" panose="02040503050406030204" pitchFamily="18" charset="0"/>
                           </a:rPr>
                           <m:t>𝑠</m:t>
@@ -16668,14 +19395,14 @@
                         <m:sSub>
                           <m:sSubPr>
                             <m:ctrlPr>
-                              <a:rPr lang="it-IT" b="0" i="1" smtClean="0">
+                              <a:rPr lang="it-IT" sz="1600" b="0" i="1" smtClean="0">
                                 <a:latin typeface="Cambria Math" panose="02040503050406030204" pitchFamily="18" charset="0"/>
                               </a:rPr>
                             </m:ctrlPr>
                           </m:sSubPr>
                           <m:e>
                             <m:r>
-                              <a:rPr lang="it-IT" b="0" i="1" smtClean="0">
+                              <a:rPr lang="it-IT" sz="1600" b="0" i="1" smtClean="0">
                                 <a:latin typeface="Cambria Math" panose="02040503050406030204" pitchFamily="18" charset="0"/>
                               </a:rPr>
                               <m:t>𝑡</m:t>
@@ -16683,19 +19410,19 @@
                           </m:e>
                           <m:sub>
                             <m:r>
-                              <a:rPr lang="it-IT" b="0" i="1" smtClean="0">
+                              <a:rPr lang="it-IT" sz="1600" b="0" i="1" smtClean="0">
                                 <a:latin typeface="Cambria Math" panose="02040503050406030204" pitchFamily="18" charset="0"/>
                               </a:rPr>
                               <m:t>𝐴𝐴𝑃𝐿</m:t>
                             </m:r>
                             <m:r>
-                              <a:rPr lang="it-IT" b="0" i="1" smtClean="0">
+                              <a:rPr lang="it-IT" sz="1600" b="0" i="1" smtClean="0">
                                 <a:latin typeface="Cambria Math" panose="02040503050406030204" pitchFamily="18" charset="0"/>
                               </a:rPr>
                               <m:t>.</m:t>
                             </m:r>
                             <m:r>
-                              <a:rPr lang="it-IT" b="0" i="1" smtClean="0">
+                              <a:rPr lang="it-IT" sz="1600" b="0" i="1" smtClean="0">
                                 <a:latin typeface="Cambria Math" panose="02040503050406030204" pitchFamily="18" charset="0"/>
                               </a:rPr>
                               <m:t>𝑂</m:t>
@@ -16705,7 +19432,7 @@
                       </m:sub>
                     </m:sSub>
                     <m:r>
-                      <a:rPr lang="it-IT" b="0" i="1" smtClean="0">
+                      <a:rPr lang="it-IT" sz="1600" b="0" i="1" smtClean="0">
                         <a:latin typeface="Cambria Math" panose="02040503050406030204" pitchFamily="18" charset="0"/>
                       </a:rPr>
                       <m:t>+</m:t>
@@ -16713,14 +19440,14 @@
                     <m:sSub>
                       <m:sSubPr>
                         <m:ctrlPr>
-                          <a:rPr lang="it-IT" b="0" i="1" smtClean="0">
+                          <a:rPr lang="it-IT" sz="1600" b="0" i="1" smtClean="0">
                             <a:latin typeface="Cambria Math" panose="02040503050406030204" pitchFamily="18" charset="0"/>
                           </a:rPr>
                         </m:ctrlPr>
                       </m:sSubPr>
                       <m:e>
                         <m:r>
-                          <a:rPr lang="it-IT" b="0" i="1" smtClean="0">
+                          <a:rPr lang="it-IT" sz="1600" b="0" i="1" smtClean="0">
                             <a:latin typeface="Cambria Math" panose="02040503050406030204" pitchFamily="18" charset="0"/>
                           </a:rPr>
                           <m:t>𝜔</m:t>
@@ -16728,7 +19455,7 @@
                       </m:e>
                       <m:sub>
                         <m:r>
-                          <a:rPr lang="it-IT" b="0" i="1" smtClean="0">
+                          <a:rPr lang="it-IT" sz="1600" b="0" i="1" smtClean="0">
                             <a:latin typeface="Cambria Math" panose="02040503050406030204" pitchFamily="18" charset="0"/>
                           </a:rPr>
                           <m:t>4</m:t>
@@ -16738,14 +19465,14 @@
                     <m:sSub>
                       <m:sSubPr>
                         <m:ctrlPr>
-                          <a:rPr lang="it-IT" b="0" i="1" smtClean="0">
+                          <a:rPr lang="it-IT" sz="1600" b="0" i="1" smtClean="0">
                             <a:latin typeface="Cambria Math" panose="02040503050406030204" pitchFamily="18" charset="0"/>
                           </a:rPr>
                         </m:ctrlPr>
                       </m:sSubPr>
                       <m:e>
                         <m:r>
-                          <a:rPr lang="it-IT" b="0" i="1" smtClean="0">
+                          <a:rPr lang="it-IT" sz="1600" b="0" i="1" smtClean="0">
                             <a:latin typeface="Cambria Math" panose="02040503050406030204" pitchFamily="18" charset="0"/>
                           </a:rPr>
                           <m:t>𝑠</m:t>
@@ -16755,14 +19482,14 @@
                         <m:sSub>
                           <m:sSubPr>
                             <m:ctrlPr>
-                              <a:rPr lang="it-IT" b="0" i="1" smtClean="0">
+                              <a:rPr lang="it-IT" sz="1600" b="0" i="1" smtClean="0">
                                 <a:latin typeface="Cambria Math" panose="02040503050406030204" pitchFamily="18" charset="0"/>
                               </a:rPr>
                             </m:ctrlPr>
                           </m:sSubPr>
                           <m:e>
                             <m:r>
-                              <a:rPr lang="it-IT" b="0" i="1" smtClean="0">
+                              <a:rPr lang="it-IT" sz="1600" b="0" i="1" smtClean="0">
                                 <a:latin typeface="Cambria Math" panose="02040503050406030204" pitchFamily="18" charset="0"/>
                               </a:rPr>
                               <m:t>𝑡</m:t>
@@ -16770,7 +19497,7 @@
                           </m:e>
                           <m:sub>
                             <m:r>
-                              <a:rPr lang="it-IT" b="0" i="1" smtClean="0">
+                              <a:rPr lang="it-IT" sz="1600" b="0" i="1" smtClean="0">
                                 <a:latin typeface="Cambria Math" panose="02040503050406030204" pitchFamily="18" charset="0"/>
                               </a:rPr>
                               <m:t>𝑆𝑃𝑋</m:t>
@@ -16781,18 +19508,18 @@
                     </m:sSub>
                   </m:oMath>
                 </a14:m>
-                <a:endParaRPr lang="it-IT" dirty="0">
+                <a:endParaRPr lang="it-IT" sz="1600" dirty="0">
                   <a:latin typeface="Bahnschrift" panose="020B0502040204020203" pitchFamily="34" charset="0"/>
                 </a:endParaRPr>
               </a:p>
               <a:p>
-                <a:endParaRPr lang="it-IT" dirty="0">
+                <a:endParaRPr lang="it-IT" sz="1600" dirty="0">
                   <a:latin typeface="Bahnschrift" panose="020B0502040204020203" pitchFamily="34" charset="0"/>
                 </a:endParaRPr>
               </a:p>
               <a:p>
                 <a:r>
-                  <a:rPr lang="it-IT" dirty="0">
+                  <a:rPr lang="it-IT" sz="1600" dirty="0">
                     <a:solidFill>
                       <a:schemeClr val="bg1">
                         <a:lumMod val="65000"/>
@@ -16803,7 +19530,7 @@
                   <a:t>Where the </a:t>
                 </a:r>
                 <a:r>
-                  <a:rPr lang="it-IT" i="1" dirty="0">
+                  <a:rPr lang="it-IT" sz="1600" i="1" dirty="0">
                     <a:solidFill>
                       <a:schemeClr val="bg1">
                         <a:lumMod val="65000"/>
@@ -16814,7 +19541,7 @@
                   <a:t>omegas</a:t>
                 </a:r>
                 <a:r>
-                  <a:rPr lang="it-IT" dirty="0">
+                  <a:rPr lang="it-IT" sz="1600" dirty="0">
                     <a:solidFill>
                       <a:schemeClr val="bg1">
                         <a:lumMod val="65000"/>
@@ -16825,7 +19552,7 @@
                   <a:t> are the weights, </a:t>
                 </a:r>
                 <a:r>
-                  <a:rPr lang="it-IT" i="1" dirty="0">
+                  <a:rPr lang="it-IT" sz="1600" i="1" dirty="0">
                     <a:solidFill>
                       <a:schemeClr val="bg1">
                         <a:lumMod val="65000"/>
@@ -16836,7 +19563,7 @@
                   <a:t>p</a:t>
                 </a:r>
                 <a:r>
-                  <a:rPr lang="it-IT" dirty="0">
+                  <a:rPr lang="it-IT" sz="1600" dirty="0">
                     <a:solidFill>
                       <a:schemeClr val="bg1">
                         <a:lumMod val="65000"/>
@@ -16847,7 +19574,7 @@
                   <a:t> are the prices and </a:t>
                 </a:r>
                 <a:r>
-                  <a:rPr lang="it-IT" i="1" dirty="0">
+                  <a:rPr lang="it-IT" sz="1600" i="1" dirty="0">
                     <a:solidFill>
                       <a:schemeClr val="bg1">
                         <a:lumMod val="65000"/>
@@ -16858,7 +19585,7 @@
                   <a:t>s</a:t>
                 </a:r>
                 <a:r>
-                  <a:rPr lang="it-IT" dirty="0">
+                  <a:rPr lang="it-IT" sz="1600" dirty="0">
                     <a:solidFill>
                       <a:schemeClr val="bg1">
                         <a:lumMod val="65000"/>
@@ -16871,7 +19598,7 @@
               </a:p>
               <a:p>
                 <a:r>
-                  <a:rPr lang="it-IT" dirty="0">
+                  <a:rPr lang="it-IT" sz="1600" dirty="0">
                     <a:solidFill>
                       <a:schemeClr val="bg1">
                         <a:lumMod val="65000"/>
@@ -16906,7 +19633,7 @@
               <a:blipFill>
                 <a:blip r:embed="rId2"/>
                 <a:stretch>
-                  <a:fillRect l="-606" t="-1667"/>
+                  <a:fillRect l="-303" t="-1061" r="-303"/>
                 </a:stretch>
               </a:blipFill>
             </p:spPr>
@@ -17066,11 +19793,13 @@
         </p:nvSpPr>
         <p:spPr/>
         <p:txBody>
-          <a:bodyPr/>
+          <a:bodyPr>
+            <a:normAutofit/>
+          </a:bodyPr>
           <a:lstStyle/>
           <a:p>
             <a:r>
-              <a:rPr lang="en-US" b="0" dirty="0">
+              <a:rPr lang="en-US" sz="1600" b="0" dirty="0">
                 <a:solidFill>
                   <a:schemeClr val="bg1">
                     <a:lumMod val="65000"/>
@@ -17082,7 +19811,7 @@
               <a:t>Visualizing </a:t>
             </a:r>
             <a:r>
-              <a:rPr lang="en-US" b="1" dirty="0">
+              <a:rPr lang="en-US" sz="1600" b="1" dirty="0">
                 <a:solidFill>
                   <a:schemeClr val="bg1">
                     <a:lumMod val="65000"/>
@@ -17094,7 +19823,7 @@
               <a:t>ideal </a:t>
             </a:r>
             <a:r>
-              <a:rPr lang="en-US" b="0" dirty="0">
+              <a:rPr lang="en-US" sz="1600" b="0" dirty="0">
                 <a:solidFill>
                   <a:schemeClr val="bg1">
                     <a:lumMod val="65000"/>
@@ -17107,7 +19836,7 @@
             </a:r>
           </a:p>
           <a:p>
-            <a:endParaRPr lang="it-IT" dirty="0">
+            <a:endParaRPr lang="it-IT" sz="1600" dirty="0">
               <a:latin typeface="Bahnschrift" panose="020B0502040204020203" pitchFamily="34" charset="0"/>
             </a:endParaRPr>
           </a:p>
@@ -17298,14 +20027,14 @@
                     <m:sSub>
                       <m:sSubPr>
                         <m:ctrlPr>
-                          <a:rPr lang="it-IT" sz="1500" b="0" i="1" smtClean="0">
+                          <a:rPr lang="it-IT" sz="1600" b="0" i="1" smtClean="0">
                             <a:latin typeface="Cambria Math" panose="02040503050406030204" pitchFamily="18" charset="0"/>
                           </a:rPr>
                         </m:ctrlPr>
                       </m:sSubPr>
                       <m:e>
                         <m:r>
-                          <a:rPr lang="it-IT" sz="1500" b="0" i="1" smtClean="0">
+                          <a:rPr lang="it-IT" sz="1600" b="0" i="1" smtClean="0">
                             <a:latin typeface="Cambria Math" panose="02040503050406030204" pitchFamily="18" charset="0"/>
                           </a:rPr>
                           <m:t>𝑝</m:t>
@@ -17313,13 +20042,13 @@
                       </m:e>
                       <m:sub>
                         <m:r>
-                          <a:rPr lang="it-IT" sz="1500" b="0" i="1" smtClean="0">
+                          <a:rPr lang="it-IT" sz="1600" b="0" i="1" smtClean="0">
                             <a:latin typeface="Cambria Math" panose="02040503050406030204" pitchFamily="18" charset="0"/>
                           </a:rPr>
                           <m:t>𝑡</m:t>
                         </m:r>
                         <m:r>
-                          <a:rPr lang="it-IT" sz="1500" b="0" i="1" smtClean="0">
+                          <a:rPr lang="it-IT" sz="1600" b="0" i="1" smtClean="0">
                             <a:latin typeface="Cambria Math" panose="02040503050406030204" pitchFamily="18" charset="0"/>
                           </a:rPr>
                           <m:t>+</m:t>
@@ -17327,14 +20056,14 @@
                         <m:sSub>
                           <m:sSubPr>
                             <m:ctrlPr>
-                              <a:rPr lang="it-IT" sz="1500" b="0" i="1" smtClean="0">
+                              <a:rPr lang="it-IT" sz="1600" b="0" i="1" smtClean="0">
                                 <a:latin typeface="Cambria Math" panose="02040503050406030204" pitchFamily="18" charset="0"/>
                               </a:rPr>
                             </m:ctrlPr>
                           </m:sSubPr>
                           <m:e>
                             <m:r>
-                              <a:rPr lang="it-IT" sz="1500" b="0" i="1" smtClean="0">
+                              <a:rPr lang="it-IT" sz="1600" b="0" i="1" smtClean="0">
                                 <a:latin typeface="Cambria Math" panose="02040503050406030204" pitchFamily="18" charset="0"/>
                               </a:rPr>
                               <m:t>1</m:t>
@@ -17342,25 +20071,25 @@
                           </m:e>
                           <m:sub>
                             <m:r>
-                              <a:rPr lang="it-IT" sz="1500" b="0" i="1" smtClean="0">
+                              <a:rPr lang="it-IT" sz="1600" b="0" i="1" smtClean="0">
                                 <a:latin typeface="Cambria Math" panose="02040503050406030204" pitchFamily="18" charset="0"/>
                               </a:rPr>
                               <m:t>𝐴𝐴𝑃𝐹</m:t>
                             </m:r>
                             <m:r>
-                              <a:rPr lang="it-IT" sz="1500" b="0" i="1" smtClean="0">
+                              <a:rPr lang="it-IT" sz="1600" b="0" i="1" smtClean="0">
                                 <a:latin typeface="Cambria Math" panose="02040503050406030204" pitchFamily="18" charset="0"/>
                               </a:rPr>
                               <m:t>3</m:t>
                             </m:r>
                             <m:r>
-                              <a:rPr lang="it-IT" sz="1500" b="0" i="1" smtClean="0">
+                              <a:rPr lang="it-IT" sz="1600" b="0" i="1" smtClean="0">
                                 <a:latin typeface="Cambria Math" panose="02040503050406030204" pitchFamily="18" charset="0"/>
                               </a:rPr>
                               <m:t>𝑁</m:t>
                             </m:r>
                             <m:r>
-                              <a:rPr lang="it-IT" sz="1500" b="0" i="1" smtClean="0">
+                              <a:rPr lang="it-IT" sz="1600" b="0" i="1" smtClean="0">
                                 <a:latin typeface="Cambria Math" panose="02040503050406030204" pitchFamily="18" charset="0"/>
                               </a:rPr>
                               <m:t>3</m:t>
@@ -17370,7 +20099,7 @@
                       </m:sub>
                     </m:sSub>
                     <m:r>
-                      <a:rPr lang="it-IT" sz="1500" b="0" i="1" smtClean="0">
+                      <a:rPr lang="it-IT" sz="1600" b="0" i="1" smtClean="0">
                         <a:latin typeface="Cambria Math" panose="02040503050406030204" pitchFamily="18" charset="0"/>
                       </a:rPr>
                       <m:t>=</m:t>
@@ -17378,14 +20107,14 @@
                     <m:sSub>
                       <m:sSubPr>
                         <m:ctrlPr>
-                          <a:rPr lang="it-IT" sz="1500" b="0" i="1" smtClean="0">
+                          <a:rPr lang="it-IT" sz="1600" b="0" i="1" smtClean="0">
                             <a:latin typeface="Cambria Math" panose="02040503050406030204" pitchFamily="18" charset="0"/>
                           </a:rPr>
                         </m:ctrlPr>
                       </m:sSubPr>
                       <m:e>
                         <m:r>
-                          <a:rPr lang="it-IT" sz="1500" b="0" i="1" smtClean="0">
+                          <a:rPr lang="it-IT" sz="1600" b="0" i="1" smtClean="0">
                             <a:latin typeface="Cambria Math" panose="02040503050406030204" pitchFamily="18" charset="0"/>
                           </a:rPr>
                           <m:t>𝜔</m:t>
@@ -17393,7 +20122,7 @@
                       </m:e>
                       <m:sub>
                         <m:r>
-                          <a:rPr lang="it-IT" sz="1500" b="0" i="1" smtClean="0">
+                          <a:rPr lang="it-IT" sz="1600" b="0" i="1" smtClean="0">
                             <a:latin typeface="Cambria Math" panose="02040503050406030204" pitchFamily="18" charset="0"/>
                           </a:rPr>
                           <m:t>0</m:t>
@@ -17401,7 +20130,7 @@
                       </m:sub>
                     </m:sSub>
                     <m:r>
-                      <a:rPr lang="it-IT" sz="1500" b="0" i="1" smtClean="0">
+                      <a:rPr lang="it-IT" sz="1600" b="0" i="1" smtClean="0">
                         <a:latin typeface="Cambria Math" panose="02040503050406030204" pitchFamily="18" charset="0"/>
                       </a:rPr>
                       <m:t>+</m:t>
@@ -17409,14 +20138,14 @@
                     <m:sSub>
                       <m:sSubPr>
                         <m:ctrlPr>
-                          <a:rPr lang="it-IT" sz="1500" b="0" i="1" smtClean="0">
+                          <a:rPr lang="it-IT" sz="1600" b="0" i="1" smtClean="0">
                             <a:latin typeface="Cambria Math" panose="02040503050406030204" pitchFamily="18" charset="0"/>
                           </a:rPr>
                         </m:ctrlPr>
                       </m:sSubPr>
                       <m:e>
                         <m:r>
-                          <a:rPr lang="it-IT" sz="1500" b="0" i="1" smtClean="0">
+                          <a:rPr lang="it-IT" sz="1600" b="0" i="1" smtClean="0">
                             <a:latin typeface="Cambria Math" panose="02040503050406030204" pitchFamily="18" charset="0"/>
                           </a:rPr>
                           <m:t>𝜔</m:t>
@@ -17424,7 +20153,7 @@
                       </m:e>
                       <m:sub>
                         <m:r>
-                          <a:rPr lang="it-IT" sz="1500" b="0" i="1" smtClean="0">
+                          <a:rPr lang="it-IT" sz="1600" b="0" i="1" smtClean="0">
                             <a:latin typeface="Cambria Math" panose="02040503050406030204" pitchFamily="18" charset="0"/>
                           </a:rPr>
                           <m:t>1</m:t>
@@ -17434,14 +20163,14 @@
                     <m:sSub>
                       <m:sSubPr>
                         <m:ctrlPr>
-                          <a:rPr lang="it-IT" sz="1500" b="0" i="1" smtClean="0">
+                          <a:rPr lang="it-IT" sz="1600" b="0" i="1" smtClean="0">
                             <a:latin typeface="Cambria Math" panose="02040503050406030204" pitchFamily="18" charset="0"/>
                           </a:rPr>
                         </m:ctrlPr>
                       </m:sSubPr>
                       <m:e>
                         <m:r>
-                          <a:rPr lang="it-IT" sz="1500" b="0" i="1" smtClean="0">
+                          <a:rPr lang="it-IT" sz="1600" b="0" i="1" smtClean="0">
                             <a:latin typeface="Cambria Math" panose="02040503050406030204" pitchFamily="18" charset="0"/>
                           </a:rPr>
                           <m:t>𝑝</m:t>
@@ -17451,14 +20180,14 @@
                         <m:sSub>
                           <m:sSubPr>
                             <m:ctrlPr>
-                              <a:rPr lang="it-IT" sz="1500" b="0" i="1" smtClean="0">
+                              <a:rPr lang="it-IT" sz="1600" b="0" i="1" smtClean="0">
                                 <a:latin typeface="Cambria Math" panose="02040503050406030204" pitchFamily="18" charset="0"/>
                               </a:rPr>
                             </m:ctrlPr>
                           </m:sSubPr>
                           <m:e>
                             <m:r>
-                              <a:rPr lang="it-IT" sz="1500" b="0" i="1" smtClean="0">
+                              <a:rPr lang="it-IT" sz="1600" b="0" i="1" smtClean="0">
                                 <a:latin typeface="Cambria Math" panose="02040503050406030204" pitchFamily="18" charset="0"/>
                               </a:rPr>
                               <m:t>𝑡</m:t>
@@ -17466,19 +20195,19 @@
                           </m:e>
                           <m:sub>
                             <m:r>
-                              <a:rPr lang="it-IT" sz="1500" b="0" i="1" smtClean="0">
+                              <a:rPr lang="it-IT" sz="1600" b="0" i="1" smtClean="0">
                                 <a:latin typeface="Cambria Math" panose="02040503050406030204" pitchFamily="18" charset="0"/>
                               </a:rPr>
                               <m:t>𝐴𝐴𝑃𝐿</m:t>
                             </m:r>
                             <m:r>
-                              <a:rPr lang="it-IT" sz="1500" b="0" i="1" smtClean="0">
+                              <a:rPr lang="it-IT" sz="1600" b="0" i="1" smtClean="0">
                                 <a:latin typeface="Cambria Math" panose="02040503050406030204" pitchFamily="18" charset="0"/>
                               </a:rPr>
                               <m:t>.</m:t>
                             </m:r>
                             <m:r>
-                              <a:rPr lang="it-IT" sz="1500" b="0" i="1" smtClean="0">
+                              <a:rPr lang="it-IT" sz="1600" b="0" i="1" smtClean="0">
                                 <a:latin typeface="Cambria Math" panose="02040503050406030204" pitchFamily="18" charset="0"/>
                               </a:rPr>
                               <m:t>𝑂</m:t>
@@ -17488,7 +20217,7 @@
                       </m:sub>
                     </m:sSub>
                     <m:r>
-                      <a:rPr lang="it-IT" sz="1500" b="0" i="1" smtClean="0">
+                      <a:rPr lang="it-IT" sz="1600" b="0" i="1" smtClean="0">
                         <a:latin typeface="Cambria Math" panose="02040503050406030204" pitchFamily="18" charset="0"/>
                       </a:rPr>
                       <m:t>+</m:t>
@@ -17496,14 +20225,14 @@
                     <m:sSub>
                       <m:sSubPr>
                         <m:ctrlPr>
-                          <a:rPr lang="it-IT" sz="1500" b="0" i="1" smtClean="0">
+                          <a:rPr lang="it-IT" sz="1600" b="0" i="1" smtClean="0">
                             <a:latin typeface="Cambria Math" panose="02040503050406030204" pitchFamily="18" charset="0"/>
                           </a:rPr>
                         </m:ctrlPr>
                       </m:sSubPr>
                       <m:e>
                         <m:r>
-                          <a:rPr lang="it-IT" sz="1500" b="0" i="1" smtClean="0">
+                          <a:rPr lang="it-IT" sz="1600" b="0" i="1" smtClean="0">
                             <a:latin typeface="Cambria Math" panose="02040503050406030204" pitchFamily="18" charset="0"/>
                           </a:rPr>
                           <m:t>𝜔</m:t>
@@ -17511,7 +20240,7 @@
                       </m:e>
                       <m:sub>
                         <m:r>
-                          <a:rPr lang="it-IT" sz="1500" b="0" i="1" smtClean="0">
+                          <a:rPr lang="it-IT" sz="1600" b="0" i="1" smtClean="0">
                             <a:latin typeface="Cambria Math" panose="02040503050406030204" pitchFamily="18" charset="0"/>
                           </a:rPr>
                           <m:t>2</m:t>
@@ -17519,7 +20248,7 @@
                       </m:sub>
                     </m:sSub>
                     <m:r>
-                      <a:rPr lang="it-IT" sz="1500" b="0" i="1" smtClean="0">
+                      <a:rPr lang="it-IT" sz="1600" b="0" i="1" smtClean="0">
                         <a:latin typeface="Cambria Math" panose="02040503050406030204" pitchFamily="18" charset="0"/>
                       </a:rPr>
                       <m:t>𝑆𝑃𝑅𝐸𝐴</m:t>
@@ -17527,14 +20256,14 @@
                     <m:sSub>
                       <m:sSubPr>
                         <m:ctrlPr>
-                          <a:rPr lang="it-IT" sz="1500" b="0" i="1" smtClean="0">
+                          <a:rPr lang="it-IT" sz="1600" b="0" i="1" smtClean="0">
                             <a:latin typeface="Cambria Math" panose="02040503050406030204" pitchFamily="18" charset="0"/>
                           </a:rPr>
                         </m:ctrlPr>
                       </m:sSubPr>
                       <m:e>
                         <m:r>
-                          <a:rPr lang="it-IT" sz="1500" b="0" i="1" smtClean="0">
+                          <a:rPr lang="it-IT" sz="1600" b="0" i="1" smtClean="0">
                             <a:latin typeface="Cambria Math" panose="02040503050406030204" pitchFamily="18" charset="0"/>
                           </a:rPr>
                           <m:t>𝐷</m:t>
@@ -17542,7 +20271,7 @@
                       </m:e>
                       <m:sub>
                         <m:r>
-                          <a:rPr lang="it-IT" sz="1500" b="0" i="1" smtClean="0">
+                          <a:rPr lang="it-IT" sz="1600" b="0" i="1" smtClean="0">
                             <a:latin typeface="Cambria Math" panose="02040503050406030204" pitchFamily="18" charset="0"/>
                           </a:rPr>
                           <m:t>𝑡</m:t>
@@ -17551,13 +20280,13 @@
                     </m:sSub>
                   </m:oMath>
                 </a14:m>
-                <a:endParaRPr lang="it-IT" sz="1500" dirty="0">
+                <a:endParaRPr lang="it-IT" sz="1600" dirty="0">
                   <a:latin typeface="Bahnschrift" panose="020B0502040204020203" pitchFamily="34" charset="0"/>
                 </a:endParaRPr>
               </a:p>
               <a:p>
                 <a:r>
-                  <a:rPr lang="en-US" sz="1500" b="0" dirty="0">
+                  <a:rPr lang="en-US" sz="1600" b="0" dirty="0">
                     <a:effectLst/>
                     <a:latin typeface="Bahnschrift" panose="020B0502040204020203" pitchFamily="34" charset="0"/>
                   </a:rPr>
@@ -17565,12 +20294,12 @@
                 </a:r>
               </a:p>
               <a:p>
-                <a:endParaRPr lang="it-IT" sz="1500" dirty="0">
+                <a:endParaRPr lang="it-IT" sz="1300" dirty="0">
                   <a:latin typeface="Bahnschrift" panose="020B0502040204020203" pitchFamily="34" charset="0"/>
                 </a:endParaRPr>
               </a:p>
               <a:p>
-                <a:endParaRPr lang="it-IT" sz="1500" dirty="0">
+                <a:endParaRPr lang="it-IT" sz="1300" dirty="0">
                   <a:latin typeface="Bahnschrift" panose="020B0502040204020203" pitchFamily="34" charset="0"/>
                 </a:endParaRPr>
               </a:p>
@@ -17602,7 +20331,7 @@
               <a:blipFill>
                 <a:blip r:embed="rId2"/>
                 <a:stretch>
-                  <a:fillRect l="-382"/>
+                  <a:fillRect l="-477" r="-1908"/>
                 </a:stretch>
               </a:blipFill>
             </p:spPr>
@@ -17700,7 +20429,7 @@
         </p:blipFill>
         <p:spPr>
           <a:xfrm>
-            <a:off x="3384199" y="3204857"/>
+            <a:off x="3393076" y="3503077"/>
             <a:ext cx="3048592" cy="2474391"/>
           </a:xfrm>
           <a:prstGeom prst="rect">
@@ -17730,7 +20459,7 @@
         </p:blipFill>
         <p:spPr>
           <a:xfrm>
-            <a:off x="7639600" y="2044534"/>
+            <a:off x="7639600" y="2243335"/>
             <a:ext cx="3572883" cy="3625759"/>
           </a:xfrm>
           <a:prstGeom prst="rect">
@@ -17913,7 +20642,7 @@
         <p:spPr>
           <a:xfrm>
             <a:off x="6970881" y="5026134"/>
-            <a:ext cx="3868754" cy="830997"/>
+            <a:ext cx="3868754" cy="892552"/>
           </a:xfrm>
           <a:prstGeom prst="rect">
             <a:avLst/>
@@ -17927,83 +20656,75 @@
           <a:lstStyle/>
           <a:p>
             <a:r>
-              <a:rPr lang="en-US" sz="1200" b="0" i="0" dirty="0">
+              <a:rPr lang="en-US" sz="1300" b="0" i="0" dirty="0">
                 <a:solidFill>
                   <a:srgbClr val="3B3B3B"/>
                 </a:solidFill>
                 <a:effectLst/>
-                <a:latin typeface="Consolas" panose="020B0609020204030204" pitchFamily="49" charset="0"/>
+                <a:latin typeface="Bahnschrift" panose="020B0502040204020203" pitchFamily="34" charset="0"/>
               </a:rPr>
               <a:t>Single value prediction:</a:t>
             </a:r>
             <a:br>
-              <a:rPr lang="en-US" sz="1200" b="0" i="0" dirty="0">
+              <a:rPr lang="en-US" sz="1300" b="0" i="0" dirty="0">
                 <a:solidFill>
                   <a:srgbClr val="3B3B3B"/>
                 </a:solidFill>
                 <a:effectLst/>
-                <a:latin typeface="Consolas" panose="020B0609020204030204" pitchFamily="49" charset="0"/>
+                <a:latin typeface="Bahnschrift" panose="020B0502040204020203" pitchFamily="34" charset="0"/>
               </a:rPr>
             </a:br>
             <a:r>
-              <a:rPr lang="en-US" sz="1200" b="0" i="0" dirty="0">
+              <a:rPr lang="en-US" sz="1300" b="0" i="0" dirty="0">
                 <a:solidFill>
                   <a:srgbClr val="3B3B3B"/>
                 </a:solidFill>
                 <a:effectLst/>
-                <a:latin typeface="Consolas" panose="020B0609020204030204" pitchFamily="49" charset="0"/>
+                <a:latin typeface="Bahnschrift" panose="020B0502040204020203" pitchFamily="34" charset="0"/>
               </a:rPr>
-              <a:t>Accuracy score: 0.9968941058794363 </a:t>
+              <a:t>Accuracy score:       0.9968941058794363 </a:t>
             </a:r>
             <a:br>
-              <a:rPr lang="en-US" sz="1200" b="0" i="0" dirty="0">
+              <a:rPr lang="en-US" sz="1300" b="0" i="0" dirty="0">
                 <a:solidFill>
                   <a:srgbClr val="3B3B3B"/>
                 </a:solidFill>
                 <a:effectLst/>
-                <a:latin typeface="Consolas" panose="020B0609020204030204" pitchFamily="49" charset="0"/>
+                <a:latin typeface="Bahnschrift" panose="020B0502040204020203" pitchFamily="34" charset="0"/>
               </a:rPr>
             </a:br>
             <a:r>
-              <a:rPr lang="en-US" sz="1200" b="0" i="0" dirty="0">
+              <a:rPr lang="en-US" sz="1300" b="0" i="0" dirty="0">
                 <a:solidFill>
                   <a:srgbClr val="3B3B3B"/>
                 </a:solidFill>
                 <a:effectLst/>
-                <a:latin typeface="Consolas" panose="020B0609020204030204" pitchFamily="49" charset="0"/>
+                <a:latin typeface="Bahnschrift" panose="020B0502040204020203" pitchFamily="34" charset="0"/>
               </a:rPr>
-              <a:t>Predicted value: 0.9303200797880049 </a:t>
+              <a:t>Predicted value:       0.9303200797880049 </a:t>
             </a:r>
             <a:br>
-              <a:rPr lang="en-US" sz="1200" b="0" i="0" dirty="0">
+              <a:rPr lang="en-US" sz="1300" b="0" i="0" dirty="0">
                 <a:solidFill>
                   <a:srgbClr val="3B3B3B"/>
                 </a:solidFill>
                 <a:effectLst/>
-                <a:latin typeface="Consolas" panose="020B0609020204030204" pitchFamily="49" charset="0"/>
+                <a:latin typeface="Bahnschrift" panose="020B0502040204020203" pitchFamily="34" charset="0"/>
               </a:rPr>
             </a:br>
             <a:r>
-              <a:rPr lang="en-US" sz="1200" b="0" i="0" dirty="0" err="1">
+              <a:rPr lang="en-US" sz="1300" b="0" i="0" dirty="0">
                 <a:solidFill>
                   <a:srgbClr val="3B3B3B"/>
                 </a:solidFill>
                 <a:effectLst/>
-                <a:latin typeface="Consolas" panose="020B0609020204030204" pitchFamily="49" charset="0"/>
+                <a:latin typeface="Bahnschrift" panose="020B0502040204020203" pitchFamily="34" charset="0"/>
               </a:rPr>
-              <a:t>GroundTruth</a:t>
+              <a:t>Ground Truth value: 0.9860506290456943</a:t>
             </a:r>
-            <a:r>
-              <a:rPr lang="en-US" sz="1200" b="0" i="0" dirty="0">
-                <a:solidFill>
-                  <a:srgbClr val="3B3B3B"/>
-                </a:solidFill>
-                <a:effectLst/>
-                <a:latin typeface="Consolas" panose="020B0609020204030204" pitchFamily="49" charset="0"/>
-              </a:rPr>
-              <a:t> value: 0.9860506290456943</a:t>
-            </a:r>
-            <a:endParaRPr lang="it-IT" sz="1200" dirty="0"/>
+            <a:endParaRPr lang="it-IT" sz="1300" dirty="0">
+              <a:latin typeface="Bahnschrift" panose="020B0502040204020203" pitchFamily="34" charset="0"/>
+            </a:endParaRPr>
           </a:p>
         </p:txBody>
       </p:sp>
